--- a/presentations/Introduction to WireMock.pptx
+++ b/presentations/Introduction to WireMock.pptx
@@ -7,13 +7,11 @@
   <p:sldIdLst>
     <p:sldId id="256" r:id="rId2"/>
     <p:sldId id="257" r:id="rId3"/>
-    <p:sldId id="274" r:id="rId4"/>
-    <p:sldId id="270" r:id="rId5"/>
-    <p:sldId id="271" r:id="rId6"/>
+    <p:sldId id="272" r:id="rId4"/>
+    <p:sldId id="273" r:id="rId5"/>
+    <p:sldId id="274" r:id="rId6"/>
     <p:sldId id="275" r:id="rId7"/>
-    <p:sldId id="272" r:id="rId8"/>
-    <p:sldId id="273" r:id="rId9"/>
-    <p:sldId id="269" r:id="rId10"/>
+    <p:sldId id="269" r:id="rId8"/>
   </p:sldIdLst>
   <p:sldSz cx="12192000" cy="6858000"/>
   <p:notesSz cx="6858000" cy="9144000"/>
@@ -279,7 +277,7 @@
           <a:p>
             <a:fld id="{B051A233-554D-9E4F-B676-5FA9AA940918}" type="datetimeFigureOut">
               <a:rPr lang="en-US" smtClean="0"/>
-              <a:t>12/14/21</a:t>
+              <a:t>1/11/22</a:t>
             </a:fld>
             <a:endParaRPr lang="en-US"/>
           </a:p>
@@ -477,7 +475,7 @@
           <a:p>
             <a:fld id="{B051A233-554D-9E4F-B676-5FA9AA940918}" type="datetimeFigureOut">
               <a:rPr lang="en-US" smtClean="0"/>
-              <a:t>12/14/21</a:t>
+              <a:t>1/11/22</a:t>
             </a:fld>
             <a:endParaRPr lang="en-US"/>
           </a:p>
@@ -685,7 +683,7 @@
           <a:p>
             <a:fld id="{B051A233-554D-9E4F-B676-5FA9AA940918}" type="datetimeFigureOut">
               <a:rPr lang="en-US" smtClean="0"/>
-              <a:t>12/14/21</a:t>
+              <a:t>1/11/22</a:t>
             </a:fld>
             <a:endParaRPr lang="en-US"/>
           </a:p>
@@ -883,7 +881,7 @@
           <a:p>
             <a:fld id="{B051A233-554D-9E4F-B676-5FA9AA940918}" type="datetimeFigureOut">
               <a:rPr lang="en-US" smtClean="0"/>
-              <a:t>12/14/21</a:t>
+              <a:t>1/11/22</a:t>
             </a:fld>
             <a:endParaRPr lang="en-US"/>
           </a:p>
@@ -1158,7 +1156,7 @@
           <a:p>
             <a:fld id="{B051A233-554D-9E4F-B676-5FA9AA940918}" type="datetimeFigureOut">
               <a:rPr lang="en-US" smtClean="0"/>
-              <a:t>12/14/21</a:t>
+              <a:t>1/11/22</a:t>
             </a:fld>
             <a:endParaRPr lang="en-US"/>
           </a:p>
@@ -1423,7 +1421,7 @@
           <a:p>
             <a:fld id="{B051A233-554D-9E4F-B676-5FA9AA940918}" type="datetimeFigureOut">
               <a:rPr lang="en-US" smtClean="0"/>
-              <a:t>12/14/21</a:t>
+              <a:t>1/11/22</a:t>
             </a:fld>
             <a:endParaRPr lang="en-US"/>
           </a:p>
@@ -1835,7 +1833,7 @@
           <a:p>
             <a:fld id="{B051A233-554D-9E4F-B676-5FA9AA940918}" type="datetimeFigureOut">
               <a:rPr lang="en-US" smtClean="0"/>
-              <a:t>12/14/21</a:t>
+              <a:t>1/11/22</a:t>
             </a:fld>
             <a:endParaRPr lang="en-US"/>
           </a:p>
@@ -1976,7 +1974,7 @@
           <a:p>
             <a:fld id="{B051A233-554D-9E4F-B676-5FA9AA940918}" type="datetimeFigureOut">
               <a:rPr lang="en-US" smtClean="0"/>
-              <a:t>12/14/21</a:t>
+              <a:t>1/11/22</a:t>
             </a:fld>
             <a:endParaRPr lang="en-US"/>
           </a:p>
@@ -2089,7 +2087,7 @@
           <a:p>
             <a:fld id="{B051A233-554D-9E4F-B676-5FA9AA940918}" type="datetimeFigureOut">
               <a:rPr lang="en-US" smtClean="0"/>
-              <a:t>12/14/21</a:t>
+              <a:t>1/11/22</a:t>
             </a:fld>
             <a:endParaRPr lang="en-US"/>
           </a:p>
@@ -2400,7 +2398,7 @@
           <a:p>
             <a:fld id="{B051A233-554D-9E4F-B676-5FA9AA940918}" type="datetimeFigureOut">
               <a:rPr lang="en-US" smtClean="0"/>
-              <a:t>12/14/21</a:t>
+              <a:t>1/11/22</a:t>
             </a:fld>
             <a:endParaRPr lang="en-US"/>
           </a:p>
@@ -2688,7 +2686,7 @@
           <a:p>
             <a:fld id="{B051A233-554D-9E4F-B676-5FA9AA940918}" type="datetimeFigureOut">
               <a:rPr lang="en-US" smtClean="0"/>
-              <a:t>12/14/21</a:t>
+              <a:t>1/11/22</a:t>
             </a:fld>
             <a:endParaRPr lang="en-US"/>
           </a:p>
@@ -2929,7 +2927,7 @@
           <a:p>
             <a:fld id="{B051A233-554D-9E4F-B676-5FA9AA940918}" type="datetimeFigureOut">
               <a:rPr lang="en-US" smtClean="0"/>
-              <a:t>12/14/21</a:t>
+              <a:t>1/11/22</a:t>
             </a:fld>
             <a:endParaRPr lang="en-US"/>
           </a:p>
@@ -3373,7 +3371,7 @@
             </a:r>
             <a:r>
               <a:rPr lang="en-US" dirty="0" err="1"/>
-              <a:t>Testcontainers</a:t>
+              <a:t>WireMock</a:t>
             </a:r>
             <a:endParaRPr lang="en-US" dirty="0"/>
           </a:p>
@@ -3464,7 +3462,7 @@
             </a:r>
             <a:r>
               <a:rPr lang="en-US" b="1" dirty="0" err="1"/>
-              <a:t>Testcontainers</a:t>
+              <a:t>WireMock</a:t>
             </a:r>
             <a:r>
               <a:rPr lang="en-US" b="1" dirty="0"/>
@@ -3496,75 +3494,20 @@
           <a:p>
             <a:r>
               <a:rPr lang="en-US" dirty="0"/>
-              <a:t>Java library that provides lightweight, throwaway Docker containers for integrated tests.</a:t>
-            </a:r>
-          </a:p>
-          <a:p>
-            <a:pPr lvl="1"/>
+              <a:t>Simulator for HTTP-based APIs</a:t>
+            </a:r>
+          </a:p>
+          <a:p>
             <a:r>
               <a:rPr lang="en-US" dirty="0"/>
-              <a:t>Databases</a:t>
-            </a:r>
-          </a:p>
-          <a:p>
-            <a:pPr lvl="1"/>
-            <a:r>
-              <a:rPr lang="en-US" dirty="0" err="1"/>
-              <a:t>Elastisearch</a:t>
-            </a:r>
-            <a:endParaRPr lang="en-US" dirty="0"/>
-          </a:p>
-          <a:p>
-            <a:pPr lvl="1"/>
+              <a:t>Runs in-process in your Java application or JUnit test</a:t>
+            </a:r>
+          </a:p>
+          <a:p>
             <a:r>
               <a:rPr lang="en-US" dirty="0"/>
-              <a:t>Kafka, Apache Pulsar, RabbitMQ</a:t>
-            </a:r>
-          </a:p>
-          <a:p>
-            <a:pPr lvl="1"/>
-            <a:r>
-              <a:rPr lang="en-US" dirty="0"/>
-              <a:t>Azure, GCP, </a:t>
-            </a:r>
-            <a:r>
-              <a:rPr lang="en-US" dirty="0" err="1"/>
-              <a:t>Localstack</a:t>
-            </a:r>
-            <a:r>
-              <a:rPr lang="en-US" dirty="0"/>
-              <a:t> (AWS)</a:t>
-            </a:r>
-          </a:p>
-          <a:p>
-            <a:pPr lvl="1"/>
-            <a:r>
-              <a:rPr lang="en-US" dirty="0" err="1"/>
-              <a:t>Keycloak</a:t>
-            </a:r>
-            <a:endParaRPr lang="en-US" dirty="0"/>
-          </a:p>
-          <a:p>
-            <a:pPr lvl="1"/>
-            <a:r>
-              <a:rPr lang="en-US" dirty="0"/>
-              <a:t>Many others</a:t>
-            </a:r>
-          </a:p>
-          <a:p>
-            <a:r>
-              <a:rPr lang="en-US" dirty="0"/>
-              <a:t>Integrates with JUnit 5, JUnit 4 and Spock Framework.</a:t>
-            </a:r>
-          </a:p>
-          <a:p>
-            <a:r>
-              <a:rPr lang="en-US" dirty="0"/>
-              <a:t>Integration tests control the Docker container. </a:t>
-            </a:r>
-          </a:p>
-          <a:p>
-            <a:endParaRPr lang="en-US" dirty="0"/>
+              <a:t>Runs as a standalone process also</a:t>
+            </a:r>
           </a:p>
         </p:txBody>
       </p:sp>
@@ -3621,7 +3564,7 @@
           <a:p>
             <a:r>
               <a:rPr lang="en-US" b="1" dirty="0"/>
-              <a:t>Running a container during a JUnit 5 test</a:t>
+              <a:t>Request matching</a:t>
             </a:r>
           </a:p>
         </p:txBody>
@@ -3644,233 +3587,73 @@
         </p:nvSpPr>
         <p:spPr/>
         <p:txBody>
-          <a:bodyPr>
-            <a:normAutofit/>
-          </a:bodyPr>
-          <a:lstStyle/>
-          <a:p>
+          <a:bodyPr/>
+          <a:lstStyle/>
+          <a:p>
+            <a:r>
+              <a:rPr lang="en-US" dirty="0" err="1"/>
+              <a:t>WireMock</a:t>
+            </a:r>
             <a:r>
               <a:rPr lang="en-US" dirty="0"/>
-              <a:t>Annotate your JUnit 5 Jupiter test class with </a:t>
-            </a:r>
-            <a:r>
-              <a:rPr lang="en-US" dirty="0">
-                <a:solidFill>
-                  <a:schemeClr val="accent2"/>
-                </a:solidFill>
-                <a:latin typeface="Courier" pitchFamily="2" charset="0"/>
-              </a:rPr>
-              <a:t>@</a:t>
-            </a:r>
-            <a:r>
-              <a:rPr lang="en-US" dirty="0" err="1">
-                <a:solidFill>
-                  <a:schemeClr val="accent2"/>
-                </a:solidFill>
-                <a:latin typeface="Courier" pitchFamily="2" charset="0"/>
-              </a:rPr>
-              <a:t>Testcontainers</a:t>
-            </a:r>
-            <a:r>
-              <a:rPr lang="en-US" dirty="0">
-                <a:latin typeface="Courier" pitchFamily="2" charset="0"/>
-              </a:rPr>
-              <a:t> </a:t>
-            </a:r>
+              <a:t> supports request matching to stubs and verification queries</a:t>
+            </a:r>
+          </a:p>
+          <a:p>
+            <a:pPr lvl="1"/>
             <a:r>
               <a:rPr lang="en-US" dirty="0"/>
-              <a:t>annotation.</a:t>
-            </a:r>
-          </a:p>
-          <a:p>
+              <a:t>URL</a:t>
+            </a:r>
+          </a:p>
+          <a:p>
+            <a:pPr lvl="1"/>
             <a:r>
               <a:rPr lang="en-US" dirty="0"/>
-              <a:t>Add field to test class to get access to the container.</a:t>
-            </a:r>
-          </a:p>
-          <a:p>
-            <a:pPr marL="0" indent="0">
-              <a:buNone/>
-            </a:pPr>
-            <a:endParaRPr lang="en-US" dirty="0"/>
-          </a:p>
-          <a:p>
-            <a:pPr marL="0" indent="0">
-              <a:buNone/>
-            </a:pPr>
-            <a:r>
-              <a:rPr lang="en-US" sz="2200" dirty="0">
-                <a:solidFill>
-                  <a:schemeClr val="accent2"/>
-                </a:solidFill>
-                <a:latin typeface="Courier" pitchFamily="2" charset="0"/>
-              </a:rPr>
-              <a:t>@Container</a:t>
-            </a:r>
-            <a:r>
-              <a:rPr lang="en-US" sz="2200" dirty="0">
-                <a:latin typeface="Courier" pitchFamily="2" charset="0"/>
-              </a:rPr>
-              <a:t> </a:t>
-            </a:r>
-            <a:r>
-              <a:rPr lang="en-US" sz="2200" dirty="0">
-                <a:solidFill>
-                  <a:schemeClr val="accent1"/>
-                </a:solidFill>
-                <a:latin typeface="Courier" pitchFamily="2" charset="0"/>
-              </a:rPr>
-              <a:t>public</a:t>
-            </a:r>
-            <a:r>
-              <a:rPr lang="en-US" sz="2200" dirty="0">
-                <a:latin typeface="Courier" pitchFamily="2" charset="0"/>
-              </a:rPr>
-              <a:t> </a:t>
-            </a:r>
-            <a:r>
-              <a:rPr lang="en-US" sz="2200" dirty="0" err="1">
-                <a:latin typeface="Courier" pitchFamily="2" charset="0"/>
-              </a:rPr>
-              <a:t>GenericContainer</a:t>
-            </a:r>
-            <a:r>
-              <a:rPr lang="en-US" sz="2200" dirty="0">
-                <a:latin typeface="Courier" pitchFamily="2" charset="0"/>
-              </a:rPr>
-              <a:t> </a:t>
-            </a:r>
-            <a:r>
-              <a:rPr lang="en-US" sz="2200" dirty="0" err="1">
-                <a:latin typeface="Courier" pitchFamily="2" charset="0"/>
-              </a:rPr>
-              <a:t>redis</a:t>
-            </a:r>
-            <a:r>
-              <a:rPr lang="en-US" sz="2200" dirty="0">
-                <a:latin typeface="Courier" pitchFamily="2" charset="0"/>
-              </a:rPr>
-              <a:t> = </a:t>
-            </a:r>
-            <a:br>
-              <a:rPr lang="en-US" sz="2200" dirty="0">
-                <a:latin typeface="Courier" pitchFamily="2" charset="0"/>
-              </a:rPr>
-            </a:br>
-            <a:r>
-              <a:rPr lang="en-US" sz="2200" dirty="0">
-                <a:latin typeface="Courier" pitchFamily="2" charset="0"/>
-              </a:rPr>
-              <a:t>  </a:t>
-            </a:r>
-            <a:r>
-              <a:rPr lang="en-US" sz="2200" dirty="0">
-                <a:solidFill>
-                  <a:schemeClr val="accent1"/>
-                </a:solidFill>
-                <a:latin typeface="Courier" pitchFamily="2" charset="0"/>
-              </a:rPr>
-              <a:t>new</a:t>
-            </a:r>
-            <a:r>
-              <a:rPr lang="en-US" sz="2200" dirty="0">
-                <a:latin typeface="Courier" pitchFamily="2" charset="0"/>
-              </a:rPr>
-              <a:t> </a:t>
-            </a:r>
-            <a:r>
-              <a:rPr lang="en-US" sz="2200" dirty="0" err="1">
-                <a:latin typeface="Courier" pitchFamily="2" charset="0"/>
-              </a:rPr>
-              <a:t>GenericContainer</a:t>
-            </a:r>
-            <a:r>
-              <a:rPr lang="en-US" sz="2200" dirty="0">
-                <a:latin typeface="Courier" pitchFamily="2" charset="0"/>
-              </a:rPr>
-              <a:t>(</a:t>
-            </a:r>
-            <a:r>
-              <a:rPr lang="en-US" sz="2200" dirty="0" err="1">
-                <a:latin typeface="Courier" pitchFamily="2" charset="0"/>
-              </a:rPr>
-              <a:t>DockerImageName.parse</a:t>
-            </a:r>
-            <a:r>
-              <a:rPr lang="en-US" sz="2200" dirty="0">
-                <a:latin typeface="Courier" pitchFamily="2" charset="0"/>
-              </a:rPr>
-              <a:t>(</a:t>
-            </a:r>
-            <a:br>
-              <a:rPr lang="en-US" sz="2200" dirty="0">
-                <a:latin typeface="Courier" pitchFamily="2" charset="0"/>
-              </a:rPr>
-            </a:br>
-            <a:r>
-              <a:rPr lang="en-US" sz="2200" dirty="0">
-                <a:latin typeface="Courier" pitchFamily="2" charset="0"/>
-              </a:rPr>
-              <a:t>         </a:t>
-            </a:r>
-            <a:r>
-              <a:rPr lang="en-US" sz="2200" dirty="0">
-                <a:solidFill>
-                  <a:schemeClr val="accent6">
-                    <a:lumMod val="75000"/>
-                  </a:schemeClr>
-                </a:solidFill>
-                <a:latin typeface="Courier" pitchFamily="2" charset="0"/>
-              </a:rPr>
-              <a:t>"redis:5.0.3-alpine"</a:t>
-            </a:r>
-            <a:br>
-              <a:rPr lang="en-US" sz="2200" dirty="0">
-                <a:latin typeface="Courier" pitchFamily="2" charset="0"/>
-              </a:rPr>
-            </a:br>
-            <a:r>
-              <a:rPr lang="en-US" sz="2200" dirty="0">
-                <a:latin typeface="Courier" pitchFamily="2" charset="0"/>
-              </a:rPr>
-              <a:t>      )</a:t>
-            </a:r>
-            <a:br>
-              <a:rPr lang="en-US" sz="2200" dirty="0">
-                <a:latin typeface="Courier" pitchFamily="2" charset="0"/>
-              </a:rPr>
-            </a:br>
-            <a:r>
-              <a:rPr lang="en-US" sz="2200" dirty="0">
-                <a:latin typeface="Courier" pitchFamily="2" charset="0"/>
-              </a:rPr>
-              <a:t>  ).</a:t>
-            </a:r>
-            <a:r>
-              <a:rPr lang="en-US" sz="2200" dirty="0" err="1">
-                <a:latin typeface="Courier" pitchFamily="2" charset="0"/>
-              </a:rPr>
-              <a:t>withExposedPorts</a:t>
-            </a:r>
-            <a:r>
-              <a:rPr lang="en-US" sz="2200" dirty="0">
-                <a:latin typeface="Courier" pitchFamily="2" charset="0"/>
-              </a:rPr>
-              <a:t>(6379);</a:t>
-            </a:r>
-            <a:r>
-              <a:rPr lang="en-US" sz="2200" dirty="0"/>
-              <a:t> </a:t>
-            </a:r>
-          </a:p>
-          <a:p>
-            <a:pPr marL="0" indent="0">
-              <a:buNone/>
-            </a:pPr>
-            <a:br>
-              <a:rPr lang="en-US" sz="2200" dirty="0"/>
-            </a:br>
-            <a:endParaRPr lang="en-US" sz="2200" dirty="0"/>
+              <a:t>HTTP method</a:t>
+            </a:r>
+          </a:p>
+          <a:p>
+            <a:pPr lvl="1"/>
+            <a:r>
+              <a:rPr lang="en-US" dirty="0"/>
+              <a:t>Query parameters</a:t>
+            </a:r>
+          </a:p>
+          <a:p>
+            <a:pPr lvl="1"/>
+            <a:r>
+              <a:rPr lang="en-US" dirty="0"/>
+              <a:t>Headers</a:t>
+            </a:r>
+          </a:p>
+          <a:p>
+            <a:pPr lvl="1"/>
+            <a:r>
+              <a:rPr lang="en-US" dirty="0"/>
+              <a:t>Basic authentication (a special case of header matching)</a:t>
+            </a:r>
+          </a:p>
+          <a:p>
+            <a:pPr lvl="1"/>
+            <a:r>
+              <a:rPr lang="en-US" dirty="0"/>
+              <a:t>Cookies</a:t>
+            </a:r>
+          </a:p>
+          <a:p>
+            <a:pPr lvl="1"/>
+            <a:r>
+              <a:rPr lang="en-US" dirty="0"/>
+              <a:t>Request body</a:t>
+            </a:r>
+          </a:p>
+          <a:p>
+            <a:pPr lvl="1"/>
+            <a:r>
+              <a:rPr lang="en-US" dirty="0"/>
+              <a:t>Multipart/form-data </a:t>
+            </a:r>
           </a:p>
           <a:p>
             <a:endParaRPr lang="en-US" dirty="0"/>
@@ -3880,7 +3663,7 @@
     </p:spTree>
     <p:extLst>
       <p:ext uri="{BB962C8B-B14F-4D97-AF65-F5344CB8AC3E}">
-        <p14:creationId xmlns:p14="http://schemas.microsoft.com/office/powerpoint/2010/main" val="2058664012"/>
+        <p14:creationId xmlns:p14="http://schemas.microsoft.com/office/powerpoint/2010/main" val="920010761"/>
       </p:ext>
     </p:extLst>
   </p:cSld>
@@ -3930,7 +3713,7 @@
           <a:p>
             <a:r>
               <a:rPr lang="en-US" b="1" dirty="0"/>
-              <a:t>Interacting with the container</a:t>
+              <a:t>Request matching example</a:t>
             </a:r>
           </a:p>
         </p:txBody>
@@ -3953,103 +3736,846 @@
         </p:nvSpPr>
         <p:spPr/>
         <p:txBody>
-          <a:bodyPr/>
-          <a:lstStyle/>
-          <a:p>
-            <a:r>
-              <a:rPr lang="en-US" dirty="0" err="1"/>
-              <a:t>Testcontainers</a:t>
-            </a:r>
-            <a:r>
-              <a:rPr lang="en-US" dirty="0"/>
-              <a:t> uses </a:t>
-            </a:r>
-            <a:r>
-              <a:rPr lang="en-US" i="1" dirty="0"/>
-              <a:t>randomized</a:t>
-            </a:r>
-            <a:r>
-              <a:rPr lang="en-US" dirty="0"/>
-              <a:t> ports for each container it starts.</a:t>
-            </a:r>
-          </a:p>
-          <a:p>
-            <a:pPr lvl="1"/>
-            <a:r>
-              <a:rPr lang="en-US" dirty="0"/>
-              <a:t>Easy to obtain the actual port at runtime in our test set up: </a:t>
-            </a:r>
-          </a:p>
+          <a:bodyPr>
+            <a:noAutofit/>
+          </a:bodyPr>
+          <a:lstStyle/>
           <a:p>
             <a:pPr marL="0" indent="0">
               <a:buNone/>
             </a:pPr>
-            <a:endParaRPr lang="en-US" sz="2000" dirty="0">
-              <a:latin typeface="Courier" pitchFamily="2" charset="0"/>
-            </a:endParaRPr>
+            <a:r>
+              <a:rPr lang="en-US" sz="1400" dirty="0" err="1">
+                <a:solidFill>
+                  <a:schemeClr val="accent2">
+                    <a:lumMod val="75000"/>
+                  </a:schemeClr>
+                </a:solidFill>
+                <a:latin typeface="Courier" pitchFamily="2" charset="0"/>
+              </a:rPr>
+              <a:t>stubFor</a:t>
+            </a:r>
+            <a:r>
+              <a:rPr lang="en-US" sz="1400" dirty="0">
+                <a:latin typeface="Courier" pitchFamily="2" charset="0"/>
+              </a:rPr>
+              <a:t>(</a:t>
+            </a:r>
+            <a:r>
+              <a:rPr lang="en-US" sz="1400" dirty="0">
+                <a:solidFill>
+                  <a:schemeClr val="accent2">
+                    <a:lumMod val="75000"/>
+                  </a:schemeClr>
+                </a:solidFill>
+                <a:latin typeface="Courier" pitchFamily="2" charset="0"/>
+              </a:rPr>
+              <a:t>any</a:t>
+            </a:r>
+            <a:r>
+              <a:rPr lang="en-US" sz="1400" dirty="0">
+                <a:latin typeface="Courier" pitchFamily="2" charset="0"/>
+              </a:rPr>
+              <a:t>(</a:t>
+            </a:r>
+            <a:r>
+              <a:rPr lang="en-US" sz="1400" dirty="0" err="1">
+                <a:solidFill>
+                  <a:schemeClr val="accent2">
+                    <a:lumMod val="75000"/>
+                  </a:schemeClr>
+                </a:solidFill>
+                <a:latin typeface="Courier" pitchFamily="2" charset="0"/>
+              </a:rPr>
+              <a:t>urlPathEqualTo</a:t>
+            </a:r>
+            <a:r>
+              <a:rPr lang="en-US" sz="1400" dirty="0">
+                <a:latin typeface="Courier" pitchFamily="2" charset="0"/>
+              </a:rPr>
+              <a:t>(</a:t>
+            </a:r>
+            <a:r>
+              <a:rPr lang="en-US" sz="1400" dirty="0">
+                <a:solidFill>
+                  <a:schemeClr val="accent6">
+                    <a:lumMod val="50000"/>
+                  </a:schemeClr>
+                </a:solidFill>
+                <a:latin typeface="Courier" pitchFamily="2" charset="0"/>
+              </a:rPr>
+              <a:t>"/everything"</a:t>
+            </a:r>
+            <a:r>
+              <a:rPr lang="en-US" sz="1400" dirty="0">
+                <a:latin typeface="Courier" pitchFamily="2" charset="0"/>
+              </a:rPr>
+              <a:t>))</a:t>
+            </a:r>
           </a:p>
           <a:p>
             <a:pPr marL="0" indent="0">
               <a:buNone/>
             </a:pPr>
             <a:r>
-              <a:rPr lang="en-US" sz="2000" dirty="0">
-                <a:solidFill>
-                  <a:schemeClr val="accent1"/>
-                </a:solidFill>
-                <a:latin typeface="Courier" pitchFamily="2" charset="0"/>
-              </a:rPr>
-              <a:t>String</a:t>
-            </a:r>
-            <a:r>
-              <a:rPr lang="en-US" sz="2000" dirty="0">
-                <a:latin typeface="Courier" pitchFamily="2" charset="0"/>
-              </a:rPr>
-              <a:t> address = </a:t>
-            </a:r>
-            <a:r>
-              <a:rPr lang="en-US" sz="2000" dirty="0" err="1">
-                <a:latin typeface="Courier" pitchFamily="2" charset="0"/>
-              </a:rPr>
-              <a:t>redis.getHost</a:t>
-            </a:r>
-            <a:r>
-              <a:rPr lang="en-US" sz="2000" dirty="0">
-                <a:latin typeface="Courier" pitchFamily="2" charset="0"/>
-              </a:rPr>
-              <a:t>(); </a:t>
-            </a:r>
-            <a:br>
-              <a:rPr lang="en-US" sz="2000" dirty="0">
-                <a:latin typeface="Courier" pitchFamily="2" charset="0"/>
-              </a:rPr>
-            </a:br>
-            <a:r>
-              <a:rPr lang="en-US" sz="2000" dirty="0">
-                <a:solidFill>
-                  <a:schemeClr val="accent1"/>
-                </a:solidFill>
-                <a:latin typeface="Courier" pitchFamily="2" charset="0"/>
-              </a:rPr>
-              <a:t>Integer</a:t>
-            </a:r>
-            <a:r>
-              <a:rPr lang="en-US" sz="2000" dirty="0">
-                <a:latin typeface="Courier" pitchFamily="2" charset="0"/>
-              </a:rPr>
-              <a:t> port = </a:t>
-            </a:r>
-            <a:r>
-              <a:rPr lang="en-US" sz="2000" dirty="0" err="1">
-                <a:latin typeface="Courier" pitchFamily="2" charset="0"/>
-              </a:rPr>
-              <a:t>redis.getFirstMappedPort</a:t>
-            </a:r>
-            <a:r>
-              <a:rPr lang="en-US" sz="2000" dirty="0">
-                <a:latin typeface="Courier" pitchFamily="2" charset="0"/>
-              </a:rPr>
-              <a:t>(); </a:t>
+              <a:rPr lang="en-US" sz="1400" dirty="0">
+                <a:latin typeface="Courier" pitchFamily="2" charset="0"/>
+              </a:rPr>
+              <a:t>  .</a:t>
+            </a:r>
+            <a:r>
+              <a:rPr lang="en-US" sz="1400" dirty="0" err="1">
+                <a:solidFill>
+                  <a:srgbClr val="0070C0"/>
+                </a:solidFill>
+                <a:latin typeface="Courier" pitchFamily="2" charset="0"/>
+              </a:rPr>
+              <a:t>withHeader</a:t>
+            </a:r>
+            <a:r>
+              <a:rPr lang="en-US" sz="1400" dirty="0">
+                <a:latin typeface="Courier" pitchFamily="2" charset="0"/>
+              </a:rPr>
+              <a:t>(</a:t>
+            </a:r>
+            <a:r>
+              <a:rPr lang="en-US" sz="1400" dirty="0">
+                <a:solidFill>
+                  <a:schemeClr val="accent6">
+                    <a:lumMod val="50000"/>
+                  </a:schemeClr>
+                </a:solidFill>
+                <a:latin typeface="Courier" pitchFamily="2" charset="0"/>
+              </a:rPr>
+              <a:t>"Accept"</a:t>
+            </a:r>
+            <a:r>
+              <a:rPr lang="en-US" sz="1400" dirty="0">
+                <a:latin typeface="Courier" pitchFamily="2" charset="0"/>
+              </a:rPr>
+              <a:t>, </a:t>
+            </a:r>
+            <a:r>
+              <a:rPr lang="en-US" sz="1400" dirty="0">
+                <a:solidFill>
+                  <a:schemeClr val="accent2">
+                    <a:lumMod val="75000"/>
+                  </a:schemeClr>
+                </a:solidFill>
+                <a:latin typeface="Courier" pitchFamily="2" charset="0"/>
+              </a:rPr>
+              <a:t>containing</a:t>
+            </a:r>
+            <a:r>
+              <a:rPr lang="en-US" sz="1400" dirty="0">
+                <a:latin typeface="Courier" pitchFamily="2" charset="0"/>
+              </a:rPr>
+              <a:t>(</a:t>
+            </a:r>
+            <a:r>
+              <a:rPr lang="en-US" sz="1400" dirty="0">
+                <a:solidFill>
+                  <a:schemeClr val="accent6">
+                    <a:lumMod val="50000"/>
+                  </a:schemeClr>
+                </a:solidFill>
+                <a:latin typeface="Courier" pitchFamily="2" charset="0"/>
+              </a:rPr>
+              <a:t>"xml"</a:t>
+            </a:r>
+            <a:r>
+              <a:rPr lang="en-US" sz="1400" dirty="0">
+                <a:latin typeface="Courier" pitchFamily="2" charset="0"/>
+              </a:rPr>
+              <a:t>))</a:t>
+            </a:r>
+          </a:p>
+          <a:p>
+            <a:pPr marL="0" indent="0">
+              <a:buNone/>
+            </a:pPr>
+            <a:r>
+              <a:rPr lang="en-US" sz="1400" dirty="0">
+                <a:latin typeface="Courier" pitchFamily="2" charset="0"/>
+              </a:rPr>
+              <a:t>  .</a:t>
+            </a:r>
+            <a:r>
+              <a:rPr lang="en-US" sz="1400" dirty="0" err="1">
+                <a:solidFill>
+                  <a:srgbClr val="0070C0"/>
+                </a:solidFill>
+                <a:latin typeface="Courier" pitchFamily="2" charset="0"/>
+              </a:rPr>
+              <a:t>withCookie</a:t>
+            </a:r>
+            <a:r>
+              <a:rPr lang="en-US" sz="1400" dirty="0">
+                <a:latin typeface="Courier" pitchFamily="2" charset="0"/>
+              </a:rPr>
+              <a:t>(</a:t>
+            </a:r>
+            <a:r>
+              <a:rPr lang="en-US" sz="1400" dirty="0">
+                <a:solidFill>
+                  <a:schemeClr val="accent6">
+                    <a:lumMod val="50000"/>
+                  </a:schemeClr>
+                </a:solidFill>
+                <a:latin typeface="Courier" pitchFamily="2" charset="0"/>
+              </a:rPr>
+              <a:t>"session"</a:t>
+            </a:r>
+            <a:r>
+              <a:rPr lang="en-US" sz="1400" dirty="0">
+                <a:latin typeface="Courier" pitchFamily="2" charset="0"/>
+              </a:rPr>
+              <a:t>, </a:t>
+            </a:r>
+            <a:r>
+              <a:rPr lang="en-US" sz="1400" dirty="0">
+                <a:solidFill>
+                  <a:schemeClr val="accent2">
+                    <a:lumMod val="75000"/>
+                  </a:schemeClr>
+                </a:solidFill>
+                <a:latin typeface="Courier" pitchFamily="2" charset="0"/>
+              </a:rPr>
+              <a:t>matching</a:t>
+            </a:r>
+            <a:r>
+              <a:rPr lang="en-US" sz="1400" dirty="0">
+                <a:latin typeface="Courier" pitchFamily="2" charset="0"/>
+              </a:rPr>
+              <a:t>(</a:t>
+            </a:r>
+            <a:r>
+              <a:rPr lang="en-US" sz="1400" dirty="0">
+                <a:solidFill>
+                  <a:schemeClr val="accent6">
+                    <a:lumMod val="50000"/>
+                  </a:schemeClr>
+                </a:solidFill>
+                <a:latin typeface="Courier" pitchFamily="2" charset="0"/>
+              </a:rPr>
+              <a:t>".*12345.*"</a:t>
+            </a:r>
+            <a:r>
+              <a:rPr lang="en-US" sz="1400" dirty="0">
+                <a:latin typeface="Courier" pitchFamily="2" charset="0"/>
+              </a:rPr>
+              <a:t>))</a:t>
+            </a:r>
+          </a:p>
+          <a:p>
+            <a:pPr marL="0" indent="0">
+              <a:buNone/>
+            </a:pPr>
+            <a:r>
+              <a:rPr lang="en-US" sz="1400" dirty="0">
+                <a:latin typeface="Courier" pitchFamily="2" charset="0"/>
+              </a:rPr>
+              <a:t>  .</a:t>
+            </a:r>
+            <a:r>
+              <a:rPr lang="en-US" sz="1400" dirty="0" err="1">
+                <a:solidFill>
+                  <a:srgbClr val="0070C0"/>
+                </a:solidFill>
+                <a:latin typeface="Courier" pitchFamily="2" charset="0"/>
+              </a:rPr>
+              <a:t>withQueryParam</a:t>
+            </a:r>
+            <a:r>
+              <a:rPr lang="en-US" sz="1400" dirty="0">
+                <a:latin typeface="Courier" pitchFamily="2" charset="0"/>
+              </a:rPr>
+              <a:t>(</a:t>
+            </a:r>
+            <a:r>
+              <a:rPr lang="en-US" sz="1400" dirty="0">
+                <a:solidFill>
+                  <a:schemeClr val="accent6">
+                    <a:lumMod val="50000"/>
+                  </a:schemeClr>
+                </a:solidFill>
+                <a:latin typeface="Courier" pitchFamily="2" charset="0"/>
+              </a:rPr>
+              <a:t>"</a:t>
+            </a:r>
+            <a:r>
+              <a:rPr lang="en-US" sz="1400" dirty="0" err="1">
+                <a:solidFill>
+                  <a:schemeClr val="accent6">
+                    <a:lumMod val="50000"/>
+                  </a:schemeClr>
+                </a:solidFill>
+                <a:latin typeface="Courier" pitchFamily="2" charset="0"/>
+              </a:rPr>
+              <a:t>search_term</a:t>
+            </a:r>
+            <a:r>
+              <a:rPr lang="en-US" sz="1400" dirty="0">
+                <a:solidFill>
+                  <a:schemeClr val="accent6">
+                    <a:lumMod val="50000"/>
+                  </a:schemeClr>
+                </a:solidFill>
+                <a:latin typeface="Courier" pitchFamily="2" charset="0"/>
+              </a:rPr>
+              <a:t>"</a:t>
+            </a:r>
+            <a:r>
+              <a:rPr lang="en-US" sz="1400" dirty="0">
+                <a:latin typeface="Courier" pitchFamily="2" charset="0"/>
+              </a:rPr>
+              <a:t>, </a:t>
+            </a:r>
+            <a:r>
+              <a:rPr lang="en-US" sz="1400" dirty="0" err="1">
+                <a:solidFill>
+                  <a:schemeClr val="accent2">
+                    <a:lumMod val="75000"/>
+                  </a:schemeClr>
+                </a:solidFill>
+                <a:latin typeface="Courier" pitchFamily="2" charset="0"/>
+              </a:rPr>
+              <a:t>equalTo</a:t>
+            </a:r>
+            <a:r>
+              <a:rPr lang="en-US" sz="1400" dirty="0">
+                <a:latin typeface="Courier" pitchFamily="2" charset="0"/>
+              </a:rPr>
+              <a:t>(</a:t>
+            </a:r>
+            <a:r>
+              <a:rPr lang="en-US" sz="1400" dirty="0">
+                <a:solidFill>
+                  <a:schemeClr val="accent6">
+                    <a:lumMod val="50000"/>
+                  </a:schemeClr>
+                </a:solidFill>
+                <a:latin typeface="Courier" pitchFamily="2" charset="0"/>
+              </a:rPr>
+              <a:t>"</a:t>
+            </a:r>
+            <a:r>
+              <a:rPr lang="en-US" sz="1400" dirty="0" err="1">
+                <a:solidFill>
+                  <a:schemeClr val="accent6">
+                    <a:lumMod val="50000"/>
+                  </a:schemeClr>
+                </a:solidFill>
+                <a:latin typeface="Courier" pitchFamily="2" charset="0"/>
+              </a:rPr>
+              <a:t>WireMock</a:t>
+            </a:r>
+            <a:r>
+              <a:rPr lang="en-US" sz="1400" dirty="0">
+                <a:solidFill>
+                  <a:schemeClr val="accent6">
+                    <a:lumMod val="50000"/>
+                  </a:schemeClr>
+                </a:solidFill>
+                <a:latin typeface="Courier" pitchFamily="2" charset="0"/>
+              </a:rPr>
+              <a:t>"</a:t>
+            </a:r>
+            <a:r>
+              <a:rPr lang="en-US" sz="1400" dirty="0">
+                <a:latin typeface="Courier" pitchFamily="2" charset="0"/>
+              </a:rPr>
+              <a:t>))</a:t>
+            </a:r>
+          </a:p>
+          <a:p>
+            <a:pPr marL="0" indent="0">
+              <a:buNone/>
+            </a:pPr>
+            <a:r>
+              <a:rPr lang="en-US" sz="1400" dirty="0">
+                <a:latin typeface="Courier" pitchFamily="2" charset="0"/>
+              </a:rPr>
+              <a:t>  .</a:t>
+            </a:r>
+            <a:r>
+              <a:rPr lang="en-US" sz="1400" dirty="0" err="1">
+                <a:solidFill>
+                  <a:srgbClr val="0070C0"/>
+                </a:solidFill>
+                <a:latin typeface="Courier" pitchFamily="2" charset="0"/>
+              </a:rPr>
+              <a:t>withBasicAuth</a:t>
+            </a:r>
+            <a:r>
+              <a:rPr lang="en-US" sz="1400" dirty="0">
+                <a:latin typeface="Courier" pitchFamily="2" charset="0"/>
+              </a:rPr>
+              <a:t>(</a:t>
+            </a:r>
+            <a:r>
+              <a:rPr lang="en-US" sz="1400" dirty="0">
+                <a:solidFill>
+                  <a:schemeClr val="accent6">
+                    <a:lumMod val="50000"/>
+                  </a:schemeClr>
+                </a:solidFill>
+                <a:latin typeface="Courier" pitchFamily="2" charset="0"/>
+              </a:rPr>
+              <a:t>"</a:t>
+            </a:r>
+            <a:r>
+              <a:rPr lang="en-US" sz="1400" dirty="0" err="1">
+                <a:solidFill>
+                  <a:schemeClr val="accent6">
+                    <a:lumMod val="50000"/>
+                  </a:schemeClr>
+                </a:solidFill>
+                <a:latin typeface="Courier" pitchFamily="2" charset="0"/>
+              </a:rPr>
+              <a:t>jeff@example.com</a:t>
+            </a:r>
+            <a:r>
+              <a:rPr lang="en-US" sz="1400" dirty="0">
+                <a:solidFill>
+                  <a:schemeClr val="accent6">
+                    <a:lumMod val="50000"/>
+                  </a:schemeClr>
+                </a:solidFill>
+                <a:latin typeface="Courier" pitchFamily="2" charset="0"/>
+              </a:rPr>
+              <a:t>"</a:t>
+            </a:r>
+            <a:r>
+              <a:rPr lang="en-US" sz="1400" dirty="0">
+                <a:latin typeface="Courier" pitchFamily="2" charset="0"/>
+              </a:rPr>
+              <a:t>, </a:t>
+            </a:r>
+            <a:r>
+              <a:rPr lang="en-US" sz="1400" dirty="0">
+                <a:solidFill>
+                  <a:schemeClr val="accent6">
+                    <a:lumMod val="50000"/>
+                  </a:schemeClr>
+                </a:solidFill>
+                <a:latin typeface="Courier" pitchFamily="2" charset="0"/>
+              </a:rPr>
+              <a:t>”p4$$w0rD&amp;@"</a:t>
+            </a:r>
+            <a:r>
+              <a:rPr lang="en-US" sz="1400" dirty="0">
+                <a:latin typeface="Courier" pitchFamily="2" charset="0"/>
+              </a:rPr>
+              <a:t>)</a:t>
+            </a:r>
+          </a:p>
+          <a:p>
+            <a:pPr marL="0" indent="0">
+              <a:buNone/>
+            </a:pPr>
+            <a:r>
+              <a:rPr lang="en-US" sz="1400" dirty="0">
+                <a:latin typeface="Courier" pitchFamily="2" charset="0"/>
+              </a:rPr>
+              <a:t>  .</a:t>
+            </a:r>
+            <a:r>
+              <a:rPr lang="en-US" sz="1400" dirty="0" err="1">
+                <a:solidFill>
+                  <a:srgbClr val="0070C0"/>
+                </a:solidFill>
+                <a:latin typeface="Courier" pitchFamily="2" charset="0"/>
+              </a:rPr>
+              <a:t>withRequestBody</a:t>
+            </a:r>
+            <a:r>
+              <a:rPr lang="en-US" sz="1400" dirty="0">
+                <a:latin typeface="Courier" pitchFamily="2" charset="0"/>
+              </a:rPr>
+              <a:t>(</a:t>
+            </a:r>
+            <a:r>
+              <a:rPr lang="en-US" sz="1400" dirty="0" err="1">
+                <a:solidFill>
+                  <a:schemeClr val="accent2">
+                    <a:lumMod val="75000"/>
+                  </a:schemeClr>
+                </a:solidFill>
+                <a:latin typeface="Courier" pitchFamily="2" charset="0"/>
+              </a:rPr>
+              <a:t>equalToXml</a:t>
+            </a:r>
+            <a:r>
+              <a:rPr lang="en-US" sz="1400" dirty="0">
+                <a:latin typeface="Courier" pitchFamily="2" charset="0"/>
+              </a:rPr>
+              <a:t>(</a:t>
+            </a:r>
+            <a:r>
+              <a:rPr lang="en-US" sz="1400" dirty="0">
+                <a:solidFill>
+                  <a:schemeClr val="accent6">
+                    <a:lumMod val="50000"/>
+                  </a:schemeClr>
+                </a:solidFill>
+                <a:latin typeface="Courier" pitchFamily="2" charset="0"/>
+              </a:rPr>
+              <a:t>"&lt;search-results /&gt;"</a:t>
+            </a:r>
+            <a:r>
+              <a:rPr lang="en-US" sz="1400" dirty="0">
+                <a:latin typeface="Courier" pitchFamily="2" charset="0"/>
+              </a:rPr>
+              <a:t>))</a:t>
+            </a:r>
+          </a:p>
+          <a:p>
+            <a:pPr marL="0" indent="0">
+              <a:buNone/>
+            </a:pPr>
+            <a:r>
+              <a:rPr lang="en-US" sz="1400" dirty="0">
+                <a:latin typeface="Courier" pitchFamily="2" charset="0"/>
+              </a:rPr>
+              <a:t>  .</a:t>
+            </a:r>
+            <a:r>
+              <a:rPr lang="en-US" sz="1400" dirty="0" err="1">
+                <a:solidFill>
+                  <a:srgbClr val="0070C0"/>
+                </a:solidFill>
+                <a:latin typeface="Courier" pitchFamily="2" charset="0"/>
+              </a:rPr>
+              <a:t>withRequestBody</a:t>
+            </a:r>
+            <a:r>
+              <a:rPr lang="en-US" sz="1400" dirty="0">
+                <a:latin typeface="Courier" pitchFamily="2" charset="0"/>
+              </a:rPr>
+              <a:t>(</a:t>
+            </a:r>
+            <a:r>
+              <a:rPr lang="en-US" sz="1400" dirty="0" err="1">
+                <a:solidFill>
+                  <a:schemeClr val="accent2">
+                    <a:lumMod val="75000"/>
+                  </a:schemeClr>
+                </a:solidFill>
+                <a:latin typeface="Courier" pitchFamily="2" charset="0"/>
+              </a:rPr>
+              <a:t>matchingXPath</a:t>
+            </a:r>
+            <a:r>
+              <a:rPr lang="en-US" sz="1400" dirty="0">
+                <a:latin typeface="Courier" pitchFamily="2" charset="0"/>
+              </a:rPr>
+              <a:t>(</a:t>
+            </a:r>
+            <a:r>
+              <a:rPr lang="en-US" sz="1400" dirty="0">
+                <a:solidFill>
+                  <a:schemeClr val="accent6">
+                    <a:lumMod val="50000"/>
+                  </a:schemeClr>
+                </a:solidFill>
+                <a:latin typeface="Courier" pitchFamily="2" charset="0"/>
+              </a:rPr>
+              <a:t>"//search-results"</a:t>
+            </a:r>
+            <a:r>
+              <a:rPr lang="en-US" sz="1400" dirty="0">
+                <a:latin typeface="Courier" pitchFamily="2" charset="0"/>
+              </a:rPr>
+              <a:t>))</a:t>
+            </a:r>
+          </a:p>
+          <a:p>
+            <a:pPr marL="0" indent="0">
+              <a:buNone/>
+            </a:pPr>
+            <a:r>
+              <a:rPr lang="en-US" sz="1400" dirty="0">
+                <a:latin typeface="Courier" pitchFamily="2" charset="0"/>
+              </a:rPr>
+              <a:t>  .</a:t>
+            </a:r>
+            <a:r>
+              <a:rPr lang="en-US" sz="1400" dirty="0" err="1">
+                <a:solidFill>
+                  <a:srgbClr val="0070C0"/>
+                </a:solidFill>
+                <a:latin typeface="Courier" pitchFamily="2" charset="0"/>
+              </a:rPr>
+              <a:t>withMultipartRequestBody</a:t>
+            </a:r>
+            <a:r>
+              <a:rPr lang="en-US" sz="1400" dirty="0">
+                <a:latin typeface="Courier" pitchFamily="2" charset="0"/>
+              </a:rPr>
+              <a:t>(</a:t>
+            </a:r>
+          </a:p>
+          <a:p>
+            <a:pPr marL="0" indent="0">
+              <a:buNone/>
+            </a:pPr>
+            <a:r>
+              <a:rPr lang="en-US" sz="1400" dirty="0">
+                <a:latin typeface="Courier" pitchFamily="2" charset="0"/>
+              </a:rPr>
+              <a:t>  	</a:t>
+            </a:r>
+            <a:r>
+              <a:rPr lang="en-US" sz="1400" dirty="0" err="1">
+                <a:solidFill>
+                  <a:schemeClr val="accent2">
+                    <a:lumMod val="75000"/>
+                  </a:schemeClr>
+                </a:solidFill>
+                <a:latin typeface="Courier" pitchFamily="2" charset="0"/>
+              </a:rPr>
+              <a:t>aMultipart</a:t>
+            </a:r>
+            <a:r>
+              <a:rPr lang="en-US" sz="1400" dirty="0">
+                <a:latin typeface="Courier" pitchFamily="2" charset="0"/>
+              </a:rPr>
+              <a:t>()</a:t>
+            </a:r>
+          </a:p>
+          <a:p>
+            <a:pPr marL="0" indent="0">
+              <a:buNone/>
+            </a:pPr>
+            <a:r>
+              <a:rPr lang="en-US" sz="1400" dirty="0">
+                <a:latin typeface="Courier" pitchFamily="2" charset="0"/>
+              </a:rPr>
+              <a:t>  		.</a:t>
+            </a:r>
+            <a:r>
+              <a:rPr lang="en-US" sz="1400" dirty="0" err="1">
+                <a:solidFill>
+                  <a:srgbClr val="0070C0"/>
+                </a:solidFill>
+                <a:latin typeface="Courier" pitchFamily="2" charset="0"/>
+              </a:rPr>
+              <a:t>withName</a:t>
+            </a:r>
+            <a:r>
+              <a:rPr lang="en-US" sz="1400" dirty="0">
+                <a:latin typeface="Courier" pitchFamily="2" charset="0"/>
+              </a:rPr>
+              <a:t>(</a:t>
+            </a:r>
+            <a:r>
+              <a:rPr lang="en-US" sz="1400" dirty="0">
+                <a:solidFill>
+                  <a:schemeClr val="accent6">
+                    <a:lumMod val="50000"/>
+                  </a:schemeClr>
+                </a:solidFill>
+                <a:latin typeface="Courier" pitchFamily="2" charset="0"/>
+              </a:rPr>
+              <a:t>"info"</a:t>
+            </a:r>
+            <a:r>
+              <a:rPr lang="en-US" sz="1400" dirty="0">
+                <a:latin typeface="Courier" pitchFamily="2" charset="0"/>
+              </a:rPr>
+              <a:t>)</a:t>
+            </a:r>
+          </a:p>
+          <a:p>
+            <a:pPr marL="0" indent="0">
+              <a:buNone/>
+            </a:pPr>
+            <a:r>
+              <a:rPr lang="en-US" sz="1400" dirty="0">
+                <a:latin typeface="Courier" pitchFamily="2" charset="0"/>
+              </a:rPr>
+              <a:t>  		.</a:t>
+            </a:r>
+            <a:r>
+              <a:rPr lang="en-US" sz="1400" dirty="0" err="1">
+                <a:solidFill>
+                  <a:srgbClr val="0070C0"/>
+                </a:solidFill>
+                <a:latin typeface="Courier" pitchFamily="2" charset="0"/>
+              </a:rPr>
+              <a:t>withHeader</a:t>
+            </a:r>
+            <a:r>
+              <a:rPr lang="en-US" sz="1400" dirty="0">
+                <a:latin typeface="Courier" pitchFamily="2" charset="0"/>
+              </a:rPr>
+              <a:t>(</a:t>
+            </a:r>
+            <a:r>
+              <a:rPr lang="en-US" sz="1400" dirty="0">
+                <a:solidFill>
+                  <a:schemeClr val="accent6">
+                    <a:lumMod val="50000"/>
+                  </a:schemeClr>
+                </a:solidFill>
+                <a:latin typeface="Courier" pitchFamily="2" charset="0"/>
+              </a:rPr>
+              <a:t>"Content-Type"</a:t>
+            </a:r>
+            <a:r>
+              <a:rPr lang="en-US" sz="1400" dirty="0">
+                <a:latin typeface="Courier" pitchFamily="2" charset="0"/>
+              </a:rPr>
+              <a:t>, </a:t>
+            </a:r>
+            <a:r>
+              <a:rPr lang="en-US" sz="1400" dirty="0">
+                <a:solidFill>
+                  <a:schemeClr val="accent2">
+                    <a:lumMod val="75000"/>
+                  </a:schemeClr>
+                </a:solidFill>
+                <a:latin typeface="Courier" pitchFamily="2" charset="0"/>
+              </a:rPr>
+              <a:t>containing</a:t>
+            </a:r>
+            <a:r>
+              <a:rPr lang="en-US" sz="1400" dirty="0">
+                <a:latin typeface="Courier" pitchFamily="2" charset="0"/>
+              </a:rPr>
+              <a:t>(</a:t>
+            </a:r>
+            <a:r>
+              <a:rPr lang="en-US" sz="1400" dirty="0">
+                <a:solidFill>
+                  <a:schemeClr val="accent6">
+                    <a:lumMod val="50000"/>
+                  </a:schemeClr>
+                </a:solidFill>
+                <a:latin typeface="Courier" pitchFamily="2" charset="0"/>
+              </a:rPr>
+              <a:t>"charset"</a:t>
+            </a:r>
+            <a:r>
+              <a:rPr lang="en-US" sz="1400" dirty="0">
+                <a:latin typeface="Courier" pitchFamily="2" charset="0"/>
+              </a:rPr>
+              <a:t>))</a:t>
+            </a:r>
+          </a:p>
+          <a:p>
+            <a:pPr marL="0" indent="0">
+              <a:buNone/>
+            </a:pPr>
+            <a:r>
+              <a:rPr lang="en-US" sz="1400" dirty="0">
+                <a:latin typeface="Courier" pitchFamily="2" charset="0"/>
+              </a:rPr>
+              <a:t>  		.</a:t>
+            </a:r>
+            <a:r>
+              <a:rPr lang="en-US" sz="1400" dirty="0" err="1">
+                <a:solidFill>
+                  <a:srgbClr val="0070C0"/>
+                </a:solidFill>
+                <a:latin typeface="Courier" pitchFamily="2" charset="0"/>
+              </a:rPr>
+              <a:t>withBody</a:t>
+            </a:r>
+            <a:r>
+              <a:rPr lang="en-US" sz="1400" dirty="0">
+                <a:latin typeface="Courier" pitchFamily="2" charset="0"/>
+              </a:rPr>
+              <a:t>(</a:t>
+            </a:r>
+            <a:r>
+              <a:rPr lang="en-US" sz="1400" dirty="0" err="1">
+                <a:solidFill>
+                  <a:schemeClr val="accent2">
+                    <a:lumMod val="75000"/>
+                  </a:schemeClr>
+                </a:solidFill>
+                <a:latin typeface="Courier" pitchFamily="2" charset="0"/>
+              </a:rPr>
+              <a:t>equalToJson</a:t>
+            </a:r>
+            <a:r>
+              <a:rPr lang="en-US" sz="1400" dirty="0">
+                <a:latin typeface="Courier" pitchFamily="2" charset="0"/>
+              </a:rPr>
+              <a:t>(</a:t>
+            </a:r>
+            <a:r>
+              <a:rPr lang="en-US" sz="1400" dirty="0">
+                <a:solidFill>
+                  <a:schemeClr val="accent6">
+                    <a:lumMod val="50000"/>
+                  </a:schemeClr>
+                </a:solidFill>
+                <a:latin typeface="Courier" pitchFamily="2" charset="0"/>
+              </a:rPr>
+              <a:t>"{}"</a:t>
+            </a:r>
+            <a:r>
+              <a:rPr lang="en-US" sz="1400" dirty="0">
+                <a:latin typeface="Courier" pitchFamily="2" charset="0"/>
+              </a:rPr>
+              <a:t>))</a:t>
+            </a:r>
+          </a:p>
+          <a:p>
+            <a:pPr marL="0" indent="0">
+              <a:buNone/>
+            </a:pPr>
+            <a:r>
+              <a:rPr lang="en-US" sz="1400" dirty="0">
+                <a:latin typeface="Courier" pitchFamily="2" charset="0"/>
+              </a:rPr>
+              <a:t>  )</a:t>
+            </a:r>
+          </a:p>
+          <a:p>
+            <a:pPr marL="0" indent="0">
+              <a:buNone/>
+            </a:pPr>
+            <a:r>
+              <a:rPr lang="en-US" sz="1400" dirty="0">
+                <a:latin typeface="Courier" pitchFamily="2" charset="0"/>
+              </a:rPr>
+              <a:t>  .</a:t>
+            </a:r>
+            <a:r>
+              <a:rPr lang="en-US" sz="1400" dirty="0" err="1">
+                <a:solidFill>
+                  <a:srgbClr val="0070C0"/>
+                </a:solidFill>
+                <a:latin typeface="Courier" pitchFamily="2" charset="0"/>
+              </a:rPr>
+              <a:t>willReturn</a:t>
+            </a:r>
+            <a:r>
+              <a:rPr lang="en-US" sz="1400" dirty="0">
+                <a:latin typeface="Courier" pitchFamily="2" charset="0"/>
+              </a:rPr>
+              <a:t>(</a:t>
+            </a:r>
+            <a:r>
+              <a:rPr lang="en-US" sz="1400" dirty="0" err="1">
+                <a:solidFill>
+                  <a:schemeClr val="accent2">
+                    <a:lumMod val="75000"/>
+                  </a:schemeClr>
+                </a:solidFill>
+                <a:latin typeface="Courier" pitchFamily="2" charset="0"/>
+              </a:rPr>
+              <a:t>aResponse</a:t>
+            </a:r>
+            <a:r>
+              <a:rPr lang="en-US" sz="1400" dirty="0">
+                <a:latin typeface="Courier" pitchFamily="2" charset="0"/>
+              </a:rPr>
+              <a:t>()));</a:t>
             </a:r>
           </a:p>
         </p:txBody>
@@ -4057,7 +4583,7 @@
     </p:spTree>
     <p:extLst>
       <p:ext uri="{BB962C8B-B14F-4D97-AF65-F5344CB8AC3E}">
-        <p14:creationId xmlns:p14="http://schemas.microsoft.com/office/powerpoint/2010/main" val="4264427332"/>
+        <p14:creationId xmlns:p14="http://schemas.microsoft.com/office/powerpoint/2010/main" val="1601499193"/>
       </p:ext>
     </p:extLst>
   </p:cSld>
@@ -4107,13 +4633,8 @@
           <a:p>
             <a:r>
               <a:rPr lang="en-US" b="1" dirty="0"/>
-              <a:t>Docker images used by </a:t>
-            </a:r>
-            <a:r>
-              <a:rPr lang="en-US" b="1" dirty="0" err="1"/>
-              <a:t>Testcontainers</a:t>
-            </a:r>
-            <a:endParaRPr lang="en-US" b="1" dirty="0"/>
+              <a:t>Proxying</a:t>
+            </a:r>
           </a:p>
         </p:txBody>
       </p:sp>
@@ -4135,97 +4656,46 @@
         </p:nvSpPr>
         <p:spPr/>
         <p:txBody>
-          <a:bodyPr>
-            <a:normAutofit/>
-          </a:bodyPr>
+          <a:bodyPr/>
           <a:lstStyle/>
           <a:p>
             <a:r>
               <a:rPr lang="en-US" dirty="0" err="1"/>
-              <a:t>testcontainers</a:t>
+              <a:t>WireMock</a:t>
             </a:r>
             <a:r>
               <a:rPr lang="en-US" dirty="0"/>
-              <a:t>/</a:t>
-            </a:r>
-            <a:r>
-              <a:rPr lang="en-US" dirty="0" err="1"/>
-              <a:t>ryuk</a:t>
-            </a:r>
+              <a:t> has the ability to selectively proxy requests through to other hosts. </a:t>
+            </a:r>
+          </a:p>
+          <a:p>
+            <a:pPr lvl="1"/>
+            <a:r>
+              <a:rPr lang="en-US" dirty="0"/>
+              <a:t>This supports a proxy/intercept setup where requests are by default proxied to another (possibly real, live) service, but where specific stubs are configured these are returned in place of the remote service’s response. </a:t>
+            </a:r>
+          </a:p>
+          <a:p>
+            <a:pPr lvl="1"/>
+            <a:r>
+              <a:rPr lang="en-US" dirty="0"/>
+              <a:t>Responses that the live service can’t be forced to generate on demand can thus be injected for testing. </a:t>
+            </a:r>
+          </a:p>
+          <a:p>
+            <a:r>
+              <a:rPr lang="en-US" dirty="0"/>
+              <a:t>Proxying also supports record and playback.</a:t>
+            </a:r>
+          </a:p>
+          <a:p>
+            <a:r>
+              <a:rPr lang="en-US" dirty="0"/>
+              <a:t>Proxy responses are defined in exactly the same manner as stubs, meaning that the same request matching criteria can be used.</a:t>
+            </a:r>
+          </a:p>
+          <a:p>
             <a:endParaRPr lang="en-US" dirty="0"/>
-          </a:p>
-          <a:p>
-            <a:pPr lvl="1"/>
-            <a:r>
-              <a:rPr lang="en-US" dirty="0"/>
-              <a:t>Performs fail-safe cleanup of containers.</a:t>
-            </a:r>
-          </a:p>
-          <a:p>
-            <a:pPr lvl="1"/>
-            <a:r>
-              <a:rPr lang="en-US" dirty="0"/>
-              <a:t>Always required unless </a:t>
-            </a:r>
-            <a:r>
-              <a:rPr lang="en-US" dirty="0" err="1"/>
-              <a:t>Ryuk</a:t>
-            </a:r>
-            <a:r>
-              <a:rPr lang="en-US" dirty="0"/>
-              <a:t> is disabled.</a:t>
-            </a:r>
-          </a:p>
-          <a:p>
-            <a:r>
-              <a:rPr lang="en-US" dirty="0"/>
-              <a:t>alpine</a:t>
-            </a:r>
-          </a:p>
-          <a:p>
-            <a:pPr lvl="1"/>
-            <a:r>
-              <a:rPr lang="en-US" dirty="0"/>
-              <a:t>Used to check whether images can be pulled at startup.</a:t>
-            </a:r>
-          </a:p>
-          <a:p>
-            <a:pPr lvl="1"/>
-            <a:r>
-              <a:rPr lang="en-US" dirty="0"/>
-              <a:t>Always required unless startup checks are disabled.</a:t>
-            </a:r>
-          </a:p>
-          <a:p>
-            <a:r>
-              <a:rPr lang="en-US" dirty="0" err="1"/>
-              <a:t>testcontainers</a:t>
-            </a:r>
-            <a:r>
-              <a:rPr lang="en-US" dirty="0"/>
-              <a:t>/</a:t>
-            </a:r>
-            <a:r>
-              <a:rPr lang="en-US" dirty="0" err="1"/>
-              <a:t>sshd</a:t>
-            </a:r>
-            <a:endParaRPr lang="en-US" dirty="0"/>
-          </a:p>
-          <a:p>
-            <a:pPr lvl="1"/>
-            <a:r>
-              <a:rPr lang="en-US" dirty="0"/>
-              <a:t>Required if exposing host ports to containers.</a:t>
-            </a:r>
-          </a:p>
-          <a:p>
-            <a:pPr marL="0" indent="0">
-              <a:buNone/>
-            </a:pPr>
-            <a:r>
-              <a:rPr lang="en-US" dirty="0"/>
-              <a:t> </a:t>
-            </a:r>
           </a:p>
           <a:p>
             <a:endParaRPr lang="en-US" dirty="0"/>
@@ -4235,7 +4705,7 @@
     </p:spTree>
     <p:extLst>
       <p:ext uri="{BB962C8B-B14F-4D97-AF65-F5344CB8AC3E}">
-        <p14:creationId xmlns:p14="http://schemas.microsoft.com/office/powerpoint/2010/main" val="137974268"/>
+        <p14:creationId xmlns:p14="http://schemas.microsoft.com/office/powerpoint/2010/main" val="2061368511"/>
       </p:ext>
     </p:extLst>
   </p:cSld>
@@ -4285,13 +4755,8 @@
           <a:p>
             <a:r>
               <a:rPr lang="en-US" b="1" dirty="0"/>
-              <a:t>Docker images used by </a:t>
-            </a:r>
-            <a:r>
-              <a:rPr lang="en-US" b="1" dirty="0" err="1"/>
-              <a:t>Testcontainers</a:t>
-            </a:r>
-            <a:endParaRPr lang="en-US" b="1" dirty="0"/>
+              <a:t>Proxying example</a:t>
+            </a:r>
           </a:p>
         </p:txBody>
       </p:sp>
@@ -4314,82 +4779,218 @@
         <p:spPr/>
         <p:txBody>
           <a:bodyPr>
-            <a:normAutofit/>
+            <a:noAutofit/>
           </a:bodyPr>
           <a:lstStyle/>
           <a:p>
-            <a:r>
-              <a:rPr lang="en-US" dirty="0" err="1"/>
-              <a:t>testcontainers</a:t>
-            </a:r>
-            <a:r>
-              <a:rPr lang="en-US" dirty="0"/>
+            <a:pPr marL="0" indent="0">
+              <a:buNone/>
+            </a:pPr>
+            <a:r>
+              <a:rPr lang="en-US" sz="2000" dirty="0" err="1">
+                <a:solidFill>
+                  <a:schemeClr val="accent2">
+                    <a:lumMod val="75000"/>
+                  </a:schemeClr>
+                </a:solidFill>
+                <a:latin typeface="Courier" pitchFamily="2" charset="0"/>
+              </a:rPr>
+              <a:t>stubFor</a:t>
+            </a:r>
+            <a:r>
+              <a:rPr lang="en-US" sz="2000" dirty="0">
+                <a:latin typeface="Courier" pitchFamily="2" charset="0"/>
+              </a:rPr>
+              <a:t>(</a:t>
+            </a:r>
+            <a:r>
+              <a:rPr lang="en-US" sz="2000" dirty="0">
+                <a:solidFill>
+                  <a:schemeClr val="accent2">
+                    <a:lumMod val="75000"/>
+                  </a:schemeClr>
+                </a:solidFill>
+                <a:latin typeface="Courier" pitchFamily="2" charset="0"/>
+              </a:rPr>
+              <a:t>any</a:t>
+            </a:r>
+            <a:r>
+              <a:rPr lang="en-US" sz="2000" dirty="0">
+                <a:latin typeface="Courier" pitchFamily="2" charset="0"/>
+              </a:rPr>
+              <a:t>(</a:t>
+            </a:r>
+            <a:r>
+              <a:rPr lang="en-US" sz="2000" dirty="0" err="1">
+                <a:solidFill>
+                  <a:schemeClr val="accent2">
+                    <a:lumMod val="75000"/>
+                  </a:schemeClr>
+                </a:solidFill>
+                <a:latin typeface="Courier" pitchFamily="2" charset="0"/>
+              </a:rPr>
+              <a:t>urlMatching</a:t>
+            </a:r>
+            <a:r>
+              <a:rPr lang="en-US" sz="2000" dirty="0">
+                <a:latin typeface="Courier" pitchFamily="2" charset="0"/>
+              </a:rPr>
+              <a:t>(</a:t>
+            </a:r>
+            <a:r>
+              <a:rPr lang="en-US" sz="2000" dirty="0">
+                <a:solidFill>
+                  <a:schemeClr val="accent6">
+                    <a:lumMod val="50000"/>
+                  </a:schemeClr>
+                </a:solidFill>
+                <a:latin typeface="Courier" pitchFamily="2" charset="0"/>
+              </a:rPr>
+              <a:t>"/other/service/.*"</a:t>
+            </a:r>
+            <a:r>
+              <a:rPr lang="en-US" sz="2000" dirty="0">
+                <a:latin typeface="Courier" pitchFamily="2" charset="0"/>
+              </a:rPr>
+              <a:t>))</a:t>
+            </a:r>
+            <a:br>
+              <a:rPr lang="en-US" sz="2000" dirty="0">
+                <a:latin typeface="Courier" pitchFamily="2" charset="0"/>
+              </a:rPr>
+            </a:br>
+            <a:r>
+              <a:rPr lang="en-US" sz="2000" dirty="0">
+                <a:latin typeface="Courier" pitchFamily="2" charset="0"/>
+              </a:rPr>
+              <a:t>    .</a:t>
+            </a:r>
+            <a:r>
+              <a:rPr lang="en-US" sz="2000" dirty="0" err="1">
+                <a:solidFill>
+                  <a:srgbClr val="0070C0"/>
+                </a:solidFill>
+                <a:latin typeface="Courier" pitchFamily="2" charset="0"/>
+              </a:rPr>
+              <a:t>willReturn</a:t>
+            </a:r>
+            <a:r>
+              <a:rPr lang="en-US" sz="2000" dirty="0">
+                <a:latin typeface="Courier" pitchFamily="2" charset="0"/>
+              </a:rPr>
+              <a:t>(</a:t>
+            </a:r>
+            <a:r>
+              <a:rPr lang="en-US" sz="2000" dirty="0" err="1">
+                <a:solidFill>
+                  <a:schemeClr val="accent2">
+                    <a:lumMod val="75000"/>
+                  </a:schemeClr>
+                </a:solidFill>
+                <a:latin typeface="Courier" pitchFamily="2" charset="0"/>
+              </a:rPr>
+              <a:t>aResponse</a:t>
+            </a:r>
+            <a:r>
+              <a:rPr lang="en-US" sz="2000" dirty="0">
+                <a:latin typeface="Courier" pitchFamily="2" charset="0"/>
+              </a:rPr>
+              <a:t>()</a:t>
+            </a:r>
+            <a:br>
+              <a:rPr lang="en-US" sz="2000" dirty="0">
+                <a:latin typeface="Courier" pitchFamily="2" charset="0"/>
+              </a:rPr>
+            </a:br>
+            <a:r>
+              <a:rPr lang="en-US" sz="2000" dirty="0">
+                <a:latin typeface="Courier" pitchFamily="2" charset="0"/>
+              </a:rPr>
+              <a:t>        .</a:t>
+            </a:r>
+            <a:r>
+              <a:rPr lang="en-US" sz="2000" dirty="0" err="1">
+                <a:solidFill>
+                  <a:srgbClr val="0070C0"/>
+                </a:solidFill>
+                <a:latin typeface="Courier" pitchFamily="2" charset="0"/>
+              </a:rPr>
+              <a:t>proxiedFrom</a:t>
+            </a:r>
+            <a:r>
+              <a:rPr lang="en-US" sz="2000" dirty="0">
+                <a:latin typeface="Courier" pitchFamily="2" charset="0"/>
+              </a:rPr>
+              <a:t>(</a:t>
+            </a:r>
+            <a:r>
+              <a:rPr lang="en-US" sz="2000" dirty="0">
+                <a:solidFill>
+                  <a:schemeClr val="accent6">
+                    <a:lumMod val="50000"/>
+                  </a:schemeClr>
+                </a:solidFill>
+                <a:latin typeface="Courier" pitchFamily="2" charset="0"/>
+              </a:rPr>
+              <a:t>"http://</a:t>
+            </a:r>
+            <a:r>
+              <a:rPr lang="en-US" sz="2000" dirty="0" err="1">
+                <a:solidFill>
+                  <a:schemeClr val="accent6">
+                    <a:lumMod val="50000"/>
+                  </a:schemeClr>
+                </a:solidFill>
+                <a:latin typeface="Courier" pitchFamily="2" charset="0"/>
+              </a:rPr>
+              <a:t>uat.otherhost.com</a:t>
+            </a:r>
+            <a:r>
+              <a:rPr lang="en-US" sz="2000" dirty="0">
+                <a:solidFill>
+                  <a:schemeClr val="accent6">
+                    <a:lumMod val="50000"/>
+                  </a:schemeClr>
+                </a:solidFill>
+                <a:latin typeface="Courier" pitchFamily="2" charset="0"/>
+              </a:rPr>
               <a:t>/</a:t>
             </a:r>
             <a:r>
-              <a:rPr lang="en-US" dirty="0" err="1"/>
-              <a:t>vnc</a:t>
-            </a:r>
-            <a:r>
-              <a:rPr lang="en-US" dirty="0"/>
-              <a:t>-recorder</a:t>
-            </a:r>
-          </a:p>
-          <a:p>
-            <a:pPr lvl="1"/>
-            <a:r>
-              <a:rPr lang="en-US" dirty="0"/>
-              <a:t>Required if using </a:t>
-            </a:r>
-            <a:r>
-              <a:rPr lang="en-US" dirty="0" err="1"/>
-              <a:t>Webdriver</a:t>
-            </a:r>
-            <a:r>
-              <a:rPr lang="en-US" dirty="0"/>
-              <a:t> containers and using the screen recording feature.</a:t>
-            </a:r>
-          </a:p>
-          <a:p>
-            <a:r>
-              <a:rPr lang="en-US" dirty="0"/>
-              <a:t>docker/compose</a:t>
-            </a:r>
-          </a:p>
-          <a:p>
-            <a:pPr lvl="1"/>
-            <a:r>
-              <a:rPr lang="en-US" dirty="0"/>
-              <a:t>Required if using Docker Compose.</a:t>
-            </a:r>
-          </a:p>
-          <a:p>
-            <a:r>
-              <a:rPr lang="en-US" dirty="0"/>
-              <a:t>alpine/</a:t>
-            </a:r>
-            <a:r>
-              <a:rPr lang="en-US" dirty="0" err="1"/>
-              <a:t>socat</a:t>
-            </a:r>
-            <a:endParaRPr lang="en-US" dirty="0"/>
-          </a:p>
-          <a:p>
-            <a:pPr lvl="1"/>
-            <a:r>
-              <a:rPr lang="en-US" dirty="0"/>
-              <a:t>Required if using Docker Compose. </a:t>
-            </a:r>
-          </a:p>
-          <a:p>
-            <a:endParaRPr lang="en-US" dirty="0"/>
+              <a:rPr lang="en-US" sz="2000" dirty="0" err="1">
+                <a:solidFill>
+                  <a:schemeClr val="accent6">
+                    <a:lumMod val="50000"/>
+                  </a:schemeClr>
+                </a:solidFill>
+                <a:latin typeface="Courier" pitchFamily="2" charset="0"/>
+              </a:rPr>
+              <a:t>approot</a:t>
+            </a:r>
+            <a:r>
+              <a:rPr lang="en-US" sz="2000" dirty="0">
+                <a:solidFill>
+                  <a:schemeClr val="accent6">
+                    <a:lumMod val="50000"/>
+                  </a:schemeClr>
+                </a:solidFill>
+                <a:latin typeface="Courier" pitchFamily="2" charset="0"/>
+              </a:rPr>
+              <a:t>"</a:t>
+            </a:r>
+            <a:r>
+              <a:rPr lang="en-US" sz="2000" dirty="0">
+                <a:latin typeface="Courier" pitchFamily="2" charset="0"/>
+              </a:rPr>
+              <a:t>)));</a:t>
+            </a:r>
           </a:p>
         </p:txBody>
       </p:sp>
     </p:spTree>
     <p:extLst>
       <p:ext uri="{BB962C8B-B14F-4D97-AF65-F5344CB8AC3E}">
-        <p14:creationId xmlns:p14="http://schemas.microsoft.com/office/powerpoint/2010/main" val="998842305"/>
+        <p14:creationId xmlns:p14="http://schemas.microsoft.com/office/powerpoint/2010/main" val="3214834193"/>
       </p:ext>
     </p:extLst>
   </p:cSld>
@@ -4421,184 +5022,6 @@
           <p:cNvPr id="2" name="Title 1">
             <a:extLst>
               <a:ext uri="{FF2B5EF4-FFF2-40B4-BE49-F238E27FC236}">
-                <a16:creationId xmlns:a16="http://schemas.microsoft.com/office/drawing/2014/main" id="{965FF103-B2AF-2A41-9E51-C55DDFC2E5BA}"/>
-              </a:ext>
-            </a:extLst>
-          </p:cNvPr>
-          <p:cNvSpPr>
-            <a:spLocks noGrp="1"/>
-          </p:cNvSpPr>
-          <p:nvPr>
-            <p:ph type="title"/>
-          </p:nvPr>
-        </p:nvSpPr>
-        <p:spPr/>
-        <p:txBody>
-          <a:bodyPr/>
-          <a:lstStyle/>
-          <a:p>
-            <a:r>
-              <a:rPr lang="en-US" b="1" dirty="0"/>
-              <a:t>Title</a:t>
-            </a:r>
-          </a:p>
-        </p:txBody>
-      </p:sp>
-      <p:sp>
-        <p:nvSpPr>
-          <p:cNvPr id="3" name="Content Placeholder 2">
-            <a:extLst>
-              <a:ext uri="{FF2B5EF4-FFF2-40B4-BE49-F238E27FC236}">
-                <a16:creationId xmlns:a16="http://schemas.microsoft.com/office/drawing/2014/main" id="{2A688C31-B456-2A43-AC14-79DC5900B258}"/>
-              </a:ext>
-            </a:extLst>
-          </p:cNvPr>
-          <p:cNvSpPr>
-            <a:spLocks noGrp="1"/>
-          </p:cNvSpPr>
-          <p:nvPr>
-            <p:ph idx="1"/>
-          </p:nvPr>
-        </p:nvSpPr>
-        <p:spPr/>
-        <p:txBody>
-          <a:bodyPr/>
-          <a:lstStyle/>
-          <a:p>
-            <a:r>
-              <a:rPr lang="en-US" dirty="0"/>
-              <a:t>Text </a:t>
-            </a:r>
-          </a:p>
-          <a:p>
-            <a:endParaRPr lang="en-US" dirty="0"/>
-          </a:p>
-        </p:txBody>
-      </p:sp>
-    </p:spTree>
-    <p:extLst>
-      <p:ext uri="{BB962C8B-B14F-4D97-AF65-F5344CB8AC3E}">
-        <p14:creationId xmlns:p14="http://schemas.microsoft.com/office/powerpoint/2010/main" val="920010761"/>
-      </p:ext>
-    </p:extLst>
-  </p:cSld>
-  <p:clrMapOvr>
-    <a:masterClrMapping/>
-  </p:clrMapOvr>
-</p:sld>
-</file>
-
-<file path=ppt/slides/slide8.xml><?xml version="1.0" encoding="utf-8"?>
-<p:sld xmlns:a="http://schemas.openxmlformats.org/drawingml/2006/main" xmlns:r="http://schemas.openxmlformats.org/officeDocument/2006/relationships" xmlns:p="http://schemas.openxmlformats.org/presentationml/2006/main">
-  <p:cSld>
-    <p:spTree>
-      <p:nvGrpSpPr>
-        <p:cNvPr id="1" name=""/>
-        <p:cNvGrpSpPr/>
-        <p:nvPr/>
-      </p:nvGrpSpPr>
-      <p:grpSpPr>
-        <a:xfrm>
-          <a:off x="0" y="0"/>
-          <a:ext cx="0" cy="0"/>
-          <a:chOff x="0" y="0"/>
-          <a:chExt cx="0" cy="0"/>
-        </a:xfrm>
-      </p:grpSpPr>
-      <p:sp>
-        <p:nvSpPr>
-          <p:cNvPr id="2" name="Title 1">
-            <a:extLst>
-              <a:ext uri="{FF2B5EF4-FFF2-40B4-BE49-F238E27FC236}">
-                <a16:creationId xmlns:a16="http://schemas.microsoft.com/office/drawing/2014/main" id="{965FF103-B2AF-2A41-9E51-C55DDFC2E5BA}"/>
-              </a:ext>
-            </a:extLst>
-          </p:cNvPr>
-          <p:cNvSpPr>
-            <a:spLocks noGrp="1"/>
-          </p:cNvSpPr>
-          <p:nvPr>
-            <p:ph type="title"/>
-          </p:nvPr>
-        </p:nvSpPr>
-        <p:spPr/>
-        <p:txBody>
-          <a:bodyPr/>
-          <a:lstStyle/>
-          <a:p>
-            <a:r>
-              <a:rPr lang="en-US" b="1" dirty="0"/>
-              <a:t>Title</a:t>
-            </a:r>
-          </a:p>
-        </p:txBody>
-      </p:sp>
-      <p:sp>
-        <p:nvSpPr>
-          <p:cNvPr id="3" name="Content Placeholder 2">
-            <a:extLst>
-              <a:ext uri="{FF2B5EF4-FFF2-40B4-BE49-F238E27FC236}">
-                <a16:creationId xmlns:a16="http://schemas.microsoft.com/office/drawing/2014/main" id="{2A688C31-B456-2A43-AC14-79DC5900B258}"/>
-              </a:ext>
-            </a:extLst>
-          </p:cNvPr>
-          <p:cNvSpPr>
-            <a:spLocks noGrp="1"/>
-          </p:cNvSpPr>
-          <p:nvPr>
-            <p:ph idx="1"/>
-          </p:nvPr>
-        </p:nvSpPr>
-        <p:spPr/>
-        <p:txBody>
-          <a:bodyPr/>
-          <a:lstStyle/>
-          <a:p>
-            <a:r>
-              <a:rPr lang="en-US" dirty="0"/>
-              <a:t>Text </a:t>
-            </a:r>
-          </a:p>
-          <a:p>
-            <a:endParaRPr lang="en-US" dirty="0"/>
-          </a:p>
-        </p:txBody>
-      </p:sp>
-    </p:spTree>
-    <p:extLst>
-      <p:ext uri="{BB962C8B-B14F-4D97-AF65-F5344CB8AC3E}">
-        <p14:creationId xmlns:p14="http://schemas.microsoft.com/office/powerpoint/2010/main" val="1601499193"/>
-      </p:ext>
-    </p:extLst>
-  </p:cSld>
-  <p:clrMapOvr>
-    <a:masterClrMapping/>
-  </p:clrMapOvr>
-</p:sld>
-</file>
-
-<file path=ppt/slides/slide9.xml><?xml version="1.0" encoding="utf-8"?>
-<p:sld xmlns:a="http://schemas.openxmlformats.org/drawingml/2006/main" xmlns:r="http://schemas.openxmlformats.org/officeDocument/2006/relationships" xmlns:p="http://schemas.openxmlformats.org/presentationml/2006/main">
-  <p:cSld>
-    <p:spTree>
-      <p:nvGrpSpPr>
-        <p:cNvPr id="1" name=""/>
-        <p:cNvGrpSpPr/>
-        <p:nvPr/>
-      </p:nvGrpSpPr>
-      <p:grpSpPr>
-        <a:xfrm>
-          <a:off x="0" y="0"/>
-          <a:ext cx="0" cy="0"/>
-          <a:chOff x="0" y="0"/>
-          <a:chExt cx="0" cy="0"/>
-        </a:xfrm>
-      </p:grpSpPr>
-      <p:sp>
-        <p:nvSpPr>
-          <p:cNvPr id="2" name="Title 1">
-            <a:extLst>
-              <a:ext uri="{FF2B5EF4-FFF2-40B4-BE49-F238E27FC236}">
                 <a16:creationId xmlns:a16="http://schemas.microsoft.com/office/drawing/2014/main" id="{6ABF63F7-7F0C-F34B-B334-FF832474BE45}"/>
               </a:ext>
             </a:extLst>
@@ -4644,18 +5067,10 @@
           <a:lstStyle/>
           <a:p>
             <a:r>
-              <a:rPr lang="en-US" dirty="0" err="1"/>
-              <a:t>Testcontainers</a:t>
-            </a:r>
-            <a:r>
-              <a:rPr lang="en-US" dirty="0"/>
-              <a:t>: </a:t>
-            </a:r>
-            <a:r>
               <a:rPr lang="en-US" dirty="0">
                 <a:hlinkClick r:id="rId2"/>
               </a:rPr>
-              <a:t>https://www.testcontainers.org/</a:t>
+              <a:t>https://wiremock.org</a:t>
             </a:r>
             <a:endParaRPr lang="en-US" dirty="0"/>
           </a:p>

--- a/presentations/Introduction to WireMock.pptx
+++ b/presentations/Introduction to WireMock.pptx
@@ -7,11 +7,15 @@
   <p:sldIdLst>
     <p:sldId id="256" r:id="rId2"/>
     <p:sldId id="257" r:id="rId3"/>
-    <p:sldId id="272" r:id="rId4"/>
-    <p:sldId id="273" r:id="rId5"/>
-    <p:sldId id="274" r:id="rId6"/>
-    <p:sldId id="275" r:id="rId7"/>
-    <p:sldId id="269" r:id="rId8"/>
+    <p:sldId id="276" r:id="rId4"/>
+    <p:sldId id="272" r:id="rId5"/>
+    <p:sldId id="277" r:id="rId6"/>
+    <p:sldId id="273" r:id="rId7"/>
+    <p:sldId id="278" r:id="rId8"/>
+    <p:sldId id="279" r:id="rId9"/>
+    <p:sldId id="274" r:id="rId10"/>
+    <p:sldId id="275" r:id="rId11"/>
+    <p:sldId id="269" r:id="rId12"/>
   </p:sldIdLst>
   <p:sldSz cx="12192000" cy="6858000"/>
   <p:notesSz cx="6858000" cy="9144000"/>
@@ -3418,6 +3422,383 @@
 </p:sld>
 </file>
 
+<file path=ppt/slides/slide10.xml><?xml version="1.0" encoding="utf-8"?>
+<p:sld xmlns:a="http://schemas.openxmlformats.org/drawingml/2006/main" xmlns:r="http://schemas.openxmlformats.org/officeDocument/2006/relationships" xmlns:p="http://schemas.openxmlformats.org/presentationml/2006/main">
+  <p:cSld>
+    <p:spTree>
+      <p:nvGrpSpPr>
+        <p:cNvPr id="1" name=""/>
+        <p:cNvGrpSpPr/>
+        <p:nvPr/>
+      </p:nvGrpSpPr>
+      <p:grpSpPr>
+        <a:xfrm>
+          <a:off x="0" y="0"/>
+          <a:ext cx="0" cy="0"/>
+          <a:chOff x="0" y="0"/>
+          <a:chExt cx="0" cy="0"/>
+        </a:xfrm>
+      </p:grpSpPr>
+      <p:sp>
+        <p:nvSpPr>
+          <p:cNvPr id="2" name="Title 1">
+            <a:extLst>
+              <a:ext uri="{FF2B5EF4-FFF2-40B4-BE49-F238E27FC236}">
+                <a16:creationId xmlns:a16="http://schemas.microsoft.com/office/drawing/2014/main" id="{965FF103-B2AF-2A41-9E51-C55DDFC2E5BA}"/>
+              </a:ext>
+            </a:extLst>
+          </p:cNvPr>
+          <p:cNvSpPr>
+            <a:spLocks noGrp="1"/>
+          </p:cNvSpPr>
+          <p:nvPr>
+            <p:ph type="title"/>
+          </p:nvPr>
+        </p:nvSpPr>
+        <p:spPr/>
+        <p:txBody>
+          <a:bodyPr/>
+          <a:lstStyle/>
+          <a:p>
+            <a:r>
+              <a:rPr lang="en-US" b="1" dirty="0"/>
+              <a:t>Proxying example</a:t>
+            </a:r>
+          </a:p>
+        </p:txBody>
+      </p:sp>
+      <p:sp>
+        <p:nvSpPr>
+          <p:cNvPr id="3" name="Content Placeholder 2">
+            <a:extLst>
+              <a:ext uri="{FF2B5EF4-FFF2-40B4-BE49-F238E27FC236}">
+                <a16:creationId xmlns:a16="http://schemas.microsoft.com/office/drawing/2014/main" id="{2A688C31-B456-2A43-AC14-79DC5900B258}"/>
+              </a:ext>
+            </a:extLst>
+          </p:cNvPr>
+          <p:cNvSpPr>
+            <a:spLocks noGrp="1"/>
+          </p:cNvSpPr>
+          <p:nvPr>
+            <p:ph idx="1"/>
+          </p:nvPr>
+        </p:nvSpPr>
+        <p:spPr/>
+        <p:txBody>
+          <a:bodyPr>
+            <a:noAutofit/>
+          </a:bodyPr>
+          <a:lstStyle/>
+          <a:p>
+            <a:pPr marL="0" indent="0">
+              <a:buNone/>
+            </a:pPr>
+            <a:r>
+              <a:rPr lang="en-US" sz="2000" dirty="0" err="1">
+                <a:solidFill>
+                  <a:schemeClr val="accent2">
+                    <a:lumMod val="75000"/>
+                  </a:schemeClr>
+                </a:solidFill>
+                <a:latin typeface="Courier" pitchFamily="2" charset="0"/>
+              </a:rPr>
+              <a:t>stubFor</a:t>
+            </a:r>
+            <a:r>
+              <a:rPr lang="en-US" sz="2000" dirty="0">
+                <a:latin typeface="Courier" pitchFamily="2" charset="0"/>
+              </a:rPr>
+              <a:t>(</a:t>
+            </a:r>
+            <a:r>
+              <a:rPr lang="en-US" sz="2000" dirty="0">
+                <a:solidFill>
+                  <a:schemeClr val="accent2">
+                    <a:lumMod val="75000"/>
+                  </a:schemeClr>
+                </a:solidFill>
+                <a:latin typeface="Courier" pitchFamily="2" charset="0"/>
+              </a:rPr>
+              <a:t>any</a:t>
+            </a:r>
+            <a:r>
+              <a:rPr lang="en-US" sz="2000" dirty="0">
+                <a:latin typeface="Courier" pitchFamily="2" charset="0"/>
+              </a:rPr>
+              <a:t>(</a:t>
+            </a:r>
+            <a:r>
+              <a:rPr lang="en-US" sz="2000" dirty="0" err="1">
+                <a:solidFill>
+                  <a:schemeClr val="accent2">
+                    <a:lumMod val="75000"/>
+                  </a:schemeClr>
+                </a:solidFill>
+                <a:latin typeface="Courier" pitchFamily="2" charset="0"/>
+              </a:rPr>
+              <a:t>urlMatching</a:t>
+            </a:r>
+            <a:r>
+              <a:rPr lang="en-US" sz="2000" dirty="0">
+                <a:latin typeface="Courier" pitchFamily="2" charset="0"/>
+              </a:rPr>
+              <a:t>(</a:t>
+            </a:r>
+            <a:r>
+              <a:rPr lang="en-US" sz="2000" dirty="0">
+                <a:solidFill>
+                  <a:schemeClr val="accent6">
+                    <a:lumMod val="50000"/>
+                  </a:schemeClr>
+                </a:solidFill>
+                <a:latin typeface="Courier" pitchFamily="2" charset="0"/>
+              </a:rPr>
+              <a:t>"/other/service/.*"</a:t>
+            </a:r>
+            <a:r>
+              <a:rPr lang="en-US" sz="2000" dirty="0">
+                <a:latin typeface="Courier" pitchFamily="2" charset="0"/>
+              </a:rPr>
+              <a:t>))</a:t>
+            </a:r>
+            <a:br>
+              <a:rPr lang="en-US" sz="2000" dirty="0">
+                <a:latin typeface="Courier" pitchFamily="2" charset="0"/>
+              </a:rPr>
+            </a:br>
+            <a:r>
+              <a:rPr lang="en-US" sz="2000" dirty="0">
+                <a:latin typeface="Courier" pitchFamily="2" charset="0"/>
+              </a:rPr>
+              <a:t>    .</a:t>
+            </a:r>
+            <a:r>
+              <a:rPr lang="en-US" sz="2000" dirty="0" err="1">
+                <a:solidFill>
+                  <a:srgbClr val="0070C0"/>
+                </a:solidFill>
+                <a:latin typeface="Courier" pitchFamily="2" charset="0"/>
+              </a:rPr>
+              <a:t>willReturn</a:t>
+            </a:r>
+            <a:r>
+              <a:rPr lang="en-US" sz="2000" dirty="0">
+                <a:latin typeface="Courier" pitchFamily="2" charset="0"/>
+              </a:rPr>
+              <a:t>(</a:t>
+            </a:r>
+            <a:r>
+              <a:rPr lang="en-US" sz="2000" dirty="0" err="1">
+                <a:solidFill>
+                  <a:schemeClr val="accent2">
+                    <a:lumMod val="75000"/>
+                  </a:schemeClr>
+                </a:solidFill>
+                <a:latin typeface="Courier" pitchFamily="2" charset="0"/>
+              </a:rPr>
+              <a:t>aResponse</a:t>
+            </a:r>
+            <a:r>
+              <a:rPr lang="en-US" sz="2000" dirty="0">
+                <a:latin typeface="Courier" pitchFamily="2" charset="0"/>
+              </a:rPr>
+              <a:t>()</a:t>
+            </a:r>
+            <a:br>
+              <a:rPr lang="en-US" sz="2000" dirty="0">
+                <a:latin typeface="Courier" pitchFamily="2" charset="0"/>
+              </a:rPr>
+            </a:br>
+            <a:r>
+              <a:rPr lang="en-US" sz="2000" dirty="0">
+                <a:latin typeface="Courier" pitchFamily="2" charset="0"/>
+              </a:rPr>
+              <a:t>        .</a:t>
+            </a:r>
+            <a:r>
+              <a:rPr lang="en-US" sz="2000" dirty="0" err="1">
+                <a:solidFill>
+                  <a:srgbClr val="0070C0"/>
+                </a:solidFill>
+                <a:latin typeface="Courier" pitchFamily="2" charset="0"/>
+              </a:rPr>
+              <a:t>proxiedFrom</a:t>
+            </a:r>
+            <a:r>
+              <a:rPr lang="en-US" sz="2000" dirty="0">
+                <a:latin typeface="Courier" pitchFamily="2" charset="0"/>
+              </a:rPr>
+              <a:t>(</a:t>
+            </a:r>
+            <a:r>
+              <a:rPr lang="en-US" sz="2000" dirty="0">
+                <a:solidFill>
+                  <a:schemeClr val="accent6">
+                    <a:lumMod val="50000"/>
+                  </a:schemeClr>
+                </a:solidFill>
+                <a:latin typeface="Courier" pitchFamily="2" charset="0"/>
+              </a:rPr>
+              <a:t>"http://</a:t>
+            </a:r>
+            <a:r>
+              <a:rPr lang="en-US" sz="2000" dirty="0" err="1">
+                <a:solidFill>
+                  <a:schemeClr val="accent6">
+                    <a:lumMod val="50000"/>
+                  </a:schemeClr>
+                </a:solidFill>
+                <a:latin typeface="Courier" pitchFamily="2" charset="0"/>
+              </a:rPr>
+              <a:t>uat.otherhost.com</a:t>
+            </a:r>
+            <a:r>
+              <a:rPr lang="en-US" sz="2000" dirty="0">
+                <a:solidFill>
+                  <a:schemeClr val="accent6">
+                    <a:lumMod val="50000"/>
+                  </a:schemeClr>
+                </a:solidFill>
+                <a:latin typeface="Courier" pitchFamily="2" charset="0"/>
+              </a:rPr>
+              <a:t>/</a:t>
+            </a:r>
+            <a:r>
+              <a:rPr lang="en-US" sz="2000" dirty="0" err="1">
+                <a:solidFill>
+                  <a:schemeClr val="accent6">
+                    <a:lumMod val="50000"/>
+                  </a:schemeClr>
+                </a:solidFill>
+                <a:latin typeface="Courier" pitchFamily="2" charset="0"/>
+              </a:rPr>
+              <a:t>approot</a:t>
+            </a:r>
+            <a:r>
+              <a:rPr lang="en-US" sz="2000" dirty="0">
+                <a:solidFill>
+                  <a:schemeClr val="accent6">
+                    <a:lumMod val="50000"/>
+                  </a:schemeClr>
+                </a:solidFill>
+                <a:latin typeface="Courier" pitchFamily="2" charset="0"/>
+              </a:rPr>
+              <a:t>"</a:t>
+            </a:r>
+            <a:r>
+              <a:rPr lang="en-US" sz="2000" dirty="0">
+                <a:latin typeface="Courier" pitchFamily="2" charset="0"/>
+              </a:rPr>
+              <a:t>)));</a:t>
+            </a:r>
+          </a:p>
+        </p:txBody>
+      </p:sp>
+    </p:spTree>
+    <p:extLst>
+      <p:ext uri="{BB962C8B-B14F-4D97-AF65-F5344CB8AC3E}">
+        <p14:creationId xmlns:p14="http://schemas.microsoft.com/office/powerpoint/2010/main" val="3214834193"/>
+      </p:ext>
+    </p:extLst>
+  </p:cSld>
+  <p:clrMapOvr>
+    <a:masterClrMapping/>
+  </p:clrMapOvr>
+</p:sld>
+</file>
+
+<file path=ppt/slides/slide11.xml><?xml version="1.0" encoding="utf-8"?>
+<p:sld xmlns:a="http://schemas.openxmlformats.org/drawingml/2006/main" xmlns:r="http://schemas.openxmlformats.org/officeDocument/2006/relationships" xmlns:p="http://schemas.openxmlformats.org/presentationml/2006/main">
+  <p:cSld>
+    <p:spTree>
+      <p:nvGrpSpPr>
+        <p:cNvPr id="1" name=""/>
+        <p:cNvGrpSpPr/>
+        <p:nvPr/>
+      </p:nvGrpSpPr>
+      <p:grpSpPr>
+        <a:xfrm>
+          <a:off x="0" y="0"/>
+          <a:ext cx="0" cy="0"/>
+          <a:chOff x="0" y="0"/>
+          <a:chExt cx="0" cy="0"/>
+        </a:xfrm>
+      </p:grpSpPr>
+      <p:sp>
+        <p:nvSpPr>
+          <p:cNvPr id="2" name="Title 1">
+            <a:extLst>
+              <a:ext uri="{FF2B5EF4-FFF2-40B4-BE49-F238E27FC236}">
+                <a16:creationId xmlns:a16="http://schemas.microsoft.com/office/drawing/2014/main" id="{6ABF63F7-7F0C-F34B-B334-FF832474BE45}"/>
+              </a:ext>
+            </a:extLst>
+          </p:cNvPr>
+          <p:cNvSpPr>
+            <a:spLocks noGrp="1"/>
+          </p:cNvSpPr>
+          <p:nvPr>
+            <p:ph type="title"/>
+          </p:nvPr>
+        </p:nvSpPr>
+        <p:spPr/>
+        <p:txBody>
+          <a:bodyPr/>
+          <a:lstStyle/>
+          <a:p>
+            <a:r>
+              <a:rPr lang="en-US" b="1" dirty="0"/>
+              <a:t>References</a:t>
+            </a:r>
+          </a:p>
+        </p:txBody>
+      </p:sp>
+      <p:sp>
+        <p:nvSpPr>
+          <p:cNvPr id="3" name="Content Placeholder 2">
+            <a:extLst>
+              <a:ext uri="{FF2B5EF4-FFF2-40B4-BE49-F238E27FC236}">
+                <a16:creationId xmlns:a16="http://schemas.microsoft.com/office/drawing/2014/main" id="{2081B556-19CD-224F-9DDE-0007BD24D53A}"/>
+              </a:ext>
+            </a:extLst>
+          </p:cNvPr>
+          <p:cNvSpPr>
+            <a:spLocks noGrp="1"/>
+          </p:cNvSpPr>
+          <p:nvPr>
+            <p:ph idx="1"/>
+          </p:nvPr>
+        </p:nvSpPr>
+        <p:spPr/>
+        <p:txBody>
+          <a:bodyPr/>
+          <a:lstStyle/>
+          <a:p>
+            <a:r>
+              <a:rPr lang="en-US" dirty="0">
+                <a:hlinkClick r:id="rId2"/>
+              </a:rPr>
+              <a:t>https://wiremock.org</a:t>
+            </a:r>
+            <a:endParaRPr lang="en-US" dirty="0"/>
+          </a:p>
+          <a:p>
+            <a:endParaRPr lang="en-US" dirty="0"/>
+          </a:p>
+        </p:txBody>
+      </p:sp>
+    </p:spTree>
+    <p:extLst>
+      <p:ext uri="{BB962C8B-B14F-4D97-AF65-F5344CB8AC3E}">
+        <p14:creationId xmlns:p14="http://schemas.microsoft.com/office/powerpoint/2010/main" val="401283327"/>
+      </p:ext>
+    </p:extLst>
+  </p:cSld>
+  <p:clrMapOvr>
+    <a:masterClrMapping/>
+  </p:clrMapOvr>
+</p:sld>
+</file>
+
 <file path=ppt/slides/slide2.xml><?xml version="1.0" encoding="utf-8"?>
 <p:sld xmlns:a="http://schemas.openxmlformats.org/drawingml/2006/main" xmlns:r="http://schemas.openxmlformats.org/officeDocument/2006/relationships" xmlns:p="http://schemas.openxmlformats.org/presentationml/2006/main">
   <p:cSld>
@@ -3494,19 +3875,44 @@
           <a:p>
             <a:r>
               <a:rPr lang="en-US" dirty="0"/>
-              <a:t>Simulator for HTTP-based APIs</a:t>
+              <a:t>Over the network simulator for HTTP-based APIs</a:t>
             </a:r>
           </a:p>
           <a:p>
             <a:r>
               <a:rPr lang="en-US" dirty="0"/>
-              <a:t>Runs in-process in your Java application or JUnit test</a:t>
+              <a:t>Runs in-process in a test</a:t>
             </a:r>
           </a:p>
           <a:p>
             <a:r>
               <a:rPr lang="en-US" dirty="0"/>
-              <a:t>Runs as a standalone process also</a:t>
+              <a:t>Runs as a standalone process</a:t>
+            </a:r>
+          </a:p>
+          <a:p>
+            <a:r>
+              <a:rPr lang="en-US" dirty="0"/>
+              <a:t>API endpoints can be stubbed to return specific responses and status codes</a:t>
+            </a:r>
+          </a:p>
+          <a:p>
+            <a:r>
+              <a:rPr lang="en-US" dirty="0"/>
+              <a:t>Stubbed API endpoints record all invocations</a:t>
+            </a:r>
+          </a:p>
+          <a:p>
+            <a:pPr lvl="1"/>
+            <a:r>
+              <a:rPr lang="en-US" dirty="0"/>
+              <a:t>Helpful for invocation verification and debugging</a:t>
+            </a:r>
+          </a:p>
+          <a:p>
+            <a:r>
+              <a:rPr lang="en-US" dirty="0"/>
+              <a:t>Can also be used to proxy real API endpoints</a:t>
             </a:r>
           </a:p>
         </p:txBody>
@@ -3564,7 +3970,15 @@
           <a:p>
             <a:r>
               <a:rPr lang="en-US" b="1" dirty="0"/>
-              <a:t>Request matching</a:t>
+              <a:t>Why is </a:t>
+            </a:r>
+            <a:r>
+              <a:rPr lang="en-US" b="1" dirty="0" err="1"/>
+              <a:t>WireMock</a:t>
+            </a:r>
+            <a:r>
+              <a:rPr lang="en-US" b="1" dirty="0"/>
+              <a:t> important?</a:t>
             </a:r>
           </a:p>
         </p:txBody>
@@ -3590,80 +4004,86 @@
           <a:bodyPr/>
           <a:lstStyle/>
           <a:p>
+            <a:r>
+              <a:rPr lang="en-US" dirty="0"/>
+              <a:t>Mocking Spring Boot’s </a:t>
+            </a:r>
+            <a:r>
+              <a:rPr lang="en-US" dirty="0" err="1"/>
+              <a:t>WebClient</a:t>
+            </a:r>
+            <a:r>
+              <a:rPr lang="en-US" dirty="0"/>
+              <a:t> with Mockito is tedious at best.</a:t>
+            </a:r>
+          </a:p>
+          <a:p>
+            <a:pPr lvl="1"/>
+            <a:r>
+              <a:rPr lang="en-US" dirty="0"/>
+              <a:t>Much easier to use </a:t>
+            </a:r>
             <a:r>
               <a:rPr lang="en-US" dirty="0" err="1"/>
               <a:t>WireMock</a:t>
             </a:r>
             <a:r>
               <a:rPr lang="en-US" dirty="0"/>
-              <a:t> supports request matching to stubs and verification queries</a:t>
+              <a:t> in a unit test and use a real </a:t>
+            </a:r>
+            <a:r>
+              <a:rPr lang="en-US" dirty="0" err="1"/>
+              <a:t>WebClient</a:t>
+            </a:r>
+            <a:r>
+              <a:rPr lang="en-US" dirty="0"/>
+              <a:t> instance.</a:t>
             </a:r>
           </a:p>
           <a:p>
             <a:pPr lvl="1"/>
             <a:r>
               <a:rPr lang="en-US" dirty="0"/>
-              <a:t>URL</a:t>
+              <a:t>It feels like ”integration-y”, but it’s still an isolation technique.</a:t>
+            </a:r>
+          </a:p>
+          <a:p>
+            <a:r>
+              <a:rPr lang="en-US" dirty="0"/>
+              <a:t>Developing against API endpoints maintained in </a:t>
+            </a:r>
+            <a:r>
+              <a:rPr lang="en-US" dirty="0" err="1"/>
+              <a:t>WireMock</a:t>
+            </a:r>
+            <a:r>
+              <a:rPr lang="en-US" dirty="0"/>
+              <a:t> allows API client development to proceed independent of API provider development.</a:t>
+            </a:r>
+          </a:p>
+          <a:p>
+            <a:r>
+              <a:rPr lang="en-US" dirty="0" err="1"/>
+              <a:t>WireMock</a:t>
+            </a:r>
+            <a:r>
+              <a:rPr lang="en-US" dirty="0"/>
+              <a:t> allows full control over responses to API invocations.</a:t>
             </a:r>
           </a:p>
           <a:p>
             <a:pPr lvl="1"/>
             <a:r>
               <a:rPr lang="en-US" dirty="0"/>
-              <a:t>HTTP method</a:t>
-            </a:r>
-          </a:p>
-          <a:p>
-            <a:pPr lvl="1"/>
-            <a:r>
-              <a:rPr lang="en-US" dirty="0"/>
-              <a:t>Query parameters</a:t>
-            </a:r>
-          </a:p>
-          <a:p>
-            <a:pPr lvl="1"/>
-            <a:r>
-              <a:rPr lang="en-US" dirty="0"/>
-              <a:t>Headers</a:t>
-            </a:r>
-          </a:p>
-          <a:p>
-            <a:pPr lvl="1"/>
-            <a:r>
-              <a:rPr lang="en-US" dirty="0"/>
-              <a:t>Basic authentication (a special case of header matching)</a:t>
-            </a:r>
-          </a:p>
-          <a:p>
-            <a:pPr lvl="1"/>
-            <a:r>
-              <a:rPr lang="en-US" dirty="0"/>
-              <a:t>Cookies</a:t>
-            </a:r>
-          </a:p>
-          <a:p>
-            <a:pPr lvl="1"/>
-            <a:r>
-              <a:rPr lang="en-US" dirty="0"/>
-              <a:t>Request body</a:t>
-            </a:r>
-          </a:p>
-          <a:p>
-            <a:pPr lvl="1"/>
-            <a:r>
-              <a:rPr lang="en-US" dirty="0"/>
-              <a:t>Multipart/form-data </a:t>
-            </a:r>
-          </a:p>
-          <a:p>
-            <a:endParaRPr lang="en-US" dirty="0"/>
+              <a:t>Easy to simulate error scenarios.</a:t>
+            </a:r>
           </a:p>
         </p:txBody>
       </p:sp>
     </p:spTree>
     <p:extLst>
       <p:ext uri="{BB962C8B-B14F-4D97-AF65-F5344CB8AC3E}">
-        <p14:creationId xmlns:p14="http://schemas.microsoft.com/office/powerpoint/2010/main" val="920010761"/>
+        <p14:creationId xmlns:p14="http://schemas.microsoft.com/office/powerpoint/2010/main" val="491540388"/>
       </p:ext>
     </p:extLst>
   </p:cSld>
@@ -3713,7 +4133,7 @@
           <a:p>
             <a:r>
               <a:rPr lang="en-US" b="1" dirty="0"/>
-              <a:t>Request matching example</a:t>
+              <a:t>Stubbing</a:t>
             </a:r>
           </a:p>
         </p:txBody>
@@ -3736,846 +4156,78 @@
         </p:nvSpPr>
         <p:spPr/>
         <p:txBody>
-          <a:bodyPr>
-            <a:noAutofit/>
-          </a:bodyPr>
-          <a:lstStyle/>
-          <a:p>
-            <a:pPr marL="0" indent="0">
-              <a:buNone/>
-            </a:pPr>
-            <a:r>
-              <a:rPr lang="en-US" sz="1400" dirty="0" err="1">
-                <a:solidFill>
-                  <a:schemeClr val="accent2">
-                    <a:lumMod val="75000"/>
-                  </a:schemeClr>
-                </a:solidFill>
+          <a:bodyPr/>
+          <a:lstStyle/>
+          <a:p>
+            <a:r>
+              <a:rPr lang="en-US" dirty="0"/>
+              <a:t> Return canned HTTP responses for requests matching criteria. </a:t>
+            </a:r>
+          </a:p>
+          <a:p>
+            <a:r>
+              <a:rPr lang="en-US" dirty="0"/>
+              <a:t>Use </a:t>
+            </a:r>
+            <a:r>
+              <a:rPr lang="en-US" dirty="0" err="1">
                 <a:latin typeface="Courier" pitchFamily="2" charset="0"/>
               </a:rPr>
               <a:t>stubFor</a:t>
             </a:r>
             <a:r>
-              <a:rPr lang="en-US" sz="1400" dirty="0">
-                <a:latin typeface="Courier" pitchFamily="2" charset="0"/>
-              </a:rPr>
-              <a:t>(</a:t>
-            </a:r>
-            <a:r>
-              <a:rPr lang="en-US" sz="1400" dirty="0">
-                <a:solidFill>
-                  <a:schemeClr val="accent2">
-                    <a:lumMod val="75000"/>
-                  </a:schemeClr>
-                </a:solidFill>
-                <a:latin typeface="Courier" pitchFamily="2" charset="0"/>
-              </a:rPr>
-              <a:t>any</a:t>
-            </a:r>
-            <a:r>
-              <a:rPr lang="en-US" sz="1400" dirty="0">
-                <a:latin typeface="Courier" pitchFamily="2" charset="0"/>
-              </a:rPr>
-              <a:t>(</a:t>
-            </a:r>
-            <a:r>
-              <a:rPr lang="en-US" sz="1400" dirty="0" err="1">
-                <a:solidFill>
-                  <a:schemeClr val="accent2">
-                    <a:lumMod val="75000"/>
-                  </a:schemeClr>
-                </a:solidFill>
-                <a:latin typeface="Courier" pitchFamily="2" charset="0"/>
-              </a:rPr>
-              <a:t>urlPathEqualTo</a:t>
-            </a:r>
-            <a:r>
-              <a:rPr lang="en-US" sz="1400" dirty="0">
-                <a:latin typeface="Courier" pitchFamily="2" charset="0"/>
-              </a:rPr>
-              <a:t>(</a:t>
-            </a:r>
-            <a:r>
-              <a:rPr lang="en-US" sz="1400" dirty="0">
-                <a:solidFill>
-                  <a:schemeClr val="accent6">
-                    <a:lumMod val="50000"/>
-                  </a:schemeClr>
-                </a:solidFill>
-                <a:latin typeface="Courier" pitchFamily="2" charset="0"/>
-              </a:rPr>
-              <a:t>"/everything"</a:t>
-            </a:r>
-            <a:r>
-              <a:rPr lang="en-US" sz="1400" dirty="0">
-                <a:latin typeface="Courier" pitchFamily="2" charset="0"/>
-              </a:rPr>
-              <a:t>))</a:t>
-            </a:r>
-          </a:p>
-          <a:p>
-            <a:pPr marL="0" indent="0">
-              <a:buNone/>
-            </a:pPr>
-            <a:r>
-              <a:rPr lang="en-US" sz="1400" dirty="0">
-                <a:latin typeface="Courier" pitchFamily="2" charset="0"/>
-              </a:rPr>
-              <a:t>  .</a:t>
-            </a:r>
-            <a:r>
-              <a:rPr lang="en-US" sz="1400" dirty="0" err="1">
-                <a:solidFill>
-                  <a:srgbClr val="0070C0"/>
-                </a:solidFill>
-                <a:latin typeface="Courier" pitchFamily="2" charset="0"/>
-              </a:rPr>
-              <a:t>withHeader</a:t>
-            </a:r>
-            <a:r>
-              <a:rPr lang="en-US" sz="1400" dirty="0">
-                <a:latin typeface="Courier" pitchFamily="2" charset="0"/>
-              </a:rPr>
-              <a:t>(</a:t>
-            </a:r>
-            <a:r>
-              <a:rPr lang="en-US" sz="1400" dirty="0">
-                <a:solidFill>
-                  <a:schemeClr val="accent6">
-                    <a:lumMod val="50000"/>
-                  </a:schemeClr>
-                </a:solidFill>
-                <a:latin typeface="Courier" pitchFamily="2" charset="0"/>
-              </a:rPr>
-              <a:t>"Accept"</a:t>
-            </a:r>
-            <a:r>
-              <a:rPr lang="en-US" sz="1400" dirty="0">
-                <a:latin typeface="Courier" pitchFamily="2" charset="0"/>
-              </a:rPr>
-              <a:t>, </a:t>
-            </a:r>
-            <a:r>
-              <a:rPr lang="en-US" sz="1400" dirty="0">
-                <a:solidFill>
-                  <a:schemeClr val="accent2">
-                    <a:lumMod val="75000"/>
-                  </a:schemeClr>
-                </a:solidFill>
-                <a:latin typeface="Courier" pitchFamily="2" charset="0"/>
-              </a:rPr>
-              <a:t>containing</a:t>
-            </a:r>
-            <a:r>
-              <a:rPr lang="en-US" sz="1400" dirty="0">
-                <a:latin typeface="Courier" pitchFamily="2" charset="0"/>
-              </a:rPr>
-              <a:t>(</a:t>
-            </a:r>
-            <a:r>
-              <a:rPr lang="en-US" sz="1400" dirty="0">
-                <a:solidFill>
-                  <a:schemeClr val="accent6">
-                    <a:lumMod val="50000"/>
-                  </a:schemeClr>
-                </a:solidFill>
-                <a:latin typeface="Courier" pitchFamily="2" charset="0"/>
-              </a:rPr>
-              <a:t>"xml"</a:t>
-            </a:r>
-            <a:r>
-              <a:rPr lang="en-US" sz="1400" dirty="0">
-                <a:latin typeface="Courier" pitchFamily="2" charset="0"/>
-              </a:rPr>
-              <a:t>))</a:t>
-            </a:r>
-          </a:p>
-          <a:p>
-            <a:pPr marL="0" indent="0">
-              <a:buNone/>
-            </a:pPr>
-            <a:r>
-              <a:rPr lang="en-US" sz="1400" dirty="0">
-                <a:latin typeface="Courier" pitchFamily="2" charset="0"/>
-              </a:rPr>
-              <a:t>  .</a:t>
-            </a:r>
-            <a:r>
-              <a:rPr lang="en-US" sz="1400" dirty="0" err="1">
-                <a:solidFill>
-                  <a:srgbClr val="0070C0"/>
-                </a:solidFill>
-                <a:latin typeface="Courier" pitchFamily="2" charset="0"/>
-              </a:rPr>
-              <a:t>withCookie</a:t>
-            </a:r>
-            <a:r>
-              <a:rPr lang="en-US" sz="1400" dirty="0">
-                <a:latin typeface="Courier" pitchFamily="2" charset="0"/>
-              </a:rPr>
-              <a:t>(</a:t>
-            </a:r>
-            <a:r>
-              <a:rPr lang="en-US" sz="1400" dirty="0">
-                <a:solidFill>
-                  <a:schemeClr val="accent6">
-                    <a:lumMod val="50000"/>
-                  </a:schemeClr>
-                </a:solidFill>
-                <a:latin typeface="Courier" pitchFamily="2" charset="0"/>
-              </a:rPr>
-              <a:t>"session"</a:t>
-            </a:r>
-            <a:r>
-              <a:rPr lang="en-US" sz="1400" dirty="0">
-                <a:latin typeface="Courier" pitchFamily="2" charset="0"/>
-              </a:rPr>
-              <a:t>, </a:t>
-            </a:r>
-            <a:r>
-              <a:rPr lang="en-US" sz="1400" dirty="0">
-                <a:solidFill>
-                  <a:schemeClr val="accent2">
-                    <a:lumMod val="75000"/>
-                  </a:schemeClr>
-                </a:solidFill>
-                <a:latin typeface="Courier" pitchFamily="2" charset="0"/>
-              </a:rPr>
-              <a:t>matching</a:t>
-            </a:r>
-            <a:r>
-              <a:rPr lang="en-US" sz="1400" dirty="0">
-                <a:latin typeface="Courier" pitchFamily="2" charset="0"/>
-              </a:rPr>
-              <a:t>(</a:t>
-            </a:r>
-            <a:r>
-              <a:rPr lang="en-US" sz="1400" dirty="0">
-                <a:solidFill>
-                  <a:schemeClr val="accent6">
-                    <a:lumMod val="50000"/>
-                  </a:schemeClr>
-                </a:solidFill>
-                <a:latin typeface="Courier" pitchFamily="2" charset="0"/>
-              </a:rPr>
-              <a:t>".*12345.*"</a:t>
-            </a:r>
-            <a:r>
-              <a:rPr lang="en-US" sz="1400" dirty="0">
-                <a:latin typeface="Courier" pitchFamily="2" charset="0"/>
-              </a:rPr>
-              <a:t>))</a:t>
-            </a:r>
-          </a:p>
-          <a:p>
-            <a:pPr marL="0" indent="0">
-              <a:buNone/>
-            </a:pPr>
-            <a:r>
-              <a:rPr lang="en-US" sz="1400" dirty="0">
-                <a:latin typeface="Courier" pitchFamily="2" charset="0"/>
-              </a:rPr>
-              <a:t>  .</a:t>
-            </a:r>
-            <a:r>
-              <a:rPr lang="en-US" sz="1400" dirty="0" err="1">
-                <a:solidFill>
-                  <a:srgbClr val="0070C0"/>
-                </a:solidFill>
-                <a:latin typeface="Courier" pitchFamily="2" charset="0"/>
-              </a:rPr>
-              <a:t>withQueryParam</a:t>
-            </a:r>
-            <a:r>
-              <a:rPr lang="en-US" sz="1400" dirty="0">
-                <a:latin typeface="Courier" pitchFamily="2" charset="0"/>
-              </a:rPr>
-              <a:t>(</a:t>
-            </a:r>
-            <a:r>
-              <a:rPr lang="en-US" sz="1400" dirty="0">
-                <a:solidFill>
-                  <a:schemeClr val="accent6">
-                    <a:lumMod val="50000"/>
-                  </a:schemeClr>
-                </a:solidFill>
-                <a:latin typeface="Courier" pitchFamily="2" charset="0"/>
-              </a:rPr>
-              <a:t>"</a:t>
-            </a:r>
-            <a:r>
-              <a:rPr lang="en-US" sz="1400" dirty="0" err="1">
-                <a:solidFill>
-                  <a:schemeClr val="accent6">
-                    <a:lumMod val="50000"/>
-                  </a:schemeClr>
-                </a:solidFill>
-                <a:latin typeface="Courier" pitchFamily="2" charset="0"/>
-              </a:rPr>
-              <a:t>search_term</a:t>
-            </a:r>
-            <a:r>
-              <a:rPr lang="en-US" sz="1400" dirty="0">
-                <a:solidFill>
-                  <a:schemeClr val="accent6">
-                    <a:lumMod val="50000"/>
-                  </a:schemeClr>
-                </a:solidFill>
-                <a:latin typeface="Courier" pitchFamily="2" charset="0"/>
-              </a:rPr>
-              <a:t>"</a:t>
-            </a:r>
-            <a:r>
-              <a:rPr lang="en-US" sz="1400" dirty="0">
-                <a:latin typeface="Courier" pitchFamily="2" charset="0"/>
-              </a:rPr>
-              <a:t>, </a:t>
-            </a:r>
-            <a:r>
-              <a:rPr lang="en-US" sz="1400" dirty="0" err="1">
-                <a:solidFill>
-                  <a:schemeClr val="accent2">
-                    <a:lumMod val="75000"/>
-                  </a:schemeClr>
-                </a:solidFill>
-                <a:latin typeface="Courier" pitchFamily="2" charset="0"/>
-              </a:rPr>
-              <a:t>equalTo</a:t>
-            </a:r>
-            <a:r>
-              <a:rPr lang="en-US" sz="1400" dirty="0">
-                <a:latin typeface="Courier" pitchFamily="2" charset="0"/>
-              </a:rPr>
-              <a:t>(</a:t>
-            </a:r>
-            <a:r>
-              <a:rPr lang="en-US" sz="1400" dirty="0">
-                <a:solidFill>
-                  <a:schemeClr val="accent6">
-                    <a:lumMod val="50000"/>
-                  </a:schemeClr>
-                </a:solidFill>
-                <a:latin typeface="Courier" pitchFamily="2" charset="0"/>
-              </a:rPr>
-              <a:t>"</a:t>
-            </a:r>
-            <a:r>
-              <a:rPr lang="en-US" sz="1400" dirty="0" err="1">
-                <a:solidFill>
-                  <a:schemeClr val="accent6">
-                    <a:lumMod val="50000"/>
-                  </a:schemeClr>
-                </a:solidFill>
-                <a:latin typeface="Courier" pitchFamily="2" charset="0"/>
-              </a:rPr>
-              <a:t>WireMock</a:t>
-            </a:r>
-            <a:r>
-              <a:rPr lang="en-US" sz="1400" dirty="0">
-                <a:solidFill>
-                  <a:schemeClr val="accent6">
-                    <a:lumMod val="50000"/>
-                  </a:schemeClr>
-                </a:solidFill>
-                <a:latin typeface="Courier" pitchFamily="2" charset="0"/>
-              </a:rPr>
-              <a:t>"</a:t>
-            </a:r>
-            <a:r>
-              <a:rPr lang="en-US" sz="1400" dirty="0">
-                <a:latin typeface="Courier" pitchFamily="2" charset="0"/>
-              </a:rPr>
-              <a:t>))</a:t>
-            </a:r>
-          </a:p>
-          <a:p>
-            <a:pPr marL="0" indent="0">
-              <a:buNone/>
-            </a:pPr>
-            <a:r>
-              <a:rPr lang="en-US" sz="1400" dirty="0">
-                <a:latin typeface="Courier" pitchFamily="2" charset="0"/>
-              </a:rPr>
-              <a:t>  .</a:t>
-            </a:r>
-            <a:r>
-              <a:rPr lang="en-US" sz="1400" dirty="0" err="1">
-                <a:solidFill>
-                  <a:srgbClr val="0070C0"/>
-                </a:solidFill>
-                <a:latin typeface="Courier" pitchFamily="2" charset="0"/>
-              </a:rPr>
-              <a:t>withBasicAuth</a:t>
-            </a:r>
-            <a:r>
-              <a:rPr lang="en-US" sz="1400" dirty="0">
-                <a:latin typeface="Courier" pitchFamily="2" charset="0"/>
-              </a:rPr>
-              <a:t>(</a:t>
-            </a:r>
-            <a:r>
-              <a:rPr lang="en-US" sz="1400" dirty="0">
-                <a:solidFill>
-                  <a:schemeClr val="accent6">
-                    <a:lumMod val="50000"/>
-                  </a:schemeClr>
-                </a:solidFill>
-                <a:latin typeface="Courier" pitchFamily="2" charset="0"/>
-              </a:rPr>
-              <a:t>"</a:t>
-            </a:r>
-            <a:r>
-              <a:rPr lang="en-US" sz="1400" dirty="0" err="1">
-                <a:solidFill>
-                  <a:schemeClr val="accent6">
-                    <a:lumMod val="50000"/>
-                  </a:schemeClr>
-                </a:solidFill>
-                <a:latin typeface="Courier" pitchFamily="2" charset="0"/>
-              </a:rPr>
-              <a:t>jeff@example.com</a:t>
-            </a:r>
-            <a:r>
-              <a:rPr lang="en-US" sz="1400" dirty="0">
-                <a:solidFill>
-                  <a:schemeClr val="accent6">
-                    <a:lumMod val="50000"/>
-                  </a:schemeClr>
-                </a:solidFill>
-                <a:latin typeface="Courier" pitchFamily="2" charset="0"/>
-              </a:rPr>
-              <a:t>"</a:t>
-            </a:r>
-            <a:r>
-              <a:rPr lang="en-US" sz="1400" dirty="0">
-                <a:latin typeface="Courier" pitchFamily="2" charset="0"/>
-              </a:rPr>
-              <a:t>, </a:t>
-            </a:r>
-            <a:r>
-              <a:rPr lang="en-US" sz="1400" dirty="0">
-                <a:solidFill>
-                  <a:schemeClr val="accent6">
-                    <a:lumMod val="50000"/>
-                  </a:schemeClr>
-                </a:solidFill>
-                <a:latin typeface="Courier" pitchFamily="2" charset="0"/>
-              </a:rPr>
-              <a:t>”p4$$w0rD&amp;@"</a:t>
-            </a:r>
-            <a:r>
-              <a:rPr lang="en-US" sz="1400" dirty="0">
-                <a:latin typeface="Courier" pitchFamily="2" charset="0"/>
-              </a:rPr>
-              <a:t>)</a:t>
-            </a:r>
-          </a:p>
-          <a:p>
-            <a:pPr marL="0" indent="0">
-              <a:buNone/>
-            </a:pPr>
-            <a:r>
-              <a:rPr lang="en-US" sz="1400" dirty="0">
-                <a:latin typeface="Courier" pitchFamily="2" charset="0"/>
-              </a:rPr>
-              <a:t>  .</a:t>
-            </a:r>
-            <a:r>
-              <a:rPr lang="en-US" sz="1400" dirty="0" err="1">
-                <a:solidFill>
-                  <a:srgbClr val="0070C0"/>
-                </a:solidFill>
-                <a:latin typeface="Courier" pitchFamily="2" charset="0"/>
-              </a:rPr>
-              <a:t>withRequestBody</a:t>
-            </a:r>
-            <a:r>
-              <a:rPr lang="en-US" sz="1400" dirty="0">
-                <a:latin typeface="Courier" pitchFamily="2" charset="0"/>
-              </a:rPr>
-              <a:t>(</a:t>
-            </a:r>
-            <a:r>
-              <a:rPr lang="en-US" sz="1400" dirty="0" err="1">
-                <a:solidFill>
-                  <a:schemeClr val="accent2">
-                    <a:lumMod val="75000"/>
-                  </a:schemeClr>
-                </a:solidFill>
-                <a:latin typeface="Courier" pitchFamily="2" charset="0"/>
-              </a:rPr>
-              <a:t>equalToXml</a:t>
-            </a:r>
-            <a:r>
-              <a:rPr lang="en-US" sz="1400" dirty="0">
-                <a:latin typeface="Courier" pitchFamily="2" charset="0"/>
-              </a:rPr>
-              <a:t>(</a:t>
-            </a:r>
-            <a:r>
-              <a:rPr lang="en-US" sz="1400" dirty="0">
-                <a:solidFill>
-                  <a:schemeClr val="accent6">
-                    <a:lumMod val="50000"/>
-                  </a:schemeClr>
-                </a:solidFill>
-                <a:latin typeface="Courier" pitchFamily="2" charset="0"/>
-              </a:rPr>
-              <a:t>"&lt;search-results /&gt;"</a:t>
-            </a:r>
-            <a:r>
-              <a:rPr lang="en-US" sz="1400" dirty="0">
-                <a:latin typeface="Courier" pitchFamily="2" charset="0"/>
-              </a:rPr>
-              <a:t>))</a:t>
-            </a:r>
-          </a:p>
-          <a:p>
-            <a:pPr marL="0" indent="0">
-              <a:buNone/>
-            </a:pPr>
-            <a:r>
-              <a:rPr lang="en-US" sz="1400" dirty="0">
-                <a:latin typeface="Courier" pitchFamily="2" charset="0"/>
-              </a:rPr>
-              <a:t>  .</a:t>
-            </a:r>
-            <a:r>
-              <a:rPr lang="en-US" sz="1400" dirty="0" err="1">
-                <a:solidFill>
-                  <a:srgbClr val="0070C0"/>
-                </a:solidFill>
-                <a:latin typeface="Courier" pitchFamily="2" charset="0"/>
-              </a:rPr>
-              <a:t>withRequestBody</a:t>
-            </a:r>
-            <a:r>
-              <a:rPr lang="en-US" sz="1400" dirty="0">
-                <a:latin typeface="Courier" pitchFamily="2" charset="0"/>
-              </a:rPr>
-              <a:t>(</a:t>
-            </a:r>
-            <a:r>
-              <a:rPr lang="en-US" sz="1400" dirty="0" err="1">
-                <a:solidFill>
-                  <a:schemeClr val="accent2">
-                    <a:lumMod val="75000"/>
-                  </a:schemeClr>
-                </a:solidFill>
-                <a:latin typeface="Courier" pitchFamily="2" charset="0"/>
-              </a:rPr>
-              <a:t>matchingXPath</a:t>
-            </a:r>
-            <a:r>
-              <a:rPr lang="en-US" sz="1400" dirty="0">
-                <a:latin typeface="Courier" pitchFamily="2" charset="0"/>
-              </a:rPr>
-              <a:t>(</a:t>
-            </a:r>
-            <a:r>
-              <a:rPr lang="en-US" sz="1400" dirty="0">
-                <a:solidFill>
-                  <a:schemeClr val="accent6">
-                    <a:lumMod val="50000"/>
-                  </a:schemeClr>
-                </a:solidFill>
-                <a:latin typeface="Courier" pitchFamily="2" charset="0"/>
-              </a:rPr>
-              <a:t>"//search-results"</a:t>
-            </a:r>
-            <a:r>
-              <a:rPr lang="en-US" sz="1400" dirty="0">
-                <a:latin typeface="Courier" pitchFamily="2" charset="0"/>
-              </a:rPr>
-              <a:t>))</a:t>
-            </a:r>
-          </a:p>
-          <a:p>
-            <a:pPr marL="0" indent="0">
-              <a:buNone/>
-            </a:pPr>
-            <a:r>
-              <a:rPr lang="en-US" sz="1400" dirty="0">
-                <a:latin typeface="Courier" pitchFamily="2" charset="0"/>
-              </a:rPr>
-              <a:t>  .</a:t>
-            </a:r>
-            <a:r>
-              <a:rPr lang="en-US" sz="1400" dirty="0" err="1">
-                <a:solidFill>
-                  <a:srgbClr val="0070C0"/>
-                </a:solidFill>
-                <a:latin typeface="Courier" pitchFamily="2" charset="0"/>
-              </a:rPr>
-              <a:t>withMultipartRequestBody</a:t>
-            </a:r>
-            <a:r>
-              <a:rPr lang="en-US" sz="1400" dirty="0">
-                <a:latin typeface="Courier" pitchFamily="2" charset="0"/>
-              </a:rPr>
-              <a:t>(</a:t>
-            </a:r>
-          </a:p>
-          <a:p>
-            <a:pPr marL="0" indent="0">
-              <a:buNone/>
-            </a:pPr>
-            <a:r>
-              <a:rPr lang="en-US" sz="1400" dirty="0">
-                <a:latin typeface="Courier" pitchFamily="2" charset="0"/>
-              </a:rPr>
-              <a:t>  	</a:t>
-            </a:r>
-            <a:r>
-              <a:rPr lang="en-US" sz="1400" dirty="0" err="1">
-                <a:solidFill>
-                  <a:schemeClr val="accent2">
-                    <a:lumMod val="75000"/>
-                  </a:schemeClr>
-                </a:solidFill>
-                <a:latin typeface="Courier" pitchFamily="2" charset="0"/>
-              </a:rPr>
-              <a:t>aMultipart</a:t>
-            </a:r>
-            <a:r>
-              <a:rPr lang="en-US" sz="1400" dirty="0">
-                <a:latin typeface="Courier" pitchFamily="2" charset="0"/>
-              </a:rPr>
-              <a:t>()</a:t>
-            </a:r>
-          </a:p>
-          <a:p>
-            <a:pPr marL="0" indent="0">
-              <a:buNone/>
-            </a:pPr>
-            <a:r>
-              <a:rPr lang="en-US" sz="1400" dirty="0">
-                <a:latin typeface="Courier" pitchFamily="2" charset="0"/>
-              </a:rPr>
-              <a:t>  		.</a:t>
-            </a:r>
-            <a:r>
-              <a:rPr lang="en-US" sz="1400" dirty="0" err="1">
-                <a:solidFill>
-                  <a:srgbClr val="0070C0"/>
-                </a:solidFill>
-                <a:latin typeface="Courier" pitchFamily="2" charset="0"/>
-              </a:rPr>
-              <a:t>withName</a:t>
-            </a:r>
-            <a:r>
-              <a:rPr lang="en-US" sz="1400" dirty="0">
-                <a:latin typeface="Courier" pitchFamily="2" charset="0"/>
-              </a:rPr>
-              <a:t>(</a:t>
-            </a:r>
-            <a:r>
-              <a:rPr lang="en-US" sz="1400" dirty="0">
-                <a:solidFill>
-                  <a:schemeClr val="accent6">
-                    <a:lumMod val="50000"/>
-                  </a:schemeClr>
-                </a:solidFill>
-                <a:latin typeface="Courier" pitchFamily="2" charset="0"/>
-              </a:rPr>
-              <a:t>"info"</a:t>
-            </a:r>
-            <a:r>
-              <a:rPr lang="en-US" sz="1400" dirty="0">
-                <a:latin typeface="Courier" pitchFamily="2" charset="0"/>
-              </a:rPr>
-              <a:t>)</a:t>
-            </a:r>
-          </a:p>
-          <a:p>
-            <a:pPr marL="0" indent="0">
-              <a:buNone/>
-            </a:pPr>
-            <a:r>
-              <a:rPr lang="en-US" sz="1400" dirty="0">
-                <a:latin typeface="Courier" pitchFamily="2" charset="0"/>
-              </a:rPr>
-              <a:t>  		.</a:t>
-            </a:r>
-            <a:r>
-              <a:rPr lang="en-US" sz="1400" dirty="0" err="1">
-                <a:solidFill>
-                  <a:srgbClr val="0070C0"/>
-                </a:solidFill>
-                <a:latin typeface="Courier" pitchFamily="2" charset="0"/>
-              </a:rPr>
-              <a:t>withHeader</a:t>
-            </a:r>
-            <a:r>
-              <a:rPr lang="en-US" sz="1400" dirty="0">
-                <a:latin typeface="Courier" pitchFamily="2" charset="0"/>
-              </a:rPr>
-              <a:t>(</a:t>
-            </a:r>
-            <a:r>
-              <a:rPr lang="en-US" sz="1400" dirty="0">
-                <a:solidFill>
-                  <a:schemeClr val="accent6">
-                    <a:lumMod val="50000"/>
-                  </a:schemeClr>
-                </a:solidFill>
-                <a:latin typeface="Courier" pitchFamily="2" charset="0"/>
-              </a:rPr>
-              <a:t>"Content-Type"</a:t>
-            </a:r>
-            <a:r>
-              <a:rPr lang="en-US" sz="1400" dirty="0">
-                <a:latin typeface="Courier" pitchFamily="2" charset="0"/>
-              </a:rPr>
-              <a:t>, </a:t>
-            </a:r>
-            <a:r>
-              <a:rPr lang="en-US" sz="1400" dirty="0">
-                <a:solidFill>
-                  <a:schemeClr val="accent2">
-                    <a:lumMod val="75000"/>
-                  </a:schemeClr>
-                </a:solidFill>
-                <a:latin typeface="Courier" pitchFamily="2" charset="0"/>
-              </a:rPr>
-              <a:t>containing</a:t>
-            </a:r>
-            <a:r>
-              <a:rPr lang="en-US" sz="1400" dirty="0">
-                <a:latin typeface="Courier" pitchFamily="2" charset="0"/>
-              </a:rPr>
-              <a:t>(</a:t>
-            </a:r>
-            <a:r>
-              <a:rPr lang="en-US" sz="1400" dirty="0">
-                <a:solidFill>
-                  <a:schemeClr val="accent6">
-                    <a:lumMod val="50000"/>
-                  </a:schemeClr>
-                </a:solidFill>
-                <a:latin typeface="Courier" pitchFamily="2" charset="0"/>
-              </a:rPr>
-              <a:t>"charset"</a:t>
-            </a:r>
-            <a:r>
-              <a:rPr lang="en-US" sz="1400" dirty="0">
-                <a:latin typeface="Courier" pitchFamily="2" charset="0"/>
-              </a:rPr>
-              <a:t>))</a:t>
-            </a:r>
-          </a:p>
-          <a:p>
-            <a:pPr marL="0" indent="0">
-              <a:buNone/>
-            </a:pPr>
-            <a:r>
-              <a:rPr lang="en-US" sz="1400" dirty="0">
-                <a:latin typeface="Courier" pitchFamily="2" charset="0"/>
-              </a:rPr>
-              <a:t>  		.</a:t>
-            </a:r>
-            <a:r>
-              <a:rPr lang="en-US" sz="1400" dirty="0" err="1">
-                <a:solidFill>
-                  <a:srgbClr val="0070C0"/>
-                </a:solidFill>
-                <a:latin typeface="Courier" pitchFamily="2" charset="0"/>
-              </a:rPr>
-              <a:t>withBody</a:t>
-            </a:r>
-            <a:r>
-              <a:rPr lang="en-US" sz="1400" dirty="0">
-                <a:latin typeface="Courier" pitchFamily="2" charset="0"/>
-              </a:rPr>
-              <a:t>(</a:t>
-            </a:r>
-            <a:r>
-              <a:rPr lang="en-US" sz="1400" dirty="0" err="1">
-                <a:solidFill>
-                  <a:schemeClr val="accent2">
-                    <a:lumMod val="75000"/>
-                  </a:schemeClr>
-                </a:solidFill>
-                <a:latin typeface="Courier" pitchFamily="2" charset="0"/>
-              </a:rPr>
-              <a:t>equalToJson</a:t>
-            </a:r>
-            <a:r>
-              <a:rPr lang="en-US" sz="1400" dirty="0">
-                <a:latin typeface="Courier" pitchFamily="2" charset="0"/>
-              </a:rPr>
-              <a:t>(</a:t>
-            </a:r>
-            <a:r>
-              <a:rPr lang="en-US" sz="1400" dirty="0">
-                <a:solidFill>
-                  <a:schemeClr val="accent6">
-                    <a:lumMod val="50000"/>
-                  </a:schemeClr>
-                </a:solidFill>
-                <a:latin typeface="Courier" pitchFamily="2" charset="0"/>
-              </a:rPr>
-              <a:t>"{}"</a:t>
-            </a:r>
-            <a:r>
-              <a:rPr lang="en-US" sz="1400" dirty="0">
-                <a:latin typeface="Courier" pitchFamily="2" charset="0"/>
-              </a:rPr>
-              <a:t>))</a:t>
-            </a:r>
-          </a:p>
-          <a:p>
-            <a:pPr marL="0" indent="0">
-              <a:buNone/>
-            </a:pPr>
-            <a:r>
-              <a:rPr lang="en-US" sz="1400" dirty="0">
-                <a:latin typeface="Courier" pitchFamily="2" charset="0"/>
-              </a:rPr>
-              <a:t>  )</a:t>
-            </a:r>
-          </a:p>
-          <a:p>
-            <a:pPr marL="0" indent="0">
-              <a:buNone/>
-            </a:pPr>
-            <a:r>
-              <a:rPr lang="en-US" sz="1400" dirty="0">
-                <a:latin typeface="Courier" pitchFamily="2" charset="0"/>
-              </a:rPr>
-              <a:t>  .</a:t>
-            </a:r>
-            <a:r>
-              <a:rPr lang="en-US" sz="1400" dirty="0" err="1">
-                <a:solidFill>
-                  <a:srgbClr val="0070C0"/>
-                </a:solidFill>
-                <a:latin typeface="Courier" pitchFamily="2" charset="0"/>
-              </a:rPr>
-              <a:t>willReturn</a:t>
-            </a:r>
-            <a:r>
-              <a:rPr lang="en-US" sz="1400" dirty="0">
-                <a:latin typeface="Courier" pitchFamily="2" charset="0"/>
-              </a:rPr>
-              <a:t>(</a:t>
-            </a:r>
-            <a:r>
-              <a:rPr lang="en-US" sz="1400" dirty="0" err="1">
-                <a:solidFill>
-                  <a:schemeClr val="accent2">
-                    <a:lumMod val="75000"/>
-                  </a:schemeClr>
-                </a:solidFill>
-                <a:latin typeface="Courier" pitchFamily="2" charset="0"/>
-              </a:rPr>
-              <a:t>aResponse</a:t>
-            </a:r>
-            <a:r>
-              <a:rPr lang="en-US" sz="1400" dirty="0">
-                <a:latin typeface="Courier" pitchFamily="2" charset="0"/>
-              </a:rPr>
-              <a:t>()));</a:t>
+              <a:rPr lang="en-US" dirty="0"/>
+              <a:t> or </a:t>
+            </a:r>
+            <a:r>
+              <a:rPr lang="en-US" dirty="0" err="1">
+                <a:latin typeface="Courier" pitchFamily="2" charset="0"/>
+              </a:rPr>
+              <a:t>givenThat</a:t>
+            </a:r>
+            <a:r>
+              <a:rPr lang="en-US" dirty="0"/>
+              <a:t> static methods.</a:t>
+            </a:r>
+          </a:p>
+          <a:p>
+            <a:r>
+              <a:rPr lang="en-US" dirty="0"/>
+              <a:t>JSON documents can be used to define stubbing.</a:t>
+            </a:r>
+          </a:p>
+          <a:p>
+            <a:pPr lvl="1"/>
+            <a:r>
+              <a:rPr lang="en-US" dirty="0"/>
+              <a:t>Upload to </a:t>
+            </a:r>
+            <a:r>
+              <a:rPr lang="en-US" dirty="0">
+                <a:latin typeface="Courier" pitchFamily="2" charset="0"/>
+              </a:rPr>
+              <a:t>/__admin/mappings</a:t>
+            </a:r>
+            <a:r>
+              <a:rPr lang="en-US" dirty="0"/>
+              <a:t>. </a:t>
+            </a:r>
+          </a:p>
+          <a:p>
+            <a:pPr lvl="1"/>
+            <a:r>
+              <a:rPr lang="en-US" dirty="0"/>
+              <a:t>Place </a:t>
+            </a:r>
+            <a:r>
+              <a:rPr lang="en-US" dirty="0">
+                <a:latin typeface="Courier" pitchFamily="2" charset="0"/>
+              </a:rPr>
+              <a:t>.json</a:t>
+            </a:r>
+            <a:r>
+              <a:rPr lang="en-US" dirty="0"/>
+              <a:t> file in mappings directory.</a:t>
             </a:r>
           </a:p>
         </p:txBody>
@@ -4583,7 +4235,7 @@
     </p:spTree>
     <p:extLst>
       <p:ext uri="{BB962C8B-B14F-4D97-AF65-F5344CB8AC3E}">
-        <p14:creationId xmlns:p14="http://schemas.microsoft.com/office/powerpoint/2010/main" val="1601499193"/>
+        <p14:creationId xmlns:p14="http://schemas.microsoft.com/office/powerpoint/2010/main" val="920010761"/>
       </p:ext>
     </p:extLst>
   </p:cSld>
@@ -4633,7 +4285,7 @@
           <a:p>
             <a:r>
               <a:rPr lang="en-US" b="1" dirty="0"/>
-              <a:t>Proxying</a:t>
+              <a:t>Request matching</a:t>
             </a:r>
           </a:p>
         </p:txBody>
@@ -4665,37 +4317,64 @@
             </a:r>
             <a:r>
               <a:rPr lang="en-US" dirty="0"/>
-              <a:t> has the ability to selectively proxy requests through to other hosts. </a:t>
+              <a:t> supports request matching to stubs and verification queries</a:t>
             </a:r>
           </a:p>
           <a:p>
             <a:pPr lvl="1"/>
             <a:r>
               <a:rPr lang="en-US" dirty="0"/>
-              <a:t>This supports a proxy/intercept setup where requests are by default proxied to another (possibly real, live) service, but where specific stubs are configured these are returned in place of the remote service’s response. </a:t>
+              <a:t>URL</a:t>
             </a:r>
           </a:p>
           <a:p>
             <a:pPr lvl="1"/>
             <a:r>
               <a:rPr lang="en-US" dirty="0"/>
-              <a:t>Responses that the live service can’t be forced to generate on demand can thus be injected for testing. </a:t>
-            </a:r>
-          </a:p>
-          <a:p>
+              <a:t>HTTP method</a:t>
+            </a:r>
+          </a:p>
+          <a:p>
+            <a:pPr lvl="1"/>
             <a:r>
               <a:rPr lang="en-US" dirty="0"/>
-              <a:t>Proxying also supports record and playback.</a:t>
-            </a:r>
-          </a:p>
-          <a:p>
+              <a:t>Query parameters</a:t>
+            </a:r>
+          </a:p>
+          <a:p>
+            <a:pPr lvl="1"/>
             <a:r>
               <a:rPr lang="en-US" dirty="0"/>
-              <a:t>Proxy responses are defined in exactly the same manner as stubs, meaning that the same request matching criteria can be used.</a:t>
-            </a:r>
-          </a:p>
-          <a:p>
-            <a:endParaRPr lang="en-US" dirty="0"/>
+              <a:t>Headers</a:t>
+            </a:r>
+          </a:p>
+          <a:p>
+            <a:pPr lvl="1"/>
+            <a:r>
+              <a:rPr lang="en-US" dirty="0"/>
+              <a:t>Basic authentication (a special case of header matching)</a:t>
+            </a:r>
+          </a:p>
+          <a:p>
+            <a:pPr lvl="1"/>
+            <a:r>
+              <a:rPr lang="en-US" dirty="0"/>
+              <a:t>Cookies</a:t>
+            </a:r>
+          </a:p>
+          <a:p>
+            <a:pPr lvl="1"/>
+            <a:r>
+              <a:rPr lang="en-US" dirty="0"/>
+              <a:t>Request body</a:t>
+            </a:r>
+          </a:p>
+          <a:p>
+            <a:pPr lvl="1"/>
+            <a:r>
+              <a:rPr lang="en-US" dirty="0"/>
+              <a:t>Multipart/form-data </a:t>
+            </a:r>
           </a:p>
           <a:p>
             <a:endParaRPr lang="en-US" dirty="0"/>
@@ -4705,7 +4384,7 @@
     </p:spTree>
     <p:extLst>
       <p:ext uri="{BB962C8B-B14F-4D97-AF65-F5344CB8AC3E}">
-        <p14:creationId xmlns:p14="http://schemas.microsoft.com/office/powerpoint/2010/main" val="2061368511"/>
+        <p14:creationId xmlns:p14="http://schemas.microsoft.com/office/powerpoint/2010/main" val="3453819638"/>
       </p:ext>
     </p:extLst>
   </p:cSld>
@@ -4755,7 +4434,7 @@
           <a:p>
             <a:r>
               <a:rPr lang="en-US" b="1" dirty="0"/>
-              <a:t>Proxying example</a:t>
+              <a:t>Request matching example</a:t>
             </a:r>
           </a:p>
         </p:txBody>
@@ -4787,7 +4466,7 @@
               <a:buNone/>
             </a:pPr>
             <a:r>
-              <a:rPr lang="en-US" sz="2000" dirty="0" err="1">
+              <a:rPr lang="en-US" sz="1400" dirty="0" err="1">
                 <a:solidFill>
                   <a:schemeClr val="accent2">
                     <a:lumMod val="75000"/>
@@ -4798,13 +4477,13 @@
               <a:t>stubFor</a:t>
             </a:r>
             <a:r>
-              <a:rPr lang="en-US" sz="2000" dirty="0">
+              <a:rPr lang="en-US" sz="1400" dirty="0">
                 <a:latin typeface="Courier" pitchFamily="2" charset="0"/>
               </a:rPr>
               <a:t>(</a:t>
             </a:r>
             <a:r>
-              <a:rPr lang="en-US" sz="2000" dirty="0">
+              <a:rPr lang="en-US" sz="1400" dirty="0">
                 <a:solidFill>
                   <a:schemeClr val="accent2">
                     <a:lumMod val="75000"/>
@@ -4815,13 +4494,13 @@
               <a:t>any</a:t>
             </a:r>
             <a:r>
-              <a:rPr lang="en-US" sz="2000" dirty="0">
+              <a:rPr lang="en-US" sz="1400" dirty="0">
                 <a:latin typeface="Courier" pitchFamily="2" charset="0"/>
               </a:rPr>
               <a:t>(</a:t>
             </a:r>
             <a:r>
-              <a:rPr lang="en-US" sz="2000" dirty="0" err="1">
+              <a:rPr lang="en-US" sz="1400" dirty="0" err="1">
                 <a:solidFill>
                   <a:schemeClr val="accent2">
                     <a:lumMod val="75000"/>
@@ -4829,16 +4508,16 @@
                 </a:solidFill>
                 <a:latin typeface="Courier" pitchFamily="2" charset="0"/>
               </a:rPr>
-              <a:t>urlMatching</a:t>
-            </a:r>
-            <a:r>
-              <a:rPr lang="en-US" sz="2000" dirty="0">
+              <a:t>urlPathEqualTo</a:t>
+            </a:r>
+            <a:r>
+              <a:rPr lang="en-US" sz="1400" dirty="0">
                 <a:latin typeface="Courier" pitchFamily="2" charset="0"/>
               </a:rPr>
               <a:t>(</a:t>
             </a:r>
             <a:r>
-              <a:rPr lang="en-US" sz="2000" dirty="0">
+              <a:rPr lang="en-US" sz="1400" dirty="0">
                 <a:solidFill>
                   <a:schemeClr val="accent6">
                     <a:lumMod val="50000"/>
@@ -4846,42 +4525,59 @@
                 </a:solidFill>
                 <a:latin typeface="Courier" pitchFamily="2" charset="0"/>
               </a:rPr>
-              <a:t>"/other/service/.*"</a:t>
-            </a:r>
-            <a:r>
-              <a:rPr lang="en-US" sz="2000" dirty="0">
+              <a:t>"/everything"</a:t>
+            </a:r>
+            <a:r>
+              <a:rPr lang="en-US" sz="1400" dirty="0">
                 <a:latin typeface="Courier" pitchFamily="2" charset="0"/>
               </a:rPr>
               <a:t>))</a:t>
             </a:r>
-            <a:br>
-              <a:rPr lang="en-US" sz="2000" dirty="0">
-                <a:latin typeface="Courier" pitchFamily="2" charset="0"/>
-              </a:rPr>
-            </a:br>
-            <a:r>
-              <a:rPr lang="en-US" sz="2000" dirty="0">
-                <a:latin typeface="Courier" pitchFamily="2" charset="0"/>
-              </a:rPr>
-              <a:t>    .</a:t>
-            </a:r>
-            <a:r>
-              <a:rPr lang="en-US" sz="2000" dirty="0" err="1">
+          </a:p>
+          <a:p>
+            <a:pPr marL="0" indent="0">
+              <a:buNone/>
+            </a:pPr>
+            <a:r>
+              <a:rPr lang="en-US" sz="1400" dirty="0">
+                <a:latin typeface="Courier" pitchFamily="2" charset="0"/>
+              </a:rPr>
+              <a:t>  .</a:t>
+            </a:r>
+            <a:r>
+              <a:rPr lang="en-US" sz="1400" dirty="0" err="1">
                 <a:solidFill>
                   <a:srgbClr val="0070C0"/>
                 </a:solidFill>
                 <a:latin typeface="Courier" pitchFamily="2" charset="0"/>
               </a:rPr>
-              <a:t>willReturn</a:t>
-            </a:r>
-            <a:r>
-              <a:rPr lang="en-US" sz="2000" dirty="0">
+              <a:t>withHeader</a:t>
+            </a:r>
+            <a:r>
+              <a:rPr lang="en-US" sz="1400" dirty="0">
                 <a:latin typeface="Courier" pitchFamily="2" charset="0"/>
               </a:rPr>
               <a:t>(</a:t>
             </a:r>
             <a:r>
-              <a:rPr lang="en-US" sz="2000" dirty="0" err="1">
+              <a:rPr lang="en-US" sz="1400" dirty="0">
+                <a:solidFill>
+                  <a:schemeClr val="accent6">
+                    <a:lumMod val="50000"/>
+                  </a:schemeClr>
+                </a:solidFill>
+                <a:latin typeface="Courier" pitchFamily="2" charset="0"/>
+              </a:rPr>
+              <a:t>"Accept"</a:t>
+            </a:r>
+            <a:r>
+              <a:rPr lang="en-US" sz="1400" dirty="0">
+                <a:latin typeface="Courier" pitchFamily="2" charset="0"/>
+              </a:rPr>
+              <a:t>, </a:t>
+            </a:r>
+            <a:r>
+              <a:rPr lang="en-US" sz="1400" dirty="0">
                 <a:solidFill>
                   <a:schemeClr val="accent2">
                     <a:lumMod val="75000"/>
@@ -4889,42 +4585,16 @@
                 </a:solidFill>
                 <a:latin typeface="Courier" pitchFamily="2" charset="0"/>
               </a:rPr>
-              <a:t>aResponse</a:t>
-            </a:r>
-            <a:r>
-              <a:rPr lang="en-US" sz="2000" dirty="0">
-                <a:latin typeface="Courier" pitchFamily="2" charset="0"/>
-              </a:rPr>
-              <a:t>()</a:t>
-            </a:r>
-            <a:br>
-              <a:rPr lang="en-US" sz="2000" dirty="0">
-                <a:latin typeface="Courier" pitchFamily="2" charset="0"/>
-              </a:rPr>
-            </a:br>
-            <a:r>
-              <a:rPr lang="en-US" sz="2000" dirty="0">
-                <a:latin typeface="Courier" pitchFamily="2" charset="0"/>
-              </a:rPr>
-              <a:t>        .</a:t>
-            </a:r>
-            <a:r>
-              <a:rPr lang="en-US" sz="2000" dirty="0" err="1">
-                <a:solidFill>
-                  <a:srgbClr val="0070C0"/>
-                </a:solidFill>
-                <a:latin typeface="Courier" pitchFamily="2" charset="0"/>
-              </a:rPr>
-              <a:t>proxiedFrom</a:t>
-            </a:r>
-            <a:r>
-              <a:rPr lang="en-US" sz="2000" dirty="0">
+              <a:t>containing</a:t>
+            </a:r>
+            <a:r>
+              <a:rPr lang="en-US" sz="1400" dirty="0">
                 <a:latin typeface="Courier" pitchFamily="2" charset="0"/>
               </a:rPr>
               <a:t>(</a:t>
             </a:r>
             <a:r>
-              <a:rPr lang="en-US" sz="2000" dirty="0">
+              <a:rPr lang="en-US" sz="1400" dirty="0">
                 <a:solidFill>
                   <a:schemeClr val="accent6">
                     <a:lumMod val="50000"/>
@@ -4932,10 +4602,42 @@
                 </a:solidFill>
                 <a:latin typeface="Courier" pitchFamily="2" charset="0"/>
               </a:rPr>
-              <a:t>"http://</a:t>
-            </a:r>
-            <a:r>
-              <a:rPr lang="en-US" sz="2000" dirty="0" err="1">
+              <a:t>"xml"</a:t>
+            </a:r>
+            <a:r>
+              <a:rPr lang="en-US" sz="1400" dirty="0">
+                <a:latin typeface="Courier" pitchFamily="2" charset="0"/>
+              </a:rPr>
+              <a:t>))</a:t>
+            </a:r>
+          </a:p>
+          <a:p>
+            <a:pPr marL="0" indent="0">
+              <a:buNone/>
+            </a:pPr>
+            <a:r>
+              <a:rPr lang="en-US" sz="1400" dirty="0">
+                <a:latin typeface="Courier" pitchFamily="2" charset="0"/>
+              </a:rPr>
+              <a:t>  .</a:t>
+            </a:r>
+            <a:r>
+              <a:rPr lang="en-US" sz="1400" dirty="0" err="1">
+                <a:solidFill>
+                  <a:srgbClr val="0070C0"/>
+                </a:solidFill>
+                <a:latin typeface="Courier" pitchFamily="2" charset="0"/>
+              </a:rPr>
+              <a:t>withCookie</a:t>
+            </a:r>
+            <a:r>
+              <a:rPr lang="en-US" sz="1400" dirty="0">
+                <a:latin typeface="Courier" pitchFamily="2" charset="0"/>
+              </a:rPr>
+              <a:t>(</a:t>
+            </a:r>
+            <a:r>
+              <a:rPr lang="en-US" sz="1400" dirty="0">
                 <a:solidFill>
                   <a:schemeClr val="accent6">
                     <a:lumMod val="50000"/>
@@ -4943,10 +4645,33 @@
                 </a:solidFill>
                 <a:latin typeface="Courier" pitchFamily="2" charset="0"/>
               </a:rPr>
-              <a:t>uat.otherhost.com</a:t>
-            </a:r>
-            <a:r>
-              <a:rPr lang="en-US" sz="2000" dirty="0">
+              <a:t>"session"</a:t>
+            </a:r>
+            <a:r>
+              <a:rPr lang="en-US" sz="1400" dirty="0">
+                <a:latin typeface="Courier" pitchFamily="2" charset="0"/>
+              </a:rPr>
+              <a:t>, </a:t>
+            </a:r>
+            <a:r>
+              <a:rPr lang="en-US" sz="1400" dirty="0">
+                <a:solidFill>
+                  <a:schemeClr val="accent2">
+                    <a:lumMod val="75000"/>
+                  </a:schemeClr>
+                </a:solidFill>
+                <a:latin typeface="Courier" pitchFamily="2" charset="0"/>
+              </a:rPr>
+              <a:t>matching</a:t>
+            </a:r>
+            <a:r>
+              <a:rPr lang="en-US" sz="1400" dirty="0">
+                <a:latin typeface="Courier" pitchFamily="2" charset="0"/>
+              </a:rPr>
+              <a:t>(</a:t>
+            </a:r>
+            <a:r>
+              <a:rPr lang="en-US" sz="1400" dirty="0">
                 <a:solidFill>
                   <a:schemeClr val="accent6">
                     <a:lumMod val="50000"/>
@@ -4954,10 +4679,42 @@
                 </a:solidFill>
                 <a:latin typeface="Courier" pitchFamily="2" charset="0"/>
               </a:rPr>
-              <a:t>/</a:t>
-            </a:r>
-            <a:r>
-              <a:rPr lang="en-US" sz="2000" dirty="0" err="1">
+              <a:t>".*12345.*"</a:t>
+            </a:r>
+            <a:r>
+              <a:rPr lang="en-US" sz="1400" dirty="0">
+                <a:latin typeface="Courier" pitchFamily="2" charset="0"/>
+              </a:rPr>
+              <a:t>))</a:t>
+            </a:r>
+          </a:p>
+          <a:p>
+            <a:pPr marL="0" indent="0">
+              <a:buNone/>
+            </a:pPr>
+            <a:r>
+              <a:rPr lang="en-US" sz="1400" dirty="0">
+                <a:latin typeface="Courier" pitchFamily="2" charset="0"/>
+              </a:rPr>
+              <a:t>  .</a:t>
+            </a:r>
+            <a:r>
+              <a:rPr lang="en-US" sz="1400" dirty="0" err="1">
+                <a:solidFill>
+                  <a:srgbClr val="0070C0"/>
+                </a:solidFill>
+                <a:latin typeface="Courier" pitchFamily="2" charset="0"/>
+              </a:rPr>
+              <a:t>withQueryParam</a:t>
+            </a:r>
+            <a:r>
+              <a:rPr lang="en-US" sz="1400" dirty="0">
+                <a:latin typeface="Courier" pitchFamily="2" charset="0"/>
+              </a:rPr>
+              <a:t>(</a:t>
+            </a:r>
+            <a:r>
+              <a:rPr lang="en-US" sz="1400" dirty="0">
                 <a:solidFill>
                   <a:schemeClr val="accent6">
                     <a:lumMod val="50000"/>
@@ -4965,10 +4722,10 @@
                 </a:solidFill>
                 <a:latin typeface="Courier" pitchFamily="2" charset="0"/>
               </a:rPr>
-              <a:t>approot</a:t>
-            </a:r>
-            <a:r>
-              <a:rPr lang="en-US" sz="2000" dirty="0">
+              <a:t>"</a:t>
+            </a:r>
+            <a:r>
+              <a:rPr lang="en-US" sz="1400" dirty="0" err="1">
                 <a:solidFill>
                   <a:schemeClr val="accent6">
                     <a:lumMod val="50000"/>
@@ -4976,13 +4733,570 @@
                 </a:solidFill>
                 <a:latin typeface="Courier" pitchFamily="2" charset="0"/>
               </a:rPr>
+              <a:t>search_term</a:t>
+            </a:r>
+            <a:r>
+              <a:rPr lang="en-US" sz="1400" dirty="0">
+                <a:solidFill>
+                  <a:schemeClr val="accent6">
+                    <a:lumMod val="50000"/>
+                  </a:schemeClr>
+                </a:solidFill>
+                <a:latin typeface="Courier" pitchFamily="2" charset="0"/>
+              </a:rPr>
               <a:t>"</a:t>
             </a:r>
             <a:r>
-              <a:rPr lang="en-US" sz="2000" dirty="0">
-                <a:latin typeface="Courier" pitchFamily="2" charset="0"/>
-              </a:rPr>
-              <a:t>)));</a:t>
+              <a:rPr lang="en-US" sz="1400" dirty="0">
+                <a:latin typeface="Courier" pitchFamily="2" charset="0"/>
+              </a:rPr>
+              <a:t>, </a:t>
+            </a:r>
+            <a:r>
+              <a:rPr lang="en-US" sz="1400" dirty="0" err="1">
+                <a:solidFill>
+                  <a:schemeClr val="accent2">
+                    <a:lumMod val="75000"/>
+                  </a:schemeClr>
+                </a:solidFill>
+                <a:latin typeface="Courier" pitchFamily="2" charset="0"/>
+              </a:rPr>
+              <a:t>equalTo</a:t>
+            </a:r>
+            <a:r>
+              <a:rPr lang="en-US" sz="1400" dirty="0">
+                <a:latin typeface="Courier" pitchFamily="2" charset="0"/>
+              </a:rPr>
+              <a:t>(</a:t>
+            </a:r>
+            <a:r>
+              <a:rPr lang="en-US" sz="1400" dirty="0">
+                <a:solidFill>
+                  <a:schemeClr val="accent6">
+                    <a:lumMod val="50000"/>
+                  </a:schemeClr>
+                </a:solidFill>
+                <a:latin typeface="Courier" pitchFamily="2" charset="0"/>
+              </a:rPr>
+              <a:t>"</a:t>
+            </a:r>
+            <a:r>
+              <a:rPr lang="en-US" sz="1400" dirty="0" err="1">
+                <a:solidFill>
+                  <a:schemeClr val="accent6">
+                    <a:lumMod val="50000"/>
+                  </a:schemeClr>
+                </a:solidFill>
+                <a:latin typeface="Courier" pitchFamily="2" charset="0"/>
+              </a:rPr>
+              <a:t>WireMock</a:t>
+            </a:r>
+            <a:r>
+              <a:rPr lang="en-US" sz="1400" dirty="0">
+                <a:solidFill>
+                  <a:schemeClr val="accent6">
+                    <a:lumMod val="50000"/>
+                  </a:schemeClr>
+                </a:solidFill>
+                <a:latin typeface="Courier" pitchFamily="2" charset="0"/>
+              </a:rPr>
+              <a:t>"</a:t>
+            </a:r>
+            <a:r>
+              <a:rPr lang="en-US" sz="1400" dirty="0">
+                <a:latin typeface="Courier" pitchFamily="2" charset="0"/>
+              </a:rPr>
+              <a:t>))</a:t>
+            </a:r>
+          </a:p>
+          <a:p>
+            <a:pPr marL="0" indent="0">
+              <a:buNone/>
+            </a:pPr>
+            <a:r>
+              <a:rPr lang="en-US" sz="1400" dirty="0">
+                <a:latin typeface="Courier" pitchFamily="2" charset="0"/>
+              </a:rPr>
+              <a:t>  .</a:t>
+            </a:r>
+            <a:r>
+              <a:rPr lang="en-US" sz="1400" dirty="0" err="1">
+                <a:solidFill>
+                  <a:srgbClr val="0070C0"/>
+                </a:solidFill>
+                <a:latin typeface="Courier" pitchFamily="2" charset="0"/>
+              </a:rPr>
+              <a:t>withBasicAuth</a:t>
+            </a:r>
+            <a:r>
+              <a:rPr lang="en-US" sz="1400" dirty="0">
+                <a:latin typeface="Courier" pitchFamily="2" charset="0"/>
+              </a:rPr>
+              <a:t>(</a:t>
+            </a:r>
+            <a:r>
+              <a:rPr lang="en-US" sz="1400" dirty="0">
+                <a:solidFill>
+                  <a:schemeClr val="accent6">
+                    <a:lumMod val="50000"/>
+                  </a:schemeClr>
+                </a:solidFill>
+                <a:latin typeface="Courier" pitchFamily="2" charset="0"/>
+              </a:rPr>
+              <a:t>"</a:t>
+            </a:r>
+            <a:r>
+              <a:rPr lang="en-US" sz="1400" dirty="0" err="1">
+                <a:solidFill>
+                  <a:schemeClr val="accent6">
+                    <a:lumMod val="50000"/>
+                  </a:schemeClr>
+                </a:solidFill>
+                <a:latin typeface="Courier" pitchFamily="2" charset="0"/>
+              </a:rPr>
+              <a:t>jeff@example.com</a:t>
+            </a:r>
+            <a:r>
+              <a:rPr lang="en-US" sz="1400" dirty="0">
+                <a:solidFill>
+                  <a:schemeClr val="accent6">
+                    <a:lumMod val="50000"/>
+                  </a:schemeClr>
+                </a:solidFill>
+                <a:latin typeface="Courier" pitchFamily="2" charset="0"/>
+              </a:rPr>
+              <a:t>"</a:t>
+            </a:r>
+            <a:r>
+              <a:rPr lang="en-US" sz="1400" dirty="0">
+                <a:latin typeface="Courier" pitchFamily="2" charset="0"/>
+              </a:rPr>
+              <a:t>, </a:t>
+            </a:r>
+            <a:r>
+              <a:rPr lang="en-US" sz="1400" dirty="0">
+                <a:solidFill>
+                  <a:schemeClr val="accent6">
+                    <a:lumMod val="50000"/>
+                  </a:schemeClr>
+                </a:solidFill>
+                <a:latin typeface="Courier" pitchFamily="2" charset="0"/>
+              </a:rPr>
+              <a:t>”p4$$w0rD&amp;@"</a:t>
+            </a:r>
+            <a:r>
+              <a:rPr lang="en-US" sz="1400" dirty="0">
+                <a:latin typeface="Courier" pitchFamily="2" charset="0"/>
+              </a:rPr>
+              <a:t>)</a:t>
+            </a:r>
+          </a:p>
+          <a:p>
+            <a:pPr marL="0" indent="0">
+              <a:buNone/>
+            </a:pPr>
+            <a:r>
+              <a:rPr lang="en-US" sz="1400" dirty="0">
+                <a:latin typeface="Courier" pitchFamily="2" charset="0"/>
+              </a:rPr>
+              <a:t>  .</a:t>
+            </a:r>
+            <a:r>
+              <a:rPr lang="en-US" sz="1400" dirty="0" err="1">
+                <a:solidFill>
+                  <a:srgbClr val="0070C0"/>
+                </a:solidFill>
+                <a:latin typeface="Courier" pitchFamily="2" charset="0"/>
+              </a:rPr>
+              <a:t>withRequestBody</a:t>
+            </a:r>
+            <a:r>
+              <a:rPr lang="en-US" sz="1400" dirty="0">
+                <a:latin typeface="Courier" pitchFamily="2" charset="0"/>
+              </a:rPr>
+              <a:t>(</a:t>
+            </a:r>
+            <a:r>
+              <a:rPr lang="en-US" sz="1400" dirty="0" err="1">
+                <a:solidFill>
+                  <a:schemeClr val="accent2">
+                    <a:lumMod val="75000"/>
+                  </a:schemeClr>
+                </a:solidFill>
+                <a:latin typeface="Courier" pitchFamily="2" charset="0"/>
+              </a:rPr>
+              <a:t>equalToXml</a:t>
+            </a:r>
+            <a:r>
+              <a:rPr lang="en-US" sz="1400" dirty="0">
+                <a:latin typeface="Courier" pitchFamily="2" charset="0"/>
+              </a:rPr>
+              <a:t>(</a:t>
+            </a:r>
+            <a:r>
+              <a:rPr lang="en-US" sz="1400" dirty="0">
+                <a:solidFill>
+                  <a:schemeClr val="accent6">
+                    <a:lumMod val="50000"/>
+                  </a:schemeClr>
+                </a:solidFill>
+                <a:latin typeface="Courier" pitchFamily="2" charset="0"/>
+              </a:rPr>
+              <a:t>"&lt;search-results /&gt;"</a:t>
+            </a:r>
+            <a:r>
+              <a:rPr lang="en-US" sz="1400" dirty="0">
+                <a:latin typeface="Courier" pitchFamily="2" charset="0"/>
+              </a:rPr>
+              <a:t>))</a:t>
+            </a:r>
+          </a:p>
+          <a:p>
+            <a:pPr marL="0" indent="0">
+              <a:buNone/>
+            </a:pPr>
+            <a:r>
+              <a:rPr lang="en-US" sz="1400" dirty="0">
+                <a:latin typeface="Courier" pitchFamily="2" charset="0"/>
+              </a:rPr>
+              <a:t>  .</a:t>
+            </a:r>
+            <a:r>
+              <a:rPr lang="en-US" sz="1400" dirty="0" err="1">
+                <a:solidFill>
+                  <a:srgbClr val="0070C0"/>
+                </a:solidFill>
+                <a:latin typeface="Courier" pitchFamily="2" charset="0"/>
+              </a:rPr>
+              <a:t>withRequestBody</a:t>
+            </a:r>
+            <a:r>
+              <a:rPr lang="en-US" sz="1400" dirty="0">
+                <a:latin typeface="Courier" pitchFamily="2" charset="0"/>
+              </a:rPr>
+              <a:t>(</a:t>
+            </a:r>
+            <a:r>
+              <a:rPr lang="en-US" sz="1400" dirty="0" err="1">
+                <a:solidFill>
+                  <a:schemeClr val="accent2">
+                    <a:lumMod val="75000"/>
+                  </a:schemeClr>
+                </a:solidFill>
+                <a:latin typeface="Courier" pitchFamily="2" charset="0"/>
+              </a:rPr>
+              <a:t>matchingXPath</a:t>
+            </a:r>
+            <a:r>
+              <a:rPr lang="en-US" sz="1400" dirty="0">
+                <a:latin typeface="Courier" pitchFamily="2" charset="0"/>
+              </a:rPr>
+              <a:t>(</a:t>
+            </a:r>
+            <a:r>
+              <a:rPr lang="en-US" sz="1400" dirty="0">
+                <a:solidFill>
+                  <a:schemeClr val="accent6">
+                    <a:lumMod val="50000"/>
+                  </a:schemeClr>
+                </a:solidFill>
+                <a:latin typeface="Courier" pitchFamily="2" charset="0"/>
+              </a:rPr>
+              <a:t>"//search-results"</a:t>
+            </a:r>
+            <a:r>
+              <a:rPr lang="en-US" sz="1400" dirty="0">
+                <a:latin typeface="Courier" pitchFamily="2" charset="0"/>
+              </a:rPr>
+              <a:t>))</a:t>
+            </a:r>
+          </a:p>
+          <a:p>
+            <a:pPr marL="0" indent="0">
+              <a:buNone/>
+            </a:pPr>
+            <a:r>
+              <a:rPr lang="en-US" sz="1400" dirty="0">
+                <a:latin typeface="Courier" pitchFamily="2" charset="0"/>
+              </a:rPr>
+              <a:t>  .</a:t>
+            </a:r>
+            <a:r>
+              <a:rPr lang="en-US" sz="1400" dirty="0" err="1">
+                <a:solidFill>
+                  <a:srgbClr val="0070C0"/>
+                </a:solidFill>
+                <a:latin typeface="Courier" pitchFamily="2" charset="0"/>
+              </a:rPr>
+              <a:t>withMultipartRequestBody</a:t>
+            </a:r>
+            <a:r>
+              <a:rPr lang="en-US" sz="1400" dirty="0">
+                <a:latin typeface="Courier" pitchFamily="2" charset="0"/>
+              </a:rPr>
+              <a:t>(</a:t>
+            </a:r>
+          </a:p>
+          <a:p>
+            <a:pPr marL="0" indent="0">
+              <a:buNone/>
+            </a:pPr>
+            <a:r>
+              <a:rPr lang="en-US" sz="1400" dirty="0">
+                <a:latin typeface="Courier" pitchFamily="2" charset="0"/>
+              </a:rPr>
+              <a:t>  	</a:t>
+            </a:r>
+            <a:r>
+              <a:rPr lang="en-US" sz="1400" dirty="0" err="1">
+                <a:solidFill>
+                  <a:schemeClr val="accent2">
+                    <a:lumMod val="75000"/>
+                  </a:schemeClr>
+                </a:solidFill>
+                <a:latin typeface="Courier" pitchFamily="2" charset="0"/>
+              </a:rPr>
+              <a:t>aMultipart</a:t>
+            </a:r>
+            <a:r>
+              <a:rPr lang="en-US" sz="1400" dirty="0">
+                <a:latin typeface="Courier" pitchFamily="2" charset="0"/>
+              </a:rPr>
+              <a:t>()</a:t>
+            </a:r>
+          </a:p>
+          <a:p>
+            <a:pPr marL="0" indent="0">
+              <a:buNone/>
+            </a:pPr>
+            <a:r>
+              <a:rPr lang="en-US" sz="1400" dirty="0">
+                <a:latin typeface="Courier" pitchFamily="2" charset="0"/>
+              </a:rPr>
+              <a:t>  		.</a:t>
+            </a:r>
+            <a:r>
+              <a:rPr lang="en-US" sz="1400" dirty="0" err="1">
+                <a:solidFill>
+                  <a:srgbClr val="0070C0"/>
+                </a:solidFill>
+                <a:latin typeface="Courier" pitchFamily="2" charset="0"/>
+              </a:rPr>
+              <a:t>withName</a:t>
+            </a:r>
+            <a:r>
+              <a:rPr lang="en-US" sz="1400" dirty="0">
+                <a:latin typeface="Courier" pitchFamily="2" charset="0"/>
+              </a:rPr>
+              <a:t>(</a:t>
+            </a:r>
+            <a:r>
+              <a:rPr lang="en-US" sz="1400" dirty="0">
+                <a:solidFill>
+                  <a:schemeClr val="accent6">
+                    <a:lumMod val="50000"/>
+                  </a:schemeClr>
+                </a:solidFill>
+                <a:latin typeface="Courier" pitchFamily="2" charset="0"/>
+              </a:rPr>
+              <a:t>"info"</a:t>
+            </a:r>
+            <a:r>
+              <a:rPr lang="en-US" sz="1400" dirty="0">
+                <a:latin typeface="Courier" pitchFamily="2" charset="0"/>
+              </a:rPr>
+              <a:t>)</a:t>
+            </a:r>
+          </a:p>
+          <a:p>
+            <a:pPr marL="0" indent="0">
+              <a:buNone/>
+            </a:pPr>
+            <a:r>
+              <a:rPr lang="en-US" sz="1400" dirty="0">
+                <a:latin typeface="Courier" pitchFamily="2" charset="0"/>
+              </a:rPr>
+              <a:t>  		.</a:t>
+            </a:r>
+            <a:r>
+              <a:rPr lang="en-US" sz="1400" dirty="0" err="1">
+                <a:solidFill>
+                  <a:srgbClr val="0070C0"/>
+                </a:solidFill>
+                <a:latin typeface="Courier" pitchFamily="2" charset="0"/>
+              </a:rPr>
+              <a:t>withHeader</a:t>
+            </a:r>
+            <a:r>
+              <a:rPr lang="en-US" sz="1400" dirty="0">
+                <a:latin typeface="Courier" pitchFamily="2" charset="0"/>
+              </a:rPr>
+              <a:t>(</a:t>
+            </a:r>
+            <a:r>
+              <a:rPr lang="en-US" sz="1400" dirty="0">
+                <a:solidFill>
+                  <a:schemeClr val="accent6">
+                    <a:lumMod val="50000"/>
+                  </a:schemeClr>
+                </a:solidFill>
+                <a:latin typeface="Courier" pitchFamily="2" charset="0"/>
+              </a:rPr>
+              <a:t>"Content-Type"</a:t>
+            </a:r>
+            <a:r>
+              <a:rPr lang="en-US" sz="1400" dirty="0">
+                <a:latin typeface="Courier" pitchFamily="2" charset="0"/>
+              </a:rPr>
+              <a:t>, </a:t>
+            </a:r>
+            <a:r>
+              <a:rPr lang="en-US" sz="1400" dirty="0">
+                <a:solidFill>
+                  <a:schemeClr val="accent2">
+                    <a:lumMod val="75000"/>
+                  </a:schemeClr>
+                </a:solidFill>
+                <a:latin typeface="Courier" pitchFamily="2" charset="0"/>
+              </a:rPr>
+              <a:t>containing</a:t>
+            </a:r>
+            <a:r>
+              <a:rPr lang="en-US" sz="1400" dirty="0">
+                <a:latin typeface="Courier" pitchFamily="2" charset="0"/>
+              </a:rPr>
+              <a:t>(</a:t>
+            </a:r>
+            <a:r>
+              <a:rPr lang="en-US" sz="1400" dirty="0">
+                <a:solidFill>
+                  <a:schemeClr val="accent6">
+                    <a:lumMod val="50000"/>
+                  </a:schemeClr>
+                </a:solidFill>
+                <a:latin typeface="Courier" pitchFamily="2" charset="0"/>
+              </a:rPr>
+              <a:t>"charset"</a:t>
+            </a:r>
+            <a:r>
+              <a:rPr lang="en-US" sz="1400" dirty="0">
+                <a:latin typeface="Courier" pitchFamily="2" charset="0"/>
+              </a:rPr>
+              <a:t>))</a:t>
+            </a:r>
+          </a:p>
+          <a:p>
+            <a:pPr marL="0" indent="0">
+              <a:buNone/>
+            </a:pPr>
+            <a:r>
+              <a:rPr lang="en-US" sz="1400" dirty="0">
+                <a:latin typeface="Courier" pitchFamily="2" charset="0"/>
+              </a:rPr>
+              <a:t>  		.</a:t>
+            </a:r>
+            <a:r>
+              <a:rPr lang="en-US" sz="1400" dirty="0" err="1">
+                <a:solidFill>
+                  <a:srgbClr val="0070C0"/>
+                </a:solidFill>
+                <a:latin typeface="Courier" pitchFamily="2" charset="0"/>
+              </a:rPr>
+              <a:t>withBody</a:t>
+            </a:r>
+            <a:r>
+              <a:rPr lang="en-US" sz="1400" dirty="0">
+                <a:latin typeface="Courier" pitchFamily="2" charset="0"/>
+              </a:rPr>
+              <a:t>(</a:t>
+            </a:r>
+            <a:r>
+              <a:rPr lang="en-US" sz="1400" dirty="0" err="1">
+                <a:solidFill>
+                  <a:schemeClr val="accent2">
+                    <a:lumMod val="75000"/>
+                  </a:schemeClr>
+                </a:solidFill>
+                <a:latin typeface="Courier" pitchFamily="2" charset="0"/>
+              </a:rPr>
+              <a:t>equalToJson</a:t>
+            </a:r>
+            <a:r>
+              <a:rPr lang="en-US" sz="1400" dirty="0">
+                <a:latin typeface="Courier" pitchFamily="2" charset="0"/>
+              </a:rPr>
+              <a:t>(</a:t>
+            </a:r>
+            <a:r>
+              <a:rPr lang="en-US" sz="1400" dirty="0">
+                <a:solidFill>
+                  <a:schemeClr val="accent6">
+                    <a:lumMod val="50000"/>
+                  </a:schemeClr>
+                </a:solidFill>
+                <a:latin typeface="Courier" pitchFamily="2" charset="0"/>
+              </a:rPr>
+              <a:t>"{}"</a:t>
+            </a:r>
+            <a:r>
+              <a:rPr lang="en-US" sz="1400" dirty="0">
+                <a:latin typeface="Courier" pitchFamily="2" charset="0"/>
+              </a:rPr>
+              <a:t>))</a:t>
+            </a:r>
+          </a:p>
+          <a:p>
+            <a:pPr marL="0" indent="0">
+              <a:buNone/>
+            </a:pPr>
+            <a:r>
+              <a:rPr lang="en-US" sz="1400" dirty="0">
+                <a:latin typeface="Courier" pitchFamily="2" charset="0"/>
+              </a:rPr>
+              <a:t>  )</a:t>
+            </a:r>
+          </a:p>
+          <a:p>
+            <a:pPr marL="0" indent="0">
+              <a:buNone/>
+            </a:pPr>
+            <a:r>
+              <a:rPr lang="en-US" sz="1400" dirty="0">
+                <a:latin typeface="Courier" pitchFamily="2" charset="0"/>
+              </a:rPr>
+              <a:t>  .</a:t>
+            </a:r>
+            <a:r>
+              <a:rPr lang="en-US" sz="1400" dirty="0" err="1">
+                <a:solidFill>
+                  <a:srgbClr val="0070C0"/>
+                </a:solidFill>
+                <a:latin typeface="Courier" pitchFamily="2" charset="0"/>
+              </a:rPr>
+              <a:t>willReturn</a:t>
+            </a:r>
+            <a:r>
+              <a:rPr lang="en-US" sz="1400" dirty="0">
+                <a:latin typeface="Courier" pitchFamily="2" charset="0"/>
+              </a:rPr>
+              <a:t>(</a:t>
+            </a:r>
+            <a:r>
+              <a:rPr lang="en-US" sz="1400" dirty="0" err="1">
+                <a:solidFill>
+                  <a:schemeClr val="accent2">
+                    <a:lumMod val="75000"/>
+                  </a:schemeClr>
+                </a:solidFill>
+                <a:latin typeface="Courier" pitchFamily="2" charset="0"/>
+              </a:rPr>
+              <a:t>aResponse</a:t>
+            </a:r>
+            <a:r>
+              <a:rPr lang="en-US" sz="1400" dirty="0">
+                <a:latin typeface="Courier" pitchFamily="2" charset="0"/>
+              </a:rPr>
+              <a:t>()));</a:t>
             </a:r>
           </a:p>
         </p:txBody>
@@ -4990,7 +5304,7 @@
     </p:spTree>
     <p:extLst>
       <p:ext uri="{BB962C8B-B14F-4D97-AF65-F5344CB8AC3E}">
-        <p14:creationId xmlns:p14="http://schemas.microsoft.com/office/powerpoint/2010/main" val="3214834193"/>
+        <p14:creationId xmlns:p14="http://schemas.microsoft.com/office/powerpoint/2010/main" val="1601499193"/>
       </p:ext>
     </p:extLst>
   </p:cSld>
@@ -5022,7 +5336,7 @@
           <p:cNvPr id="2" name="Title 1">
             <a:extLst>
               <a:ext uri="{FF2B5EF4-FFF2-40B4-BE49-F238E27FC236}">
-                <a16:creationId xmlns:a16="http://schemas.microsoft.com/office/drawing/2014/main" id="{6ABF63F7-7F0C-F34B-B334-FF832474BE45}"/>
+                <a16:creationId xmlns:a16="http://schemas.microsoft.com/office/drawing/2014/main" id="{965FF103-B2AF-2A41-9E51-C55DDFC2E5BA}"/>
               </a:ext>
             </a:extLst>
           </p:cNvPr>
@@ -5040,7 +5354,7 @@
           <a:p>
             <a:r>
               <a:rPr lang="en-US" b="1" dirty="0"/>
-              <a:t>References</a:t>
+              <a:t>Verification</a:t>
             </a:r>
           </a:p>
         </p:txBody>
@@ -5050,7 +5364,7 @@
           <p:cNvPr id="3" name="Content Placeholder 2">
             <a:extLst>
               <a:ext uri="{FF2B5EF4-FFF2-40B4-BE49-F238E27FC236}">
-                <a16:creationId xmlns:a16="http://schemas.microsoft.com/office/drawing/2014/main" id="{2081B556-19CD-224F-9DDE-0007BD24D53A}"/>
+                <a16:creationId xmlns:a16="http://schemas.microsoft.com/office/drawing/2014/main" id="{2A688C31-B456-2A43-AC14-79DC5900B258}"/>
               </a:ext>
             </a:extLst>
           </p:cNvPr>
@@ -5063,16 +5377,68 @@
         </p:nvSpPr>
         <p:spPr/>
         <p:txBody>
-          <a:bodyPr/>
-          <a:lstStyle/>
-          <a:p>
-            <a:r>
-              <a:rPr lang="en-US" dirty="0">
-                <a:hlinkClick r:id="rId2"/>
-              </a:rPr>
-              <a:t>https://wiremock.org</a:t>
-            </a:r>
-            <a:endParaRPr lang="en-US" dirty="0"/>
+          <a:bodyPr>
+            <a:normAutofit/>
+          </a:bodyPr>
+          <a:lstStyle/>
+          <a:p>
+            <a:r>
+              <a:rPr lang="en-US" dirty="0" err="1"/>
+              <a:t>WireMock</a:t>
+            </a:r>
+            <a:r>
+              <a:rPr lang="en-US" dirty="0"/>
+              <a:t> server records all requests it receives in memory. </a:t>
+            </a:r>
+          </a:p>
+          <a:p>
+            <a:pPr lvl="1"/>
+            <a:r>
+              <a:rPr lang="en-US" dirty="0"/>
+              <a:t>Provides the ability to verify that a request matching a specific pattern was received, and also to fetch the requests’ details.</a:t>
+            </a:r>
+          </a:p>
+          <a:p>
+            <a:r>
+              <a:rPr lang="en-US" dirty="0"/>
+              <a:t>Verifying and querying requests relies on the </a:t>
+            </a:r>
+            <a:r>
+              <a:rPr lang="en-US" i="1" dirty="0"/>
+              <a:t>request journal</a:t>
+            </a:r>
+            <a:r>
+              <a:rPr lang="en-US" dirty="0"/>
+              <a:t>. </a:t>
+            </a:r>
+          </a:p>
+          <a:p>
+            <a:pPr lvl="1"/>
+            <a:r>
+              <a:rPr lang="en-US" dirty="0"/>
+              <a:t>In-memory log of received requests. </a:t>
+            </a:r>
+          </a:p>
+          <a:p>
+            <a:pPr lvl="1"/>
+            <a:r>
+              <a:rPr lang="en-US" dirty="0"/>
+              <a:t>The request journal can be reset.</a:t>
+            </a:r>
+          </a:p>
+          <a:p>
+            <a:r>
+              <a:rPr lang="en-US" dirty="0"/>
+              <a:t>Like stubbing, verification also uses </a:t>
+            </a:r>
+            <a:r>
+              <a:rPr lang="en-US" dirty="0" err="1"/>
+              <a:t>WireMock’s</a:t>
+            </a:r>
+            <a:r>
+              <a:rPr lang="en-US" dirty="0"/>
+              <a:t> request matching system to filter and query requests. </a:t>
+            </a:r>
           </a:p>
           <a:p>
             <a:endParaRPr lang="en-US" dirty="0"/>
@@ -5082,7 +5448,721 @@
     </p:spTree>
     <p:extLst>
       <p:ext uri="{BB962C8B-B14F-4D97-AF65-F5344CB8AC3E}">
-        <p14:creationId xmlns:p14="http://schemas.microsoft.com/office/powerpoint/2010/main" val="401283327"/>
+        <p14:creationId xmlns:p14="http://schemas.microsoft.com/office/powerpoint/2010/main" val="1786323998"/>
+      </p:ext>
+    </p:extLst>
+  </p:cSld>
+  <p:clrMapOvr>
+    <a:masterClrMapping/>
+  </p:clrMapOvr>
+</p:sld>
+</file>
+
+<file path=ppt/slides/slide8.xml><?xml version="1.0" encoding="utf-8"?>
+<p:sld xmlns:a="http://schemas.openxmlformats.org/drawingml/2006/main" xmlns:r="http://schemas.openxmlformats.org/officeDocument/2006/relationships" xmlns:p="http://schemas.openxmlformats.org/presentationml/2006/main">
+  <p:cSld>
+    <p:spTree>
+      <p:nvGrpSpPr>
+        <p:cNvPr id="1" name=""/>
+        <p:cNvGrpSpPr/>
+        <p:nvPr/>
+      </p:nvGrpSpPr>
+      <p:grpSpPr>
+        <a:xfrm>
+          <a:off x="0" y="0"/>
+          <a:ext cx="0" cy="0"/>
+          <a:chOff x="0" y="0"/>
+          <a:chExt cx="0" cy="0"/>
+        </a:xfrm>
+      </p:grpSpPr>
+      <p:sp>
+        <p:nvSpPr>
+          <p:cNvPr id="2" name="Title 1">
+            <a:extLst>
+              <a:ext uri="{FF2B5EF4-FFF2-40B4-BE49-F238E27FC236}">
+                <a16:creationId xmlns:a16="http://schemas.microsoft.com/office/drawing/2014/main" id="{965FF103-B2AF-2A41-9E51-C55DDFC2E5BA}"/>
+              </a:ext>
+            </a:extLst>
+          </p:cNvPr>
+          <p:cNvSpPr>
+            <a:spLocks noGrp="1"/>
+          </p:cNvSpPr>
+          <p:nvPr>
+            <p:ph type="title"/>
+          </p:nvPr>
+        </p:nvSpPr>
+        <p:spPr/>
+        <p:txBody>
+          <a:bodyPr/>
+          <a:lstStyle/>
+          <a:p>
+            <a:r>
+              <a:rPr lang="en-US" b="1" dirty="0"/>
+              <a:t>Request verification examples</a:t>
+            </a:r>
+          </a:p>
+        </p:txBody>
+      </p:sp>
+      <p:sp>
+        <p:nvSpPr>
+          <p:cNvPr id="3" name="Content Placeholder 2">
+            <a:extLst>
+              <a:ext uri="{FF2B5EF4-FFF2-40B4-BE49-F238E27FC236}">
+                <a16:creationId xmlns:a16="http://schemas.microsoft.com/office/drawing/2014/main" id="{2A688C31-B456-2A43-AC14-79DC5900B258}"/>
+              </a:ext>
+            </a:extLst>
+          </p:cNvPr>
+          <p:cNvSpPr>
+            <a:spLocks noGrp="1"/>
+          </p:cNvSpPr>
+          <p:nvPr>
+            <p:ph idx="1"/>
+          </p:nvPr>
+        </p:nvSpPr>
+        <p:spPr/>
+        <p:txBody>
+          <a:bodyPr>
+            <a:noAutofit/>
+          </a:bodyPr>
+          <a:lstStyle/>
+          <a:p>
+            <a:pPr marL="0" indent="0">
+              <a:buNone/>
+            </a:pPr>
+            <a:r>
+              <a:rPr lang="en-US" sz="2000" dirty="0">
+                <a:solidFill>
+                  <a:schemeClr val="accent2">
+                    <a:lumMod val="75000"/>
+                  </a:schemeClr>
+                </a:solidFill>
+                <a:latin typeface="Courier" pitchFamily="2" charset="0"/>
+              </a:rPr>
+              <a:t>verify</a:t>
+            </a:r>
+            <a:r>
+              <a:rPr lang="en-US" sz="2000" dirty="0">
+                <a:latin typeface="Courier" pitchFamily="2" charset="0"/>
+              </a:rPr>
+              <a:t>(</a:t>
+            </a:r>
+            <a:r>
+              <a:rPr lang="en-US" sz="2000" dirty="0" err="1">
+                <a:solidFill>
+                  <a:schemeClr val="accent2">
+                    <a:lumMod val="75000"/>
+                  </a:schemeClr>
+                </a:solidFill>
+                <a:latin typeface="Courier" pitchFamily="2" charset="0"/>
+              </a:rPr>
+              <a:t>postRequestedFor</a:t>
+            </a:r>
+            <a:r>
+              <a:rPr lang="en-US" sz="2000" dirty="0">
+                <a:latin typeface="Courier" pitchFamily="2" charset="0"/>
+              </a:rPr>
+              <a:t>(</a:t>
+            </a:r>
+            <a:r>
+              <a:rPr lang="en-US" sz="2000" dirty="0" err="1">
+                <a:solidFill>
+                  <a:schemeClr val="accent2">
+                    <a:lumMod val="75000"/>
+                  </a:schemeClr>
+                </a:solidFill>
+                <a:latin typeface="Courier" pitchFamily="2" charset="0"/>
+              </a:rPr>
+              <a:t>urlPathEqualTo</a:t>
+            </a:r>
+            <a:r>
+              <a:rPr lang="en-US" sz="2000" dirty="0">
+                <a:latin typeface="Courier" pitchFamily="2" charset="0"/>
+              </a:rPr>
+              <a:t>(</a:t>
+            </a:r>
+            <a:r>
+              <a:rPr lang="en-US" sz="2000" dirty="0">
+                <a:solidFill>
+                  <a:schemeClr val="accent6">
+                    <a:lumMod val="50000"/>
+                  </a:schemeClr>
+                </a:solidFill>
+                <a:latin typeface="Courier" pitchFamily="2" charset="0"/>
+              </a:rPr>
+              <a:t>"/everything"</a:t>
+            </a:r>
+            <a:r>
+              <a:rPr lang="en-US" sz="2000" dirty="0">
+                <a:latin typeface="Courier" pitchFamily="2" charset="0"/>
+              </a:rPr>
+              <a:t>))</a:t>
+            </a:r>
+            <a:br>
+              <a:rPr lang="en-US" sz="2000" dirty="0">
+                <a:latin typeface="Courier" pitchFamily="2" charset="0"/>
+              </a:rPr>
+            </a:br>
+            <a:r>
+              <a:rPr lang="en-US" sz="2000" dirty="0">
+                <a:latin typeface="Courier" pitchFamily="2" charset="0"/>
+              </a:rPr>
+              <a:t>   .</a:t>
+            </a:r>
+            <a:r>
+              <a:rPr lang="en-US" sz="2000" dirty="0" err="1">
+                <a:solidFill>
+                  <a:srgbClr val="0070C0"/>
+                </a:solidFill>
+                <a:latin typeface="Courier" pitchFamily="2" charset="0"/>
+              </a:rPr>
+              <a:t>withHeader</a:t>
+            </a:r>
+            <a:r>
+              <a:rPr lang="en-US" sz="2000" dirty="0">
+                <a:latin typeface="Courier" pitchFamily="2" charset="0"/>
+              </a:rPr>
+              <a:t>(</a:t>
+            </a:r>
+            <a:r>
+              <a:rPr lang="en-US" sz="2000" dirty="0">
+                <a:solidFill>
+                  <a:schemeClr val="accent6">
+                    <a:lumMod val="50000"/>
+                  </a:schemeClr>
+                </a:solidFill>
+                <a:latin typeface="Courier" pitchFamily="2" charset="0"/>
+              </a:rPr>
+              <a:t>"Accept"</a:t>
+            </a:r>
+            <a:r>
+              <a:rPr lang="en-US" sz="2000" dirty="0">
+                <a:latin typeface="Courier" pitchFamily="2" charset="0"/>
+              </a:rPr>
+              <a:t>, </a:t>
+            </a:r>
+            <a:r>
+              <a:rPr lang="en-US" sz="2000" dirty="0">
+                <a:solidFill>
+                  <a:schemeClr val="accent2">
+                    <a:lumMod val="75000"/>
+                  </a:schemeClr>
+                </a:solidFill>
+                <a:latin typeface="Courier" pitchFamily="2" charset="0"/>
+              </a:rPr>
+              <a:t>containing</a:t>
+            </a:r>
+            <a:r>
+              <a:rPr lang="en-US" sz="2000" dirty="0">
+                <a:latin typeface="Courier" pitchFamily="2" charset="0"/>
+              </a:rPr>
+              <a:t>(</a:t>
+            </a:r>
+            <a:r>
+              <a:rPr lang="en-US" sz="2000" dirty="0">
+                <a:solidFill>
+                  <a:schemeClr val="accent6">
+                    <a:lumMod val="50000"/>
+                  </a:schemeClr>
+                </a:solidFill>
+                <a:latin typeface="Courier" pitchFamily="2" charset="0"/>
+              </a:rPr>
+              <a:t>"xml"</a:t>
+            </a:r>
+            <a:r>
+              <a:rPr lang="en-US" sz="2000" dirty="0">
+                <a:latin typeface="Courier" pitchFamily="2" charset="0"/>
+              </a:rPr>
+              <a:t>));</a:t>
+            </a:r>
+          </a:p>
+          <a:p>
+            <a:pPr marL="0" indent="0">
+              <a:buNone/>
+            </a:pPr>
+            <a:endParaRPr lang="en-US" sz="2000" dirty="0">
+              <a:latin typeface="Courier" pitchFamily="2" charset="0"/>
+            </a:endParaRPr>
+          </a:p>
+          <a:p>
+            <a:pPr marL="0" indent="0">
+              <a:buNone/>
+            </a:pPr>
+            <a:r>
+              <a:rPr lang="en-US" sz="2000" dirty="0">
+                <a:solidFill>
+                  <a:schemeClr val="accent2">
+                    <a:lumMod val="75000"/>
+                  </a:schemeClr>
+                </a:solidFill>
+                <a:latin typeface="Courier" pitchFamily="2" charset="0"/>
+              </a:rPr>
+              <a:t>verify</a:t>
+            </a:r>
+            <a:r>
+              <a:rPr lang="en-US" sz="2000" dirty="0">
+                <a:latin typeface="Courier" pitchFamily="2" charset="0"/>
+              </a:rPr>
+              <a:t>(2, </a:t>
+            </a:r>
+            <a:r>
+              <a:rPr lang="en-US" sz="2000" dirty="0" err="1">
+                <a:solidFill>
+                  <a:schemeClr val="accent2">
+                    <a:lumMod val="75000"/>
+                  </a:schemeClr>
+                </a:solidFill>
+                <a:latin typeface="Courier" pitchFamily="2" charset="0"/>
+              </a:rPr>
+              <a:t>postRequestedFor</a:t>
+            </a:r>
+            <a:r>
+              <a:rPr lang="en-US" sz="2000" dirty="0">
+                <a:latin typeface="Courier" pitchFamily="2" charset="0"/>
+              </a:rPr>
+              <a:t>(</a:t>
+            </a:r>
+            <a:r>
+              <a:rPr lang="en-US" sz="2000" dirty="0" err="1">
+                <a:solidFill>
+                  <a:schemeClr val="accent2">
+                    <a:lumMod val="75000"/>
+                  </a:schemeClr>
+                </a:solidFill>
+                <a:latin typeface="Courier" pitchFamily="2" charset="0"/>
+              </a:rPr>
+              <a:t>urlPathEqualTo</a:t>
+            </a:r>
+            <a:r>
+              <a:rPr lang="en-US" sz="2000" dirty="0">
+                <a:latin typeface="Courier" pitchFamily="2" charset="0"/>
+              </a:rPr>
+              <a:t>(</a:t>
+            </a:r>
+            <a:r>
+              <a:rPr lang="en-US" sz="2000" dirty="0">
+                <a:solidFill>
+                  <a:schemeClr val="accent6">
+                    <a:lumMod val="50000"/>
+                  </a:schemeClr>
+                </a:solidFill>
+                <a:latin typeface="Courier" pitchFamily="2" charset="0"/>
+              </a:rPr>
+              <a:t>"/everything"</a:t>
+            </a:r>
+            <a:r>
+              <a:rPr lang="en-US" sz="2000" dirty="0">
+                <a:latin typeface="Courier" pitchFamily="2" charset="0"/>
+              </a:rPr>
+              <a:t>))</a:t>
+            </a:r>
+            <a:br>
+              <a:rPr lang="en-US" sz="2000" dirty="0">
+                <a:latin typeface="Courier" pitchFamily="2" charset="0"/>
+              </a:rPr>
+            </a:br>
+            <a:r>
+              <a:rPr lang="en-US" sz="2000" dirty="0">
+                <a:latin typeface="Courier" pitchFamily="2" charset="0"/>
+              </a:rPr>
+              <a:t>   .</a:t>
+            </a:r>
+            <a:r>
+              <a:rPr lang="en-US" sz="2000" dirty="0" err="1">
+                <a:solidFill>
+                  <a:srgbClr val="0070C0"/>
+                </a:solidFill>
+                <a:latin typeface="Courier" pitchFamily="2" charset="0"/>
+              </a:rPr>
+              <a:t>withHeader</a:t>
+            </a:r>
+            <a:r>
+              <a:rPr lang="en-US" sz="2000" dirty="0">
+                <a:latin typeface="Courier" pitchFamily="2" charset="0"/>
+              </a:rPr>
+              <a:t>(</a:t>
+            </a:r>
+            <a:r>
+              <a:rPr lang="en-US" sz="2000" dirty="0">
+                <a:solidFill>
+                  <a:schemeClr val="accent6">
+                    <a:lumMod val="50000"/>
+                  </a:schemeClr>
+                </a:solidFill>
+                <a:latin typeface="Courier" pitchFamily="2" charset="0"/>
+              </a:rPr>
+              <a:t>"Accept"</a:t>
+            </a:r>
+            <a:r>
+              <a:rPr lang="en-US" sz="2000" dirty="0">
+                <a:latin typeface="Courier" pitchFamily="2" charset="0"/>
+              </a:rPr>
+              <a:t>, </a:t>
+            </a:r>
+            <a:r>
+              <a:rPr lang="en-US" sz="2000" dirty="0">
+                <a:solidFill>
+                  <a:schemeClr val="accent2">
+                    <a:lumMod val="75000"/>
+                  </a:schemeClr>
+                </a:solidFill>
+                <a:latin typeface="Courier" pitchFamily="2" charset="0"/>
+              </a:rPr>
+              <a:t>containing</a:t>
+            </a:r>
+            <a:r>
+              <a:rPr lang="en-US" sz="2000" dirty="0">
+                <a:latin typeface="Courier" pitchFamily="2" charset="0"/>
+              </a:rPr>
+              <a:t>(</a:t>
+            </a:r>
+            <a:r>
+              <a:rPr lang="en-US" sz="2000" dirty="0">
+                <a:solidFill>
+                  <a:schemeClr val="accent6">
+                    <a:lumMod val="50000"/>
+                  </a:schemeClr>
+                </a:solidFill>
+                <a:latin typeface="Courier" pitchFamily="2" charset="0"/>
+              </a:rPr>
+              <a:t>"xml"</a:t>
+            </a:r>
+            <a:r>
+              <a:rPr lang="en-US" sz="2000" dirty="0">
+                <a:latin typeface="Courier" pitchFamily="2" charset="0"/>
+              </a:rPr>
+              <a:t>));</a:t>
+            </a:r>
+          </a:p>
+          <a:p>
+            <a:pPr marL="0" indent="0">
+              <a:buNone/>
+            </a:pPr>
+            <a:endParaRPr lang="en-US" sz="2000" dirty="0">
+              <a:latin typeface="Courier" pitchFamily="2" charset="0"/>
+            </a:endParaRPr>
+          </a:p>
+          <a:p>
+            <a:pPr marL="0" indent="0">
+              <a:buNone/>
+            </a:pPr>
+            <a:r>
+              <a:rPr lang="en-US" sz="2000" dirty="0">
+                <a:solidFill>
+                  <a:schemeClr val="accent2">
+                    <a:lumMod val="75000"/>
+                  </a:schemeClr>
+                </a:solidFill>
+                <a:latin typeface="Courier" pitchFamily="2" charset="0"/>
+              </a:rPr>
+              <a:t>verify</a:t>
+            </a:r>
+            <a:r>
+              <a:rPr lang="en-US" sz="2000" dirty="0">
+                <a:latin typeface="Courier" pitchFamily="2" charset="0"/>
+              </a:rPr>
+              <a:t>(</a:t>
+            </a:r>
+            <a:r>
+              <a:rPr lang="en-US" sz="2000" dirty="0" err="1">
+                <a:solidFill>
+                  <a:schemeClr val="accent2">
+                    <a:lumMod val="75000"/>
+                  </a:schemeClr>
+                </a:solidFill>
+                <a:latin typeface="Courier" pitchFamily="2" charset="0"/>
+              </a:rPr>
+              <a:t>lessThan</a:t>
+            </a:r>
+            <a:r>
+              <a:rPr lang="en-US" sz="2000" dirty="0">
+                <a:latin typeface="Courier" pitchFamily="2" charset="0"/>
+              </a:rPr>
+              <a:t>(3), </a:t>
+            </a:r>
+            <a:br>
+              <a:rPr lang="en-US" sz="2000" dirty="0">
+                <a:latin typeface="Courier" pitchFamily="2" charset="0"/>
+              </a:rPr>
+            </a:br>
+            <a:r>
+              <a:rPr lang="en-US" sz="2000" dirty="0">
+                <a:latin typeface="Courier" pitchFamily="2" charset="0"/>
+              </a:rPr>
+              <a:t>   </a:t>
+            </a:r>
+            <a:r>
+              <a:rPr lang="en-US" sz="2000" dirty="0" err="1">
+                <a:solidFill>
+                  <a:schemeClr val="accent2">
+                    <a:lumMod val="75000"/>
+                  </a:schemeClr>
+                </a:solidFill>
+                <a:latin typeface="Courier" pitchFamily="2" charset="0"/>
+              </a:rPr>
+              <a:t>postRequestedFor</a:t>
+            </a:r>
+            <a:r>
+              <a:rPr lang="en-US" sz="2000" dirty="0">
+                <a:latin typeface="Courier" pitchFamily="2" charset="0"/>
+              </a:rPr>
+              <a:t>(</a:t>
+            </a:r>
+            <a:r>
+              <a:rPr lang="en-US" sz="2000" dirty="0" err="1">
+                <a:solidFill>
+                  <a:schemeClr val="accent2">
+                    <a:lumMod val="75000"/>
+                  </a:schemeClr>
+                </a:solidFill>
+                <a:latin typeface="Courier" pitchFamily="2" charset="0"/>
+              </a:rPr>
+              <a:t>urlPathEqualTo</a:t>
+            </a:r>
+            <a:r>
+              <a:rPr lang="en-US" sz="2000" dirty="0">
+                <a:latin typeface="Courier" pitchFamily="2" charset="0"/>
+              </a:rPr>
+              <a:t>(</a:t>
+            </a:r>
+            <a:r>
+              <a:rPr lang="en-US" sz="2000" dirty="0">
+                <a:solidFill>
+                  <a:schemeClr val="accent6">
+                    <a:lumMod val="50000"/>
+                  </a:schemeClr>
+                </a:solidFill>
+                <a:latin typeface="Courier" pitchFamily="2" charset="0"/>
+              </a:rPr>
+              <a:t>"/everything"</a:t>
+            </a:r>
+            <a:r>
+              <a:rPr lang="en-US" sz="2000" dirty="0">
+                <a:latin typeface="Courier" pitchFamily="2" charset="0"/>
+              </a:rPr>
+              <a:t>))</a:t>
+            </a:r>
+            <a:br>
+              <a:rPr lang="en-US" sz="2000">
+                <a:latin typeface="Courier" pitchFamily="2" charset="0"/>
+              </a:rPr>
+            </a:br>
+            <a:r>
+              <a:rPr lang="en-US" sz="2000">
+                <a:latin typeface="Courier" pitchFamily="2" charset="0"/>
+              </a:rPr>
+              <a:t>      .</a:t>
+            </a:r>
+            <a:r>
+              <a:rPr lang="en-US" sz="2000" dirty="0" err="1">
+                <a:solidFill>
+                  <a:srgbClr val="0070C0"/>
+                </a:solidFill>
+                <a:latin typeface="Courier" pitchFamily="2" charset="0"/>
+              </a:rPr>
+              <a:t>withHeader</a:t>
+            </a:r>
+            <a:r>
+              <a:rPr lang="en-US" sz="2000" dirty="0">
+                <a:latin typeface="Courier" pitchFamily="2" charset="0"/>
+              </a:rPr>
+              <a:t>(</a:t>
+            </a:r>
+            <a:r>
+              <a:rPr lang="en-US" sz="2000" dirty="0">
+                <a:solidFill>
+                  <a:schemeClr val="accent6">
+                    <a:lumMod val="50000"/>
+                  </a:schemeClr>
+                </a:solidFill>
+                <a:latin typeface="Courier" pitchFamily="2" charset="0"/>
+              </a:rPr>
+              <a:t>"Accept"</a:t>
+            </a:r>
+            <a:r>
+              <a:rPr lang="en-US" sz="2000" dirty="0">
+                <a:latin typeface="Courier" pitchFamily="2" charset="0"/>
+              </a:rPr>
+              <a:t>, </a:t>
+            </a:r>
+            <a:r>
+              <a:rPr lang="en-US" sz="2000" dirty="0">
+                <a:solidFill>
+                  <a:schemeClr val="accent2">
+                    <a:lumMod val="75000"/>
+                  </a:schemeClr>
+                </a:solidFill>
+                <a:latin typeface="Courier" pitchFamily="2" charset="0"/>
+              </a:rPr>
+              <a:t>containing</a:t>
+            </a:r>
+            <a:r>
+              <a:rPr lang="en-US" sz="2000" dirty="0">
+                <a:latin typeface="Courier" pitchFamily="2" charset="0"/>
+              </a:rPr>
+              <a:t>(</a:t>
+            </a:r>
+            <a:r>
+              <a:rPr lang="en-US" sz="2000" dirty="0">
+                <a:solidFill>
+                  <a:schemeClr val="accent6">
+                    <a:lumMod val="50000"/>
+                  </a:schemeClr>
+                </a:solidFill>
+                <a:latin typeface="Courier" pitchFamily="2" charset="0"/>
+              </a:rPr>
+              <a:t>"xml"</a:t>
+            </a:r>
+            <a:r>
+              <a:rPr lang="en-US" sz="2000" dirty="0">
+                <a:latin typeface="Courier" pitchFamily="2" charset="0"/>
+              </a:rPr>
+              <a:t>));</a:t>
+            </a:r>
+          </a:p>
+          <a:p>
+            <a:pPr marL="0" indent="0">
+              <a:buNone/>
+            </a:pPr>
+            <a:endParaRPr lang="en-US" sz="2000" dirty="0">
+              <a:latin typeface="Courier" pitchFamily="2" charset="0"/>
+            </a:endParaRPr>
+          </a:p>
+          <a:p>
+            <a:pPr marL="0" indent="0">
+              <a:buNone/>
+            </a:pPr>
+            <a:endParaRPr lang="en-US" sz="2000" dirty="0">
+              <a:latin typeface="Courier" pitchFamily="2" charset="0"/>
+            </a:endParaRPr>
+          </a:p>
+        </p:txBody>
+      </p:sp>
+    </p:spTree>
+    <p:extLst>
+      <p:ext uri="{BB962C8B-B14F-4D97-AF65-F5344CB8AC3E}">
+        <p14:creationId xmlns:p14="http://schemas.microsoft.com/office/powerpoint/2010/main" val="1126341952"/>
+      </p:ext>
+    </p:extLst>
+  </p:cSld>
+  <p:clrMapOvr>
+    <a:masterClrMapping/>
+  </p:clrMapOvr>
+</p:sld>
+</file>
+
+<file path=ppt/slides/slide9.xml><?xml version="1.0" encoding="utf-8"?>
+<p:sld xmlns:a="http://schemas.openxmlformats.org/drawingml/2006/main" xmlns:r="http://schemas.openxmlformats.org/officeDocument/2006/relationships" xmlns:p="http://schemas.openxmlformats.org/presentationml/2006/main">
+  <p:cSld>
+    <p:spTree>
+      <p:nvGrpSpPr>
+        <p:cNvPr id="1" name=""/>
+        <p:cNvGrpSpPr/>
+        <p:nvPr/>
+      </p:nvGrpSpPr>
+      <p:grpSpPr>
+        <a:xfrm>
+          <a:off x="0" y="0"/>
+          <a:ext cx="0" cy="0"/>
+          <a:chOff x="0" y="0"/>
+          <a:chExt cx="0" cy="0"/>
+        </a:xfrm>
+      </p:grpSpPr>
+      <p:sp>
+        <p:nvSpPr>
+          <p:cNvPr id="2" name="Title 1">
+            <a:extLst>
+              <a:ext uri="{FF2B5EF4-FFF2-40B4-BE49-F238E27FC236}">
+                <a16:creationId xmlns:a16="http://schemas.microsoft.com/office/drawing/2014/main" id="{965FF103-B2AF-2A41-9E51-C55DDFC2E5BA}"/>
+              </a:ext>
+            </a:extLst>
+          </p:cNvPr>
+          <p:cNvSpPr>
+            <a:spLocks noGrp="1"/>
+          </p:cNvSpPr>
+          <p:nvPr>
+            <p:ph type="title"/>
+          </p:nvPr>
+        </p:nvSpPr>
+        <p:spPr/>
+        <p:txBody>
+          <a:bodyPr/>
+          <a:lstStyle/>
+          <a:p>
+            <a:r>
+              <a:rPr lang="en-US" b="1" dirty="0"/>
+              <a:t>Proxying</a:t>
+            </a:r>
+          </a:p>
+        </p:txBody>
+      </p:sp>
+      <p:sp>
+        <p:nvSpPr>
+          <p:cNvPr id="3" name="Content Placeholder 2">
+            <a:extLst>
+              <a:ext uri="{FF2B5EF4-FFF2-40B4-BE49-F238E27FC236}">
+                <a16:creationId xmlns:a16="http://schemas.microsoft.com/office/drawing/2014/main" id="{2A688C31-B456-2A43-AC14-79DC5900B258}"/>
+              </a:ext>
+            </a:extLst>
+          </p:cNvPr>
+          <p:cNvSpPr>
+            <a:spLocks noGrp="1"/>
+          </p:cNvSpPr>
+          <p:nvPr>
+            <p:ph idx="1"/>
+          </p:nvPr>
+        </p:nvSpPr>
+        <p:spPr/>
+        <p:txBody>
+          <a:bodyPr/>
+          <a:lstStyle/>
+          <a:p>
+            <a:r>
+              <a:rPr lang="en-US" dirty="0" err="1"/>
+              <a:t>WireMock</a:t>
+            </a:r>
+            <a:r>
+              <a:rPr lang="en-US" dirty="0"/>
+              <a:t> has the ability to selectively proxy requests through to other hosts. </a:t>
+            </a:r>
+          </a:p>
+          <a:p>
+            <a:pPr lvl="1"/>
+            <a:r>
+              <a:rPr lang="en-US" dirty="0"/>
+              <a:t>This supports a proxy/intercept setup where requests are by default proxied to another (possibly real, live) service, but where specific stubs are configured these are returned in place of the remote service’s response. </a:t>
+            </a:r>
+          </a:p>
+          <a:p>
+            <a:pPr lvl="1"/>
+            <a:r>
+              <a:rPr lang="en-US" dirty="0"/>
+              <a:t>Responses that the live service can’t be forced to generate on demand can thus be injected for testing. </a:t>
+            </a:r>
+          </a:p>
+          <a:p>
+            <a:r>
+              <a:rPr lang="en-US" dirty="0"/>
+              <a:t>Proxying also supports record and playback.</a:t>
+            </a:r>
+          </a:p>
+          <a:p>
+            <a:r>
+              <a:rPr lang="en-US" dirty="0"/>
+              <a:t>Proxy responses are defined in exactly the same manner as stubs, meaning that the same request matching criteria can be used.</a:t>
+            </a:r>
+          </a:p>
+          <a:p>
+            <a:endParaRPr lang="en-US" dirty="0"/>
+          </a:p>
+          <a:p>
+            <a:endParaRPr lang="en-US" dirty="0"/>
+          </a:p>
+        </p:txBody>
+      </p:sp>
+    </p:spTree>
+    <p:extLst>
+      <p:ext uri="{BB962C8B-B14F-4D97-AF65-F5344CB8AC3E}">
+        <p14:creationId xmlns:p14="http://schemas.microsoft.com/office/powerpoint/2010/main" val="2061368511"/>
       </p:ext>
     </p:extLst>
   </p:cSld>

--- a/presentations/Introduction to WireMock.pptx
+++ b/presentations/Introduction to WireMock.pptx
@@ -3875,19 +3875,19 @@
           <a:p>
             <a:r>
               <a:rPr lang="en-US" dirty="0"/>
-              <a:t>Over the network simulator for HTTP-based APIs</a:t>
+              <a:t>Over-the-network simulator for HTTP-based APIs</a:t>
             </a:r>
           </a:p>
           <a:p>
             <a:r>
               <a:rPr lang="en-US" dirty="0"/>
-              <a:t>Runs in-process in a test</a:t>
+              <a:t>Runs in-process in a test or application</a:t>
             </a:r>
           </a:p>
           <a:p>
             <a:r>
               <a:rPr lang="en-US" dirty="0"/>
-              <a:t>Runs as a standalone process</a:t>
+              <a:t>Runs as a standalone process or in a Docker container</a:t>
             </a:r>
           </a:p>
           <a:p>
@@ -3898,9 +3898,10 @@
           </a:p>
           <a:p>
             <a:r>
-              <a:rPr lang="en-US" dirty="0"/>
-              <a:t>Stubbed API endpoints record all invocations</a:t>
-            </a:r>
+              <a:rPr lang="en-US"/>
+              <a:t>Invocation recording</a:t>
+            </a:r>
+            <a:endParaRPr lang="en-US" dirty="0"/>
           </a:p>
           <a:p>
             <a:pPr lvl="1"/>
@@ -5942,12 +5943,12 @@
               <a:t>))</a:t>
             </a:r>
             <a:br>
-              <a:rPr lang="en-US" sz="2000">
+              <a:rPr lang="en-US" sz="2000" dirty="0">
                 <a:latin typeface="Courier" pitchFamily="2" charset="0"/>
               </a:rPr>
             </a:br>
             <a:r>
-              <a:rPr lang="en-US" sz="2000">
+              <a:rPr lang="en-US" sz="2000" dirty="0">
                 <a:latin typeface="Courier" pitchFamily="2" charset="0"/>
               </a:rPr>
               <a:t>      .</a:t>

--- a/presentations/Introduction to WireMock.pptx
+++ b/presentations/Introduction to WireMock.pptx
@@ -3898,10 +3898,9 @@
           </a:p>
           <a:p>
             <a:r>
-              <a:rPr lang="en-US"/>
+              <a:rPr lang="en-US" dirty="0"/>
               <a:t>Invocation recording</a:t>
             </a:r>
-            <a:endParaRPr lang="en-US" dirty="0"/>
           </a:p>
           <a:p>
             <a:pPr lvl="1"/>
@@ -4045,7 +4044,15 @@
             <a:pPr lvl="1"/>
             <a:r>
               <a:rPr lang="en-US" dirty="0"/>
-              <a:t>It feels like ”integration-y”, but it’s still an isolation technique.</a:t>
+              <a:t>It feels a bit ”integration-y”, but </a:t>
+            </a:r>
+            <a:r>
+              <a:rPr lang="en-US" dirty="0" err="1"/>
+              <a:t>WireMock</a:t>
+            </a:r>
+            <a:r>
+              <a:rPr lang="en-US" dirty="0"/>
+              <a:t> is an isolation technique.</a:t>
             </a:r>
           </a:p>
           <a:p>
